--- a/courses/Compiler/2025.fall/Syllabus.pptx
+++ b/courses/Compiler/2025.fall/Syllabus.pptx
@@ -6,10 +6,10 @@
     <p:sldMasterId id="2147483700" r:id="rId2"/>
   </p:sldMasterIdLst>
   <p:notesMasterIdLst>
-    <p:notesMasterId r:id="rId29"/>
+    <p:notesMasterId r:id="rId30"/>
   </p:notesMasterIdLst>
   <p:handoutMasterIdLst>
-    <p:handoutMasterId r:id="rId30"/>
+    <p:handoutMasterId r:id="rId31"/>
   </p:handoutMasterIdLst>
   <p:sldIdLst>
     <p:sldId id="257" r:id="rId3"/>
@@ -17,27 +17,28 @@
     <p:sldId id="330" r:id="rId5"/>
     <p:sldId id="529" r:id="rId6"/>
     <p:sldId id="535" r:id="rId7"/>
-    <p:sldId id="336" r:id="rId8"/>
-    <p:sldId id="327" r:id="rId9"/>
-    <p:sldId id="312" r:id="rId10"/>
-    <p:sldId id="328" r:id="rId11"/>
-    <p:sldId id="329" r:id="rId12"/>
-    <p:sldId id="525" r:id="rId13"/>
-    <p:sldId id="526" r:id="rId14"/>
-    <p:sldId id="331" r:id="rId15"/>
-    <p:sldId id="527" r:id="rId16"/>
-    <p:sldId id="530" r:id="rId17"/>
-    <p:sldId id="286" r:id="rId18"/>
-    <p:sldId id="337" r:id="rId19"/>
-    <p:sldId id="258" r:id="rId20"/>
-    <p:sldId id="334" r:id="rId21"/>
-    <p:sldId id="333" r:id="rId22"/>
-    <p:sldId id="335" r:id="rId23"/>
-    <p:sldId id="313" r:id="rId24"/>
-    <p:sldId id="531" r:id="rId25"/>
-    <p:sldId id="332" r:id="rId26"/>
-    <p:sldId id="534" r:id="rId27"/>
-    <p:sldId id="338" r:id="rId28"/>
+    <p:sldId id="536" r:id="rId8"/>
+    <p:sldId id="336" r:id="rId9"/>
+    <p:sldId id="327" r:id="rId10"/>
+    <p:sldId id="312" r:id="rId11"/>
+    <p:sldId id="328" r:id="rId12"/>
+    <p:sldId id="329" r:id="rId13"/>
+    <p:sldId id="525" r:id="rId14"/>
+    <p:sldId id="526" r:id="rId15"/>
+    <p:sldId id="331" r:id="rId16"/>
+    <p:sldId id="527" r:id="rId17"/>
+    <p:sldId id="530" r:id="rId18"/>
+    <p:sldId id="286" r:id="rId19"/>
+    <p:sldId id="337" r:id="rId20"/>
+    <p:sldId id="258" r:id="rId21"/>
+    <p:sldId id="334" r:id="rId22"/>
+    <p:sldId id="333" r:id="rId23"/>
+    <p:sldId id="335" r:id="rId24"/>
+    <p:sldId id="313" r:id="rId25"/>
+    <p:sldId id="531" r:id="rId26"/>
+    <p:sldId id="332" r:id="rId27"/>
+    <p:sldId id="534" r:id="rId28"/>
+    <p:sldId id="338" r:id="rId29"/>
   </p:sldIdLst>
   <p:sldSz cx="9144000" cy="6858000" type="screen4x3"/>
   <p:notesSz cx="6858000" cy="9144000"/>
@@ -1158,7 +1159,7 @@
             <a:fld id="{28DE4F90-74B3-466F-AFD2-53068A0AC12D}" type="slidenum">
               <a:rPr lang="zh-TW" altLang="en-US" smtClean="0"/>
               <a:pPr/>
-              <a:t>19</a:t>
+              <a:t>20</a:t>
             </a:fld>
             <a:endParaRPr lang="en-US" altLang="zh-TW"/>
           </a:p>
@@ -1391,7 +1392,7 @@
             <a:fld id="{28DE4F90-74B3-466F-AFD2-53068A0AC12D}" type="slidenum">
               <a:rPr lang="zh-TW" altLang="en-US" smtClean="0"/>
               <a:pPr/>
-              <a:t>20</a:t>
+              <a:t>21</a:t>
             </a:fld>
             <a:endParaRPr lang="en-US" altLang="zh-TW"/>
           </a:p>
@@ -1624,7 +1625,7 @@
             <a:fld id="{28DE4F90-74B3-466F-AFD2-53068A0AC12D}" type="slidenum">
               <a:rPr lang="zh-TW" altLang="en-US" smtClean="0"/>
               <a:pPr/>
-              <a:t>21</a:t>
+              <a:t>22</a:t>
             </a:fld>
             <a:endParaRPr lang="en-US" altLang="zh-TW"/>
           </a:p>
@@ -2109,7 +2110,7 @@
                 <a:ea typeface="新細明體" panose="02020500000000000000" pitchFamily="18" charset="-120"/>
               </a:rPr>
               <a:pPr/>
-              <a:t>7</a:t>
+              <a:t>8</a:t>
             </a:fld>
             <a:endParaRPr lang="en-US" altLang="zh-TW" sz="1300">
               <a:ea typeface="新細明體" panose="02020500000000000000" pitchFamily="18" charset="-120"/>
@@ -2344,7 +2345,7 @@
             <a:fld id="{48D870E7-30BF-4E00-9F95-593B141441B2}" type="slidenum">
               <a:rPr lang="zh-TW" altLang="en-US" smtClean="0"/>
               <a:pPr/>
-              <a:t>8</a:t>
+              <a:t>9</a:t>
             </a:fld>
             <a:endParaRPr lang="en-US" altLang="zh-TW"/>
           </a:p>
@@ -2580,7 +2581,7 @@
                 <a:ea typeface="新細明體" panose="02020500000000000000" pitchFamily="18" charset="-120"/>
               </a:rPr>
               <a:pPr/>
-              <a:t>9</a:t>
+              <a:t>10</a:t>
             </a:fld>
             <a:endParaRPr lang="en-US" altLang="zh-TW" sz="1300">
               <a:ea typeface="新細明體" panose="02020500000000000000" pitchFamily="18" charset="-120"/>
@@ -2823,7 +2824,7 @@
                 <a:ea typeface="新細明體" panose="02020500000000000000" pitchFamily="18" charset="-120"/>
               </a:rPr>
               <a:pPr/>
-              <a:t>10</a:t>
+              <a:t>11</a:t>
             </a:fld>
             <a:endParaRPr lang="en-US" altLang="zh-TW" sz="1300">
               <a:ea typeface="新細明體" panose="02020500000000000000" pitchFamily="18" charset="-120"/>
@@ -2915,7 +2916,7 @@
               <a:pPr>
                 <a:defRPr/>
               </a:pPr>
-              <a:t>13</a:t>
+              <a:t>14</a:t>
             </a:fld>
             <a:endParaRPr lang="en-US" altLang="zh-TW"/>
           </a:p>
@@ -3005,7 +3006,7 @@
               <a:pPr>
                 <a:defRPr/>
               </a:pPr>
-              <a:t>15</a:t>
+              <a:t>16</a:t>
             </a:fld>
             <a:endParaRPr lang="en-US" altLang="zh-TW"/>
           </a:p>
@@ -3238,7 +3239,7 @@
             <a:fld id="{28DE4F90-74B3-466F-AFD2-53068A0AC12D}" type="slidenum">
               <a:rPr lang="zh-TW" altLang="en-US" smtClean="0"/>
               <a:pPr/>
-              <a:t>18</a:t>
+              <a:t>19</a:t>
             </a:fld>
             <a:endParaRPr lang="en-US" altLang="zh-TW"/>
           </a:p>
@@ -11504,6 +11505,1440 @@
       </p:grpSpPr>
       <p:sp>
         <p:nvSpPr>
+          <p:cNvPr id="27650" name="標題 1"/>
+          <p:cNvSpPr>
+            <a:spLocks noGrp="1"/>
+          </p:cNvSpPr>
+          <p:nvPr>
+            <p:ph type="title"/>
+          </p:nvPr>
+        </p:nvSpPr>
+        <p:spPr>
+          <a:solidFill>
+            <a:schemeClr val="bg2"/>
+          </a:solidFill>
+        </p:spPr>
+        <p:txBody>
+          <a:bodyPr/>
+          <a:lstStyle/>
+          <a:p>
+            <a:pPr algn="ctr"/>
+            <a:r>
+              <a:rPr lang="en-US" altLang="zh-TW" b="1" dirty="0">
+                <a:latin typeface="+mn-lt"/>
+              </a:rPr>
+              <a:t>Software Crisis</a:t>
+            </a:r>
+            <a:endParaRPr lang="zh-TW" altLang="en-US" b="1" dirty="0">
+              <a:latin typeface="+mn-lt"/>
+            </a:endParaRPr>
+          </a:p>
+        </p:txBody>
+      </p:sp>
+      <p:sp>
+        <p:nvSpPr>
+          <p:cNvPr id="27675" name="內容版面配置區 6"/>
+          <p:cNvSpPr>
+            <a:spLocks noGrp="1"/>
+          </p:cNvSpPr>
+          <p:nvPr>
+            <p:ph idx="1"/>
+          </p:nvPr>
+        </p:nvSpPr>
+        <p:spPr>
+          <a:xfrm>
+            <a:off x="600897" y="6072187"/>
+            <a:ext cx="8120062" cy="428625"/>
+          </a:xfrm>
+        </p:spPr>
+        <p:txBody>
+          <a:bodyPr/>
+          <a:lstStyle/>
+          <a:p>
+            <a:pPr>
+              <a:buFont typeface="Times" panose="02020603050405020304" pitchFamily="18" charset="0"/>
+              <a:buNone/>
+            </a:pPr>
+            <a:r>
+              <a:rPr lang="en-US" altLang="zh-TW" sz="2000" i="1">
+                <a:latin typeface="Times New Roman" panose="02020603050405020304" pitchFamily="18" charset="0"/>
+                <a:cs typeface="Times New Roman" panose="02020603050405020304" pitchFamily="18" charset="0"/>
+              </a:rPr>
+              <a:t>http://en.wikipedia.org/wiki/Source_lines_of_code</a:t>
+            </a:r>
+            <a:endParaRPr lang="zh-TW" altLang="en-US" sz="2000" i="1">
+              <a:latin typeface="Times New Roman" panose="02020603050405020304" pitchFamily="18" charset="0"/>
+              <a:cs typeface="Times New Roman" panose="02020603050405020304" pitchFamily="18" charset="0"/>
+            </a:endParaRPr>
+          </a:p>
+        </p:txBody>
+      </p:sp>
+      <p:sp>
+        <p:nvSpPr>
+          <p:cNvPr id="3" name="投影片編號版面配置區 2">
+            <a:extLst>
+              <a:ext uri="{FF2B5EF4-FFF2-40B4-BE49-F238E27FC236}">
+                <a16:creationId xmlns:a16="http://schemas.microsoft.com/office/drawing/2014/main" id="{C9EFF269-C70A-4354-BB19-B02BE5BF10C3}"/>
+              </a:ext>
+            </a:extLst>
+          </p:cNvPr>
+          <p:cNvSpPr>
+            <a:spLocks noGrp="1"/>
+          </p:cNvSpPr>
+          <p:nvPr>
+            <p:ph type="sldNum" sz="quarter" idx="12"/>
+          </p:nvPr>
+        </p:nvSpPr>
+        <p:spPr/>
+        <p:txBody>
+          <a:bodyPr/>
+          <a:lstStyle/>
+          <a:p>
+            <a:pPr>
+              <a:defRPr/>
+            </a:pPr>
+            <a:r>
+              <a:rPr lang="en-US" altLang="zh-TW"/>
+              <a:t>6-</a:t>
+            </a:r>
+            <a:fld id="{1AF5B732-A6A2-4E8D-AD8E-9E36B5207B07}" type="slidenum">
+              <a:rPr lang="en-US" altLang="zh-TW" smtClean="0"/>
+              <a:pPr>
+                <a:defRPr/>
+              </a:pPr>
+              <a:t>10</a:t>
+            </a:fld>
+            <a:endParaRPr lang="en-US" altLang="zh-TW"/>
+          </a:p>
+        </p:txBody>
+      </p:sp>
+      <p:graphicFrame>
+        <p:nvGraphicFramePr>
+          <p:cNvPr id="6" name="表格 5"/>
+          <p:cNvGraphicFramePr>
+            <a:graphicFrameLocks noGrp="1"/>
+          </p:cNvGraphicFramePr>
+          <p:nvPr>
+            <p:extLst>
+              <p:ext uri="{D42A27DB-BD31-4B8C-83A1-F6EECF244321}">
+                <p14:modId xmlns:p14="http://schemas.microsoft.com/office/powerpoint/2010/main" val="3206180259"/>
+              </p:ext>
+            </p:extLst>
+          </p:nvPr>
+        </p:nvGraphicFramePr>
+        <p:xfrm>
+          <a:off x="1035844" y="1773238"/>
+          <a:ext cx="7117556" cy="4298954"/>
+        </p:xfrm>
+        <a:graphic>
+          <a:graphicData uri="http://schemas.openxmlformats.org/drawingml/2006/table">
+            <a:tbl>
+              <a:tblPr/>
+              <a:tblGrid>
+                <a:gridCol w="4270533">
+                  <a:extLst>
+                    <a:ext uri="{9D8B030D-6E8A-4147-A177-3AD203B41FA5}">
+                      <a16:colId xmlns:a16="http://schemas.microsoft.com/office/drawing/2014/main" val="20000"/>
+                    </a:ext>
+                  </a:extLst>
+                </a:gridCol>
+                <a:gridCol w="2847023">
+                  <a:extLst>
+                    <a:ext uri="{9D8B030D-6E8A-4147-A177-3AD203B41FA5}">
+                      <a16:colId xmlns:a16="http://schemas.microsoft.com/office/drawing/2014/main" val="20001"/>
+                    </a:ext>
+                  </a:extLst>
+                </a:gridCol>
+              </a:tblGrid>
+              <a:tr h="390814">
+                <a:tc>
+                  <a:txBody>
+                    <a:bodyPr/>
+                    <a:lstStyle/>
+                    <a:p>
+                      <a:r>
+                        <a:rPr lang="en-US" sz="1800" dirty="0">
+                          <a:solidFill>
+                            <a:schemeClr val="bg1"/>
+                          </a:solidFill>
+                        </a:rPr>
+                        <a:t>Operating System</a:t>
+                      </a:r>
+                    </a:p>
+                  </a:txBody>
+                  <a:tcPr marL="91439" marR="91439" anchor="ctr">
+                    <a:lnL>
+                      <a:noFill/>
+                    </a:lnL>
+                    <a:lnR>
+                      <a:noFill/>
+                    </a:lnR>
+                    <a:lnT>
+                      <a:noFill/>
+                    </a:lnT>
+                    <a:lnB>
+                      <a:noFill/>
+                    </a:lnB>
+                    <a:solidFill>
+                      <a:schemeClr val="accent1">
+                        <a:lumMod val="90000"/>
+                      </a:schemeClr>
+                    </a:solidFill>
+                  </a:tcPr>
+                </a:tc>
+                <a:tc>
+                  <a:txBody>
+                    <a:bodyPr/>
+                    <a:lstStyle/>
+                    <a:p>
+                      <a:r>
+                        <a:rPr lang="en-US" sz="1800" dirty="0">
+                          <a:solidFill>
+                            <a:schemeClr val="bg1"/>
+                          </a:solidFill>
+                        </a:rPr>
+                        <a:t>SLOC (Million)</a:t>
+                      </a:r>
+                    </a:p>
+                  </a:txBody>
+                  <a:tcPr marL="91439" marR="91439" anchor="ctr">
+                    <a:lnL>
+                      <a:noFill/>
+                    </a:lnL>
+                    <a:lnR>
+                      <a:noFill/>
+                    </a:lnR>
+                    <a:lnT>
+                      <a:noFill/>
+                    </a:lnT>
+                    <a:lnB>
+                      <a:noFill/>
+                    </a:lnB>
+                    <a:solidFill>
+                      <a:schemeClr val="accent1">
+                        <a:lumMod val="90000"/>
+                      </a:schemeClr>
+                    </a:solidFill>
+                  </a:tcPr>
+                </a:tc>
+                <a:extLst>
+                  <a:ext uri="{0D108BD9-81ED-4DB2-BD59-A6C34878D82A}">
+                    <a16:rowId xmlns:a16="http://schemas.microsoft.com/office/drawing/2014/main" val="10000"/>
+                  </a:ext>
+                </a:extLst>
+              </a:tr>
+              <a:tr h="390814">
+                <a:tc>
+                  <a:txBody>
+                    <a:bodyPr/>
+                    <a:lstStyle/>
+                    <a:p>
+                      <a:r>
+                        <a:rPr lang="en-US" sz="1800"/>
+                        <a:t>Debian 2.2</a:t>
+                      </a:r>
+                    </a:p>
+                  </a:txBody>
+                  <a:tcPr marL="91439" marR="91439" anchor="ctr">
+                    <a:lnL>
+                      <a:noFill/>
+                    </a:lnL>
+                    <a:lnR>
+                      <a:noFill/>
+                    </a:lnR>
+                    <a:lnT>
+                      <a:noFill/>
+                    </a:lnT>
+                    <a:lnB>
+                      <a:noFill/>
+                    </a:lnB>
+                  </a:tcPr>
+                </a:tc>
+                <a:tc>
+                  <a:txBody>
+                    <a:bodyPr/>
+                    <a:lstStyle/>
+                    <a:p>
+                      <a:r>
+                        <a:rPr lang="en-US" altLang="zh-TW" sz="1800" dirty="0"/>
+                        <a:t>55-59</a:t>
+                      </a:r>
+                      <a:endParaRPr lang="zh-TW" altLang="en-US" sz="1800" dirty="0"/>
+                    </a:p>
+                  </a:txBody>
+                  <a:tcPr marL="91439" marR="91439" anchor="ctr">
+                    <a:lnL>
+                      <a:noFill/>
+                    </a:lnL>
+                    <a:lnR>
+                      <a:noFill/>
+                    </a:lnR>
+                    <a:lnT>
+                      <a:noFill/>
+                    </a:lnT>
+                    <a:lnB>
+                      <a:noFill/>
+                    </a:lnB>
+                  </a:tcPr>
+                </a:tc>
+                <a:extLst>
+                  <a:ext uri="{0D108BD9-81ED-4DB2-BD59-A6C34878D82A}">
+                    <a16:rowId xmlns:a16="http://schemas.microsoft.com/office/drawing/2014/main" val="10001"/>
+                  </a:ext>
+                </a:extLst>
+              </a:tr>
+              <a:tr h="390814">
+                <a:tc>
+                  <a:txBody>
+                    <a:bodyPr/>
+                    <a:lstStyle/>
+                    <a:p>
+                      <a:r>
+                        <a:rPr lang="en-US" sz="1800" dirty="0" err="1"/>
+                        <a:t>Debian</a:t>
+                      </a:r>
+                      <a:r>
+                        <a:rPr lang="en-US" sz="1800" dirty="0"/>
+                        <a:t> 3.0</a:t>
+                      </a:r>
+                    </a:p>
+                  </a:txBody>
+                  <a:tcPr marL="91439" marR="91439" anchor="ctr">
+                    <a:lnL>
+                      <a:noFill/>
+                    </a:lnL>
+                    <a:lnR>
+                      <a:noFill/>
+                    </a:lnR>
+                    <a:lnT>
+                      <a:noFill/>
+                    </a:lnT>
+                    <a:lnB>
+                      <a:noFill/>
+                    </a:lnB>
+                    <a:solidFill>
+                      <a:schemeClr val="accent5"/>
+                    </a:solidFill>
+                  </a:tcPr>
+                </a:tc>
+                <a:tc>
+                  <a:txBody>
+                    <a:bodyPr/>
+                    <a:lstStyle/>
+                    <a:p>
+                      <a:r>
+                        <a:rPr lang="en-US" altLang="zh-TW" sz="1800" dirty="0"/>
+                        <a:t>104</a:t>
+                      </a:r>
+                      <a:endParaRPr lang="zh-TW" altLang="en-US" sz="1800" dirty="0"/>
+                    </a:p>
+                  </a:txBody>
+                  <a:tcPr marL="91439" marR="91439" anchor="ctr">
+                    <a:lnL>
+                      <a:noFill/>
+                    </a:lnL>
+                    <a:lnR>
+                      <a:noFill/>
+                    </a:lnR>
+                    <a:lnT>
+                      <a:noFill/>
+                    </a:lnT>
+                    <a:lnB>
+                      <a:noFill/>
+                    </a:lnB>
+                    <a:solidFill>
+                      <a:schemeClr val="accent5"/>
+                    </a:solidFill>
+                  </a:tcPr>
+                </a:tc>
+                <a:extLst>
+                  <a:ext uri="{0D108BD9-81ED-4DB2-BD59-A6C34878D82A}">
+                    <a16:rowId xmlns:a16="http://schemas.microsoft.com/office/drawing/2014/main" val="10002"/>
+                  </a:ext>
+                </a:extLst>
+              </a:tr>
+              <a:tr h="390814">
+                <a:tc>
+                  <a:txBody>
+                    <a:bodyPr/>
+                    <a:lstStyle/>
+                    <a:p>
+                      <a:r>
+                        <a:rPr lang="en-US" sz="1800"/>
+                        <a:t>Debian 3.1</a:t>
+                      </a:r>
+                    </a:p>
+                  </a:txBody>
+                  <a:tcPr marL="91439" marR="91439" anchor="ctr">
+                    <a:lnL>
+                      <a:noFill/>
+                    </a:lnL>
+                    <a:lnR>
+                      <a:noFill/>
+                    </a:lnR>
+                    <a:lnT>
+                      <a:noFill/>
+                    </a:lnT>
+                    <a:lnB>
+                      <a:noFill/>
+                    </a:lnB>
+                  </a:tcPr>
+                </a:tc>
+                <a:tc>
+                  <a:txBody>
+                    <a:bodyPr/>
+                    <a:lstStyle/>
+                    <a:p>
+                      <a:r>
+                        <a:rPr lang="en-US" altLang="zh-TW" sz="1800" dirty="0"/>
+                        <a:t>215</a:t>
+                      </a:r>
+                      <a:endParaRPr lang="zh-TW" altLang="en-US" sz="1800" dirty="0"/>
+                    </a:p>
+                  </a:txBody>
+                  <a:tcPr marL="91439" marR="91439" anchor="ctr">
+                    <a:lnL>
+                      <a:noFill/>
+                    </a:lnL>
+                    <a:lnR>
+                      <a:noFill/>
+                    </a:lnR>
+                    <a:lnT>
+                      <a:noFill/>
+                    </a:lnT>
+                    <a:lnB>
+                      <a:noFill/>
+                    </a:lnB>
+                  </a:tcPr>
+                </a:tc>
+                <a:extLst>
+                  <a:ext uri="{0D108BD9-81ED-4DB2-BD59-A6C34878D82A}">
+                    <a16:rowId xmlns:a16="http://schemas.microsoft.com/office/drawing/2014/main" val="10003"/>
+                  </a:ext>
+                </a:extLst>
+              </a:tr>
+              <a:tr h="390814">
+                <a:tc>
+                  <a:txBody>
+                    <a:bodyPr/>
+                    <a:lstStyle/>
+                    <a:p>
+                      <a:r>
+                        <a:rPr lang="en-US" sz="1800" dirty="0" err="1"/>
+                        <a:t>Debian</a:t>
+                      </a:r>
+                      <a:r>
+                        <a:rPr lang="en-US" sz="1800" dirty="0"/>
+                        <a:t> 4.0</a:t>
+                      </a:r>
+                    </a:p>
+                  </a:txBody>
+                  <a:tcPr marL="91439" marR="91439" anchor="ctr">
+                    <a:lnL>
+                      <a:noFill/>
+                    </a:lnL>
+                    <a:lnR>
+                      <a:noFill/>
+                    </a:lnR>
+                    <a:lnT>
+                      <a:noFill/>
+                    </a:lnT>
+                    <a:lnB>
+                      <a:noFill/>
+                    </a:lnB>
+                    <a:solidFill>
+                      <a:schemeClr val="accent5"/>
+                    </a:solidFill>
+                  </a:tcPr>
+                </a:tc>
+                <a:tc>
+                  <a:txBody>
+                    <a:bodyPr/>
+                    <a:lstStyle/>
+                    <a:p>
+                      <a:r>
+                        <a:rPr lang="en-US" altLang="zh-TW" sz="1800" dirty="0"/>
+                        <a:t>283</a:t>
+                      </a:r>
+                      <a:endParaRPr lang="zh-TW" altLang="en-US" sz="1800" dirty="0"/>
+                    </a:p>
+                  </a:txBody>
+                  <a:tcPr marL="91439" marR="91439" anchor="ctr">
+                    <a:lnL>
+                      <a:noFill/>
+                    </a:lnL>
+                    <a:lnR>
+                      <a:noFill/>
+                    </a:lnR>
+                    <a:lnT>
+                      <a:noFill/>
+                    </a:lnT>
+                    <a:lnB>
+                      <a:noFill/>
+                    </a:lnB>
+                    <a:solidFill>
+                      <a:schemeClr val="accent5"/>
+                    </a:solidFill>
+                  </a:tcPr>
+                </a:tc>
+                <a:extLst>
+                  <a:ext uri="{0D108BD9-81ED-4DB2-BD59-A6C34878D82A}">
+                    <a16:rowId xmlns:a16="http://schemas.microsoft.com/office/drawing/2014/main" val="10004"/>
+                  </a:ext>
+                </a:extLst>
+              </a:tr>
+              <a:tr h="390814">
+                <a:tc>
+                  <a:txBody>
+                    <a:bodyPr/>
+                    <a:lstStyle/>
+                    <a:p>
+                      <a:r>
+                        <a:rPr lang="en-US" sz="1800">
+                          <a:hlinkClick r:id="rId3" action="ppaction://hlinkfile" tooltip="Opensolaris"/>
+                        </a:rPr>
+                        <a:t>OpenSolaris</a:t>
+                      </a:r>
+                      <a:endParaRPr lang="en-US" sz="1800"/>
+                    </a:p>
+                  </a:txBody>
+                  <a:tcPr marL="91439" marR="91439" anchor="ctr">
+                    <a:lnL>
+                      <a:noFill/>
+                    </a:lnL>
+                    <a:lnR>
+                      <a:noFill/>
+                    </a:lnR>
+                    <a:lnT>
+                      <a:noFill/>
+                    </a:lnT>
+                    <a:lnB>
+                      <a:noFill/>
+                    </a:lnB>
+                  </a:tcPr>
+                </a:tc>
+                <a:tc>
+                  <a:txBody>
+                    <a:bodyPr/>
+                    <a:lstStyle/>
+                    <a:p>
+                      <a:r>
+                        <a:rPr lang="en-US" altLang="zh-TW" sz="1800" dirty="0"/>
+                        <a:t>9.7</a:t>
+                      </a:r>
+                    </a:p>
+                  </a:txBody>
+                  <a:tcPr marL="91439" marR="91439" anchor="ctr">
+                    <a:lnL>
+                      <a:noFill/>
+                    </a:lnL>
+                    <a:lnR>
+                      <a:noFill/>
+                    </a:lnR>
+                    <a:lnT>
+                      <a:noFill/>
+                    </a:lnT>
+                    <a:lnB>
+                      <a:noFill/>
+                    </a:lnB>
+                  </a:tcPr>
+                </a:tc>
+                <a:extLst>
+                  <a:ext uri="{0D108BD9-81ED-4DB2-BD59-A6C34878D82A}">
+                    <a16:rowId xmlns:a16="http://schemas.microsoft.com/office/drawing/2014/main" val="10005"/>
+                  </a:ext>
+                </a:extLst>
+              </a:tr>
+              <a:tr h="390814">
+                <a:tc>
+                  <a:txBody>
+                    <a:bodyPr/>
+                    <a:lstStyle/>
+                    <a:p>
+                      <a:r>
+                        <a:rPr lang="en-US" sz="1800" dirty="0">
+                          <a:hlinkClick r:id="rId4" action="ppaction://hlinkfile" tooltip="FreeBSD"/>
+                        </a:rPr>
+                        <a:t>FreeBSD</a:t>
+                      </a:r>
+                      <a:endParaRPr lang="en-US" sz="1800" dirty="0"/>
+                    </a:p>
+                  </a:txBody>
+                  <a:tcPr marL="91439" marR="91439" anchor="ctr">
+                    <a:lnL>
+                      <a:noFill/>
+                    </a:lnL>
+                    <a:lnR>
+                      <a:noFill/>
+                    </a:lnR>
+                    <a:lnT>
+                      <a:noFill/>
+                    </a:lnT>
+                    <a:lnB>
+                      <a:noFill/>
+                    </a:lnB>
+                    <a:solidFill>
+                      <a:schemeClr val="accent5"/>
+                    </a:solidFill>
+                  </a:tcPr>
+                </a:tc>
+                <a:tc>
+                  <a:txBody>
+                    <a:bodyPr/>
+                    <a:lstStyle/>
+                    <a:p>
+                      <a:r>
+                        <a:rPr lang="en-US" altLang="zh-TW" sz="1800" dirty="0"/>
+                        <a:t>8.8</a:t>
+                      </a:r>
+                    </a:p>
+                  </a:txBody>
+                  <a:tcPr marL="91439" marR="91439" anchor="ctr">
+                    <a:lnL>
+                      <a:noFill/>
+                    </a:lnL>
+                    <a:lnR>
+                      <a:noFill/>
+                    </a:lnR>
+                    <a:lnT>
+                      <a:noFill/>
+                    </a:lnT>
+                    <a:lnB>
+                      <a:noFill/>
+                    </a:lnB>
+                    <a:solidFill>
+                      <a:schemeClr val="accent5"/>
+                    </a:solidFill>
+                  </a:tcPr>
+                </a:tc>
+                <a:extLst>
+                  <a:ext uri="{0D108BD9-81ED-4DB2-BD59-A6C34878D82A}">
+                    <a16:rowId xmlns:a16="http://schemas.microsoft.com/office/drawing/2014/main" val="10006"/>
+                  </a:ext>
+                </a:extLst>
+              </a:tr>
+              <a:tr h="390814">
+                <a:tc>
+                  <a:txBody>
+                    <a:bodyPr/>
+                    <a:lstStyle/>
+                    <a:p>
+                      <a:r>
+                        <a:rPr lang="en-US" sz="1800">
+                          <a:hlinkClick r:id="rId5" action="ppaction://hlinkfile" tooltip="Mac OS X"/>
+                        </a:rPr>
+                        <a:t>Mac OS X</a:t>
+                      </a:r>
+                      <a:r>
+                        <a:rPr lang="en-US" sz="1800"/>
+                        <a:t> 10.4</a:t>
+                      </a:r>
+                    </a:p>
+                  </a:txBody>
+                  <a:tcPr marL="91439" marR="91439" anchor="ctr">
+                    <a:lnL>
+                      <a:noFill/>
+                    </a:lnL>
+                    <a:lnR>
+                      <a:noFill/>
+                    </a:lnR>
+                    <a:lnT>
+                      <a:noFill/>
+                    </a:lnT>
+                    <a:lnB>
+                      <a:noFill/>
+                    </a:lnB>
+                  </a:tcPr>
+                </a:tc>
+                <a:tc>
+                  <a:txBody>
+                    <a:bodyPr/>
+                    <a:lstStyle/>
+                    <a:p>
+                      <a:r>
+                        <a:rPr lang="en-US" altLang="zh-TW" sz="1800" dirty="0"/>
+                        <a:t>86</a:t>
+                      </a:r>
+                      <a:endParaRPr lang="zh-TW" altLang="en-US" sz="1800" dirty="0"/>
+                    </a:p>
+                  </a:txBody>
+                  <a:tcPr marL="91439" marR="91439" anchor="ctr">
+                    <a:lnL>
+                      <a:noFill/>
+                    </a:lnL>
+                    <a:lnR>
+                      <a:noFill/>
+                    </a:lnR>
+                    <a:lnT>
+                      <a:noFill/>
+                    </a:lnT>
+                    <a:lnB>
+                      <a:noFill/>
+                    </a:lnB>
+                  </a:tcPr>
+                </a:tc>
+                <a:extLst>
+                  <a:ext uri="{0D108BD9-81ED-4DB2-BD59-A6C34878D82A}">
+                    <a16:rowId xmlns:a16="http://schemas.microsoft.com/office/drawing/2014/main" val="10007"/>
+                  </a:ext>
+                </a:extLst>
+              </a:tr>
+              <a:tr h="390814">
+                <a:tc>
+                  <a:txBody>
+                    <a:bodyPr/>
+                    <a:lstStyle/>
+                    <a:p>
+                      <a:r>
+                        <a:rPr lang="en-US" sz="1800" dirty="0">
+                          <a:hlinkClick r:id="rId6" action="ppaction://hlinkfile" tooltip="Linux (kernel)"/>
+                        </a:rPr>
+                        <a:t>Linux kernel</a:t>
+                      </a:r>
+                      <a:r>
+                        <a:rPr lang="en-US" sz="1800" dirty="0"/>
+                        <a:t> 2.6.0</a:t>
+                      </a:r>
+                    </a:p>
+                  </a:txBody>
+                  <a:tcPr marL="91439" marR="91439" anchor="ctr">
+                    <a:lnL>
+                      <a:noFill/>
+                    </a:lnL>
+                    <a:lnR>
+                      <a:noFill/>
+                    </a:lnR>
+                    <a:lnT>
+                      <a:noFill/>
+                    </a:lnT>
+                    <a:lnB>
+                      <a:noFill/>
+                    </a:lnB>
+                    <a:solidFill>
+                      <a:schemeClr val="accent5"/>
+                    </a:solidFill>
+                  </a:tcPr>
+                </a:tc>
+                <a:tc>
+                  <a:txBody>
+                    <a:bodyPr/>
+                    <a:lstStyle/>
+                    <a:p>
+                      <a:r>
+                        <a:rPr lang="en-US" altLang="zh-TW" sz="1800" dirty="0"/>
+                        <a:t>5.2</a:t>
+                      </a:r>
+                    </a:p>
+                  </a:txBody>
+                  <a:tcPr marL="91439" marR="91439" anchor="ctr">
+                    <a:lnL>
+                      <a:noFill/>
+                    </a:lnL>
+                    <a:lnR>
+                      <a:noFill/>
+                    </a:lnR>
+                    <a:lnT>
+                      <a:noFill/>
+                    </a:lnT>
+                    <a:lnB>
+                      <a:noFill/>
+                    </a:lnB>
+                    <a:solidFill>
+                      <a:schemeClr val="accent5"/>
+                    </a:solidFill>
+                  </a:tcPr>
+                </a:tc>
+                <a:extLst>
+                  <a:ext uri="{0D108BD9-81ED-4DB2-BD59-A6C34878D82A}">
+                    <a16:rowId xmlns:a16="http://schemas.microsoft.com/office/drawing/2014/main" val="10008"/>
+                  </a:ext>
+                </a:extLst>
+              </a:tr>
+              <a:tr h="390814">
+                <a:tc>
+                  <a:txBody>
+                    <a:bodyPr/>
+                    <a:lstStyle/>
+                    <a:p>
+                      <a:r>
+                        <a:rPr lang="en-US" sz="1800">
+                          <a:hlinkClick r:id="rId6" action="ppaction://hlinkfile" tooltip="Linux (kernel)"/>
+                        </a:rPr>
+                        <a:t>Linux kernel</a:t>
+                      </a:r>
+                      <a:r>
+                        <a:rPr lang="en-US" sz="1800"/>
+                        <a:t> 2.6.29</a:t>
+                      </a:r>
+                    </a:p>
+                  </a:txBody>
+                  <a:tcPr marL="91439" marR="91439" anchor="ctr">
+                    <a:lnL>
+                      <a:noFill/>
+                    </a:lnL>
+                    <a:lnR>
+                      <a:noFill/>
+                    </a:lnR>
+                    <a:lnT>
+                      <a:noFill/>
+                    </a:lnT>
+                    <a:lnB>
+                      <a:noFill/>
+                    </a:lnB>
+                  </a:tcPr>
+                </a:tc>
+                <a:tc>
+                  <a:txBody>
+                    <a:bodyPr/>
+                    <a:lstStyle/>
+                    <a:p>
+                      <a:r>
+                        <a:rPr lang="en-US" altLang="zh-TW" sz="1800"/>
+                        <a:t>11.0</a:t>
+                      </a:r>
+                    </a:p>
+                  </a:txBody>
+                  <a:tcPr marL="91439" marR="91439" anchor="ctr">
+                    <a:lnL>
+                      <a:noFill/>
+                    </a:lnL>
+                    <a:lnR>
+                      <a:noFill/>
+                    </a:lnR>
+                    <a:lnT>
+                      <a:noFill/>
+                    </a:lnT>
+                    <a:lnB>
+                      <a:noFill/>
+                    </a:lnB>
+                  </a:tcPr>
+                </a:tc>
+                <a:extLst>
+                  <a:ext uri="{0D108BD9-81ED-4DB2-BD59-A6C34878D82A}">
+                    <a16:rowId xmlns:a16="http://schemas.microsoft.com/office/drawing/2014/main" val="10009"/>
+                  </a:ext>
+                </a:extLst>
+              </a:tr>
+              <a:tr h="390814">
+                <a:tc>
+                  <a:txBody>
+                    <a:bodyPr/>
+                    <a:lstStyle/>
+                    <a:p>
+                      <a:r>
+                        <a:rPr lang="en-US" sz="1800" dirty="0">
+                          <a:hlinkClick r:id="rId6" action="ppaction://hlinkfile" tooltip="Linux (kernel)"/>
+                        </a:rPr>
+                        <a:t>Linux kernel</a:t>
+                      </a:r>
+                      <a:r>
+                        <a:rPr lang="en-US" sz="1800" dirty="0"/>
+                        <a:t> 2.6.32</a:t>
+                      </a:r>
+                    </a:p>
+                  </a:txBody>
+                  <a:tcPr marL="91439" marR="91439" anchor="ctr">
+                    <a:lnL>
+                      <a:noFill/>
+                    </a:lnL>
+                    <a:lnR>
+                      <a:noFill/>
+                    </a:lnR>
+                    <a:lnT>
+                      <a:noFill/>
+                    </a:lnT>
+                    <a:lnB>
+                      <a:noFill/>
+                    </a:lnB>
+                    <a:solidFill>
+                      <a:schemeClr val="accent5"/>
+                    </a:solidFill>
+                  </a:tcPr>
+                </a:tc>
+                <a:tc>
+                  <a:txBody>
+                    <a:bodyPr/>
+                    <a:lstStyle/>
+                    <a:p>
+                      <a:r>
+                        <a:rPr lang="en-US" altLang="zh-TW" sz="1800" dirty="0"/>
+                        <a:t>12.6</a:t>
+                      </a:r>
+                      <a:endParaRPr lang="zh-TW" altLang="en-US" sz="1800" dirty="0"/>
+                    </a:p>
+                  </a:txBody>
+                  <a:tcPr marL="91439" marR="91439" anchor="ctr">
+                    <a:lnL>
+                      <a:noFill/>
+                    </a:lnL>
+                    <a:lnR>
+                      <a:noFill/>
+                    </a:lnR>
+                    <a:lnT>
+                      <a:noFill/>
+                    </a:lnT>
+                    <a:lnB>
+                      <a:noFill/>
+                    </a:lnB>
+                    <a:solidFill>
+                      <a:schemeClr val="accent5"/>
+                    </a:solidFill>
+                  </a:tcPr>
+                </a:tc>
+                <a:extLst>
+                  <a:ext uri="{0D108BD9-81ED-4DB2-BD59-A6C34878D82A}">
+                    <a16:rowId xmlns:a16="http://schemas.microsoft.com/office/drawing/2014/main" val="10010"/>
+                  </a:ext>
+                </a:extLst>
+              </a:tr>
+            </a:tbl>
+          </a:graphicData>
+        </a:graphic>
+      </p:graphicFrame>
+      <p:sp>
+        <p:nvSpPr>
+          <p:cNvPr id="27676" name="圓角矩形圖說文字 6"/>
+          <p:cNvSpPr>
+            <a:spLocks noChangeArrowheads="1"/>
+          </p:cNvSpPr>
+          <p:nvPr/>
+        </p:nvSpPr>
+        <p:spPr bwMode="auto">
+          <a:xfrm>
+            <a:off x="6884987" y="2262187"/>
+            <a:ext cx="2106613" cy="1079500"/>
+          </a:xfrm>
+          <a:prstGeom prst="wedgeRoundRectCallout">
+            <a:avLst>
+              <a:gd name="adj1" fmla="val -54855"/>
+              <a:gd name="adj2" fmla="val -73772"/>
+              <a:gd name="adj3" fmla="val 16667"/>
+            </a:avLst>
+          </a:prstGeom>
+          <a:solidFill>
+            <a:schemeClr val="accent4"/>
+          </a:solidFill>
+          <a:ln w="9525" algn="ctr">
+            <a:solidFill>
+              <a:schemeClr val="tx1"/>
+            </a:solidFill>
+            <a:round/>
+            <a:headEnd/>
+            <a:tailEnd/>
+          </a:ln>
+        </p:spPr>
+        <p:txBody>
+          <a:bodyPr/>
+          <a:lstStyle>
+            <a:lvl1pPr>
+              <a:spcBef>
+                <a:spcPct val="20000"/>
+              </a:spcBef>
+              <a:buClr>
+                <a:srgbClr val="6B9941"/>
+              </a:buClr>
+              <a:buFont typeface="Times" panose="02020603050405020304" pitchFamily="18" charset="0"/>
+              <a:buChar char="•"/>
+              <a:defRPr sz="3200">
+                <a:solidFill>
+                  <a:schemeClr val="tx1"/>
+                </a:solidFill>
+                <a:latin typeface="Arial" panose="020B0604020202020204" pitchFamily="34" charset="0"/>
+                <a:ea typeface="ヒラギノ角ゴ Pro W3" pitchFamily="1" charset="-128"/>
+              </a:defRPr>
+            </a:lvl1pPr>
+            <a:lvl2pPr marL="742950" indent="-285750">
+              <a:spcBef>
+                <a:spcPct val="20000"/>
+              </a:spcBef>
+              <a:buClr>
+                <a:srgbClr val="6B9941"/>
+              </a:buClr>
+              <a:buChar char="–"/>
+              <a:defRPr sz="2800">
+                <a:solidFill>
+                  <a:schemeClr val="tx1"/>
+                </a:solidFill>
+                <a:latin typeface="Arial" panose="020B0604020202020204" pitchFamily="34" charset="0"/>
+                <a:ea typeface="ヒラギノ角ゴ Pro W3" pitchFamily="1" charset="-128"/>
+              </a:defRPr>
+            </a:lvl2pPr>
+            <a:lvl3pPr marL="1143000" indent="-228600">
+              <a:spcBef>
+                <a:spcPct val="20000"/>
+              </a:spcBef>
+              <a:buClr>
+                <a:srgbClr val="6B9941"/>
+              </a:buClr>
+              <a:buChar char="•"/>
+              <a:defRPr sz="2400">
+                <a:solidFill>
+                  <a:schemeClr val="tx1"/>
+                </a:solidFill>
+                <a:latin typeface="Arial" panose="020B0604020202020204" pitchFamily="34" charset="0"/>
+                <a:ea typeface="ヒラギノ角ゴ Pro W3" pitchFamily="1" charset="-128"/>
+              </a:defRPr>
+            </a:lvl3pPr>
+            <a:lvl4pPr marL="1600200" indent="-228600">
+              <a:spcBef>
+                <a:spcPct val="20000"/>
+              </a:spcBef>
+              <a:buClr>
+                <a:srgbClr val="6B9941"/>
+              </a:buClr>
+              <a:buChar char="–"/>
+              <a:defRPr sz="2000">
+                <a:solidFill>
+                  <a:schemeClr val="tx1"/>
+                </a:solidFill>
+                <a:latin typeface="Arial" panose="020B0604020202020204" pitchFamily="34" charset="0"/>
+                <a:ea typeface="ヒラギノ角ゴ Pro W3" pitchFamily="1" charset="-128"/>
+              </a:defRPr>
+            </a:lvl4pPr>
+            <a:lvl5pPr marL="2057400" indent="-228600">
+              <a:spcBef>
+                <a:spcPct val="20000"/>
+              </a:spcBef>
+              <a:buClr>
+                <a:srgbClr val="6B9941"/>
+              </a:buClr>
+              <a:buChar char="»"/>
+              <a:defRPr sz="2000">
+                <a:solidFill>
+                  <a:schemeClr val="tx1"/>
+                </a:solidFill>
+                <a:latin typeface="Arial" panose="020B0604020202020204" pitchFamily="34" charset="0"/>
+                <a:ea typeface="ヒラギノ角ゴ Pro W3" pitchFamily="1" charset="-128"/>
+              </a:defRPr>
+            </a:lvl5pPr>
+            <a:lvl6pPr marL="2514600" indent="-228600" eaLnBrk="0" fontAlgn="base" hangingPunct="0">
+              <a:spcBef>
+                <a:spcPct val="20000"/>
+              </a:spcBef>
+              <a:spcAft>
+                <a:spcPct val="0"/>
+              </a:spcAft>
+              <a:buClr>
+                <a:srgbClr val="6B9941"/>
+              </a:buClr>
+              <a:buChar char="»"/>
+              <a:defRPr sz="2000">
+                <a:solidFill>
+                  <a:schemeClr val="tx1"/>
+                </a:solidFill>
+                <a:latin typeface="Arial" panose="020B0604020202020204" pitchFamily="34" charset="0"/>
+                <a:ea typeface="ヒラギノ角ゴ Pro W3" pitchFamily="1" charset="-128"/>
+              </a:defRPr>
+            </a:lvl6pPr>
+            <a:lvl7pPr marL="2971800" indent="-228600" eaLnBrk="0" fontAlgn="base" hangingPunct="0">
+              <a:spcBef>
+                <a:spcPct val="20000"/>
+              </a:spcBef>
+              <a:spcAft>
+                <a:spcPct val="0"/>
+              </a:spcAft>
+              <a:buClr>
+                <a:srgbClr val="6B9941"/>
+              </a:buClr>
+              <a:buChar char="»"/>
+              <a:defRPr sz="2000">
+                <a:solidFill>
+                  <a:schemeClr val="tx1"/>
+                </a:solidFill>
+                <a:latin typeface="Arial" panose="020B0604020202020204" pitchFamily="34" charset="0"/>
+                <a:ea typeface="ヒラギノ角ゴ Pro W3" pitchFamily="1" charset="-128"/>
+              </a:defRPr>
+            </a:lvl7pPr>
+            <a:lvl8pPr marL="3429000" indent="-228600" eaLnBrk="0" fontAlgn="base" hangingPunct="0">
+              <a:spcBef>
+                <a:spcPct val="20000"/>
+              </a:spcBef>
+              <a:spcAft>
+                <a:spcPct val="0"/>
+              </a:spcAft>
+              <a:buClr>
+                <a:srgbClr val="6B9941"/>
+              </a:buClr>
+              <a:buChar char="»"/>
+              <a:defRPr sz="2000">
+                <a:solidFill>
+                  <a:schemeClr val="tx1"/>
+                </a:solidFill>
+                <a:latin typeface="Arial" panose="020B0604020202020204" pitchFamily="34" charset="0"/>
+                <a:ea typeface="ヒラギノ角ゴ Pro W3" pitchFamily="1" charset="-128"/>
+              </a:defRPr>
+            </a:lvl8pPr>
+            <a:lvl9pPr marL="3886200" indent="-228600" eaLnBrk="0" fontAlgn="base" hangingPunct="0">
+              <a:spcBef>
+                <a:spcPct val="20000"/>
+              </a:spcBef>
+              <a:spcAft>
+                <a:spcPct val="0"/>
+              </a:spcAft>
+              <a:buClr>
+                <a:srgbClr val="6B9941"/>
+              </a:buClr>
+              <a:buChar char="»"/>
+              <a:defRPr sz="2000">
+                <a:solidFill>
+                  <a:schemeClr val="tx1"/>
+                </a:solidFill>
+                <a:latin typeface="Arial" panose="020B0604020202020204" pitchFamily="34" charset="0"/>
+                <a:ea typeface="ヒラギノ角ゴ Pro W3" pitchFamily="1" charset="-128"/>
+              </a:defRPr>
+            </a:lvl9pPr>
+          </a:lstStyle>
+          <a:p>
+            <a:pPr>
+              <a:spcBef>
+                <a:spcPct val="0"/>
+              </a:spcBef>
+              <a:buClrTx/>
+              <a:buFontTx/>
+              <a:buNone/>
+            </a:pPr>
+            <a:r>
+              <a:rPr lang="en-US" altLang="zh-TW" sz="2800">
+                <a:latin typeface="+mn-lt"/>
+              </a:rPr>
+              <a:t>source lines of code</a:t>
+            </a:r>
+            <a:endParaRPr lang="zh-TW" altLang="en-US" sz="2800">
+              <a:latin typeface="+mn-lt"/>
+            </a:endParaRPr>
+          </a:p>
+        </p:txBody>
+      </p:sp>
+      <p:sp>
+        <p:nvSpPr>
+          <p:cNvPr id="7" name="Slide Number Placeholder 5">
+            <a:extLst>
+              <a:ext uri="{FF2B5EF4-FFF2-40B4-BE49-F238E27FC236}">
+                <a16:creationId xmlns:a16="http://schemas.microsoft.com/office/drawing/2014/main" id="{0A27FD97-F845-4B38-A1A7-B87331A2E447}"/>
+              </a:ext>
+            </a:extLst>
+          </p:cNvPr>
+          <p:cNvSpPr txBox="1">
+            <a:spLocks/>
+          </p:cNvSpPr>
+          <p:nvPr/>
+        </p:nvSpPr>
+        <p:spPr bwMode="auto">
+          <a:xfrm>
+            <a:off x="8001000" y="6477000"/>
+            <a:ext cx="609600" cy="304800"/>
+          </a:xfrm>
+          <a:prstGeom prst="rect">
+            <a:avLst/>
+          </a:prstGeom>
+          <a:noFill/>
+          <a:ln w="9525">
+            <a:noFill/>
+            <a:miter lim="800000"/>
+            <a:headEnd/>
+            <a:tailEnd/>
+          </a:ln>
+          <a:effectLst/>
+        </p:spPr>
+        <p:txBody>
+          <a:bodyPr vert="horz" wrap="square" lIns="91440" tIns="45720" rIns="91440" bIns="45720" numCol="1" anchor="b" anchorCtr="0" compatLnSpc="1">
+            <a:prstTxWarp prst="textNoShape">
+              <a:avLst/>
+            </a:prstTxWarp>
+          </a:bodyPr>
+          <a:lstStyle>
+            <a:defPPr>
+              <a:defRPr lang="en-US"/>
+            </a:defPPr>
+            <a:lvl1pPr algn="r" rtl="0" eaLnBrk="1" fontAlgn="base" hangingPunct="1">
+              <a:spcBef>
+                <a:spcPct val="20000"/>
+              </a:spcBef>
+              <a:spcAft>
+                <a:spcPct val="0"/>
+              </a:spcAft>
+              <a:buClr>
+                <a:schemeClr val="hlink"/>
+              </a:buClr>
+              <a:buSzPct val="90000"/>
+              <a:buFont typeface="Wingdings" panose="05000000000000000000" pitchFamily="2" charset="2"/>
+              <a:buBlip>
+                <a:blip r:embed="rId7"/>
+              </a:buBlip>
+              <a:defRPr sz="3200" kern="1200">
+                <a:solidFill>
+                  <a:schemeClr val="tx1"/>
+                </a:solidFill>
+                <a:effectLst>
+                  <a:outerShdw blurRad="38100" dist="38100" dir="2700000" algn="tl">
+                    <a:srgbClr val="000000"/>
+                  </a:outerShdw>
+                </a:effectLst>
+                <a:latin typeface="Arial" panose="020B0604020202020204" pitchFamily="34" charset="0"/>
+                <a:ea typeface="新細明體" panose="02020500000000000000" pitchFamily="18" charset="-120"/>
+                <a:cs typeface="+mn-cs"/>
+              </a:defRPr>
+            </a:lvl1pPr>
+            <a:lvl2pPr marL="742950" indent="-285750" algn="l" rtl="0" eaLnBrk="0" fontAlgn="base" hangingPunct="0">
+              <a:spcBef>
+                <a:spcPct val="20000"/>
+              </a:spcBef>
+              <a:spcAft>
+                <a:spcPct val="0"/>
+              </a:spcAft>
+              <a:buChar char="–"/>
+              <a:defRPr sz="2800" kern="1200">
+                <a:solidFill>
+                  <a:schemeClr val="tx1"/>
+                </a:solidFill>
+                <a:latin typeface="Arial" panose="020B0604020202020204" pitchFamily="34" charset="0"/>
+                <a:ea typeface="+mn-ea"/>
+                <a:cs typeface="+mn-cs"/>
+              </a:defRPr>
+            </a:lvl2pPr>
+            <a:lvl3pPr marL="1143000" indent="-228600" algn="l" rtl="0" eaLnBrk="0" fontAlgn="base" hangingPunct="0">
+              <a:spcBef>
+                <a:spcPct val="20000"/>
+              </a:spcBef>
+              <a:spcAft>
+                <a:spcPct val="0"/>
+              </a:spcAft>
+              <a:buClr>
+                <a:schemeClr val="accent2"/>
+              </a:buClr>
+              <a:buSzPct val="90000"/>
+              <a:buFont typeface="Wingdings" panose="05000000000000000000" pitchFamily="2" charset="2"/>
+              <a:buBlip>
+                <a:blip r:embed="rId8"/>
+              </a:buBlip>
+              <a:defRPr sz="2400" kern="1200">
+                <a:solidFill>
+                  <a:schemeClr val="tx1"/>
+                </a:solidFill>
+                <a:latin typeface="Arial" panose="020B0604020202020204" pitchFamily="34" charset="0"/>
+                <a:ea typeface="+mn-ea"/>
+                <a:cs typeface="+mn-cs"/>
+              </a:defRPr>
+            </a:lvl3pPr>
+            <a:lvl4pPr marL="1600200" indent="-228600" algn="l" rtl="0" eaLnBrk="0" fontAlgn="base" hangingPunct="0">
+              <a:spcBef>
+                <a:spcPct val="20000"/>
+              </a:spcBef>
+              <a:spcAft>
+                <a:spcPct val="0"/>
+              </a:spcAft>
+              <a:buChar char="–"/>
+              <a:defRPr sz="2000" kern="1200">
+                <a:solidFill>
+                  <a:schemeClr val="tx1"/>
+                </a:solidFill>
+                <a:latin typeface="Arial" panose="020B0604020202020204" pitchFamily="34" charset="0"/>
+                <a:ea typeface="+mn-ea"/>
+                <a:cs typeface="+mn-cs"/>
+              </a:defRPr>
+            </a:lvl4pPr>
+            <a:lvl5pPr marL="2057400" indent="-228600" algn="l" rtl="0" eaLnBrk="0" fontAlgn="base" hangingPunct="0">
+              <a:spcBef>
+                <a:spcPct val="20000"/>
+              </a:spcBef>
+              <a:spcAft>
+                <a:spcPct val="0"/>
+              </a:spcAft>
+              <a:buClr>
+                <a:schemeClr val="folHlink"/>
+              </a:buClr>
+              <a:buSzPct val="90000"/>
+              <a:buFont typeface="Wingdings" panose="05000000000000000000" pitchFamily="2" charset="2"/>
+              <a:buBlip>
+                <a:blip r:embed="rId9"/>
+              </a:buBlip>
+              <a:defRPr sz="2000" kern="1200">
+                <a:solidFill>
+                  <a:schemeClr val="tx1"/>
+                </a:solidFill>
+                <a:latin typeface="Arial" panose="020B0604020202020204" pitchFamily="34" charset="0"/>
+                <a:ea typeface="+mn-ea"/>
+                <a:cs typeface="+mn-cs"/>
+              </a:defRPr>
+            </a:lvl5pPr>
+            <a:lvl6pPr marL="2514600" indent="-228600" algn="l" defTabSz="914400" rtl="0" eaLnBrk="0" fontAlgn="base" latinLnBrk="0" hangingPunct="0">
+              <a:spcBef>
+                <a:spcPct val="20000"/>
+              </a:spcBef>
+              <a:spcAft>
+                <a:spcPct val="0"/>
+              </a:spcAft>
+              <a:buClr>
+                <a:schemeClr val="folHlink"/>
+              </a:buClr>
+              <a:buSzPct val="90000"/>
+              <a:buFont typeface="Wingdings" panose="05000000000000000000" pitchFamily="2" charset="2"/>
+              <a:buBlip>
+                <a:blip r:embed="rId9"/>
+              </a:buBlip>
+              <a:defRPr sz="2000" kern="1200">
+                <a:solidFill>
+                  <a:schemeClr val="tx1"/>
+                </a:solidFill>
+                <a:latin typeface="Arial" panose="020B0604020202020204" pitchFamily="34" charset="0"/>
+                <a:ea typeface="+mn-ea"/>
+                <a:cs typeface="+mn-cs"/>
+              </a:defRPr>
+            </a:lvl6pPr>
+            <a:lvl7pPr marL="2971800" indent="-228600" algn="l" defTabSz="914400" rtl="0" eaLnBrk="0" fontAlgn="base" latinLnBrk="0" hangingPunct="0">
+              <a:spcBef>
+                <a:spcPct val="20000"/>
+              </a:spcBef>
+              <a:spcAft>
+                <a:spcPct val="0"/>
+              </a:spcAft>
+              <a:buClr>
+                <a:schemeClr val="folHlink"/>
+              </a:buClr>
+              <a:buSzPct val="90000"/>
+              <a:buFont typeface="Wingdings" panose="05000000000000000000" pitchFamily="2" charset="2"/>
+              <a:buBlip>
+                <a:blip r:embed="rId9"/>
+              </a:buBlip>
+              <a:defRPr sz="2000" kern="1200">
+                <a:solidFill>
+                  <a:schemeClr val="tx1"/>
+                </a:solidFill>
+                <a:latin typeface="Arial" panose="020B0604020202020204" pitchFamily="34" charset="0"/>
+                <a:ea typeface="+mn-ea"/>
+                <a:cs typeface="+mn-cs"/>
+              </a:defRPr>
+            </a:lvl7pPr>
+            <a:lvl8pPr marL="3429000" indent="-228600" algn="l" defTabSz="914400" rtl="0" eaLnBrk="0" fontAlgn="base" latinLnBrk="0" hangingPunct="0">
+              <a:spcBef>
+                <a:spcPct val="20000"/>
+              </a:spcBef>
+              <a:spcAft>
+                <a:spcPct val="0"/>
+              </a:spcAft>
+              <a:buClr>
+                <a:schemeClr val="folHlink"/>
+              </a:buClr>
+              <a:buSzPct val="90000"/>
+              <a:buFont typeface="Wingdings" panose="05000000000000000000" pitchFamily="2" charset="2"/>
+              <a:buBlip>
+                <a:blip r:embed="rId9"/>
+              </a:buBlip>
+              <a:defRPr sz="2000" kern="1200">
+                <a:solidFill>
+                  <a:schemeClr val="tx1"/>
+                </a:solidFill>
+                <a:latin typeface="Arial" panose="020B0604020202020204" pitchFamily="34" charset="0"/>
+                <a:ea typeface="+mn-ea"/>
+                <a:cs typeface="+mn-cs"/>
+              </a:defRPr>
+            </a:lvl8pPr>
+            <a:lvl9pPr marL="3886200" indent="-228600" algn="l" defTabSz="914400" rtl="0" eaLnBrk="0" fontAlgn="base" latinLnBrk="0" hangingPunct="0">
+              <a:spcBef>
+                <a:spcPct val="20000"/>
+              </a:spcBef>
+              <a:spcAft>
+                <a:spcPct val="0"/>
+              </a:spcAft>
+              <a:buClr>
+                <a:schemeClr val="folHlink"/>
+              </a:buClr>
+              <a:buSzPct val="90000"/>
+              <a:buFont typeface="Wingdings" panose="05000000000000000000" pitchFamily="2" charset="2"/>
+              <a:buBlip>
+                <a:blip r:embed="rId9"/>
+              </a:buBlip>
+              <a:defRPr sz="2000" kern="1200">
+                <a:solidFill>
+                  <a:schemeClr val="tx1"/>
+                </a:solidFill>
+                <a:latin typeface="Arial" panose="020B0604020202020204" pitchFamily="34" charset="0"/>
+                <a:ea typeface="+mn-ea"/>
+                <a:cs typeface="+mn-cs"/>
+              </a:defRPr>
+            </a:lvl9pPr>
+          </a:lstStyle>
+          <a:p>
+            <a:pPr>
+              <a:spcBef>
+                <a:spcPct val="0"/>
+              </a:spcBef>
+              <a:buClrTx/>
+              <a:buSzTx/>
+              <a:buFontTx/>
+              <a:buNone/>
+              <a:defRPr/>
+            </a:pPr>
+            <a:fld id="{2CC7230F-C004-4C72-A25E-75873641D9EF}" type="slidenum">
+              <a:rPr lang="zh-TW" altLang="en-US" sz="1800" smtClean="0">
+                <a:solidFill>
+                  <a:srgbClr val="FFFF00"/>
+                </a:solidFill>
+              </a:rPr>
+              <a:pPr>
+                <a:spcBef>
+                  <a:spcPct val="0"/>
+                </a:spcBef>
+                <a:buClrTx/>
+                <a:buSzTx/>
+                <a:buFontTx/>
+                <a:buNone/>
+                <a:defRPr/>
+              </a:pPr>
+              <a:t>10</a:t>
+            </a:fld>
+            <a:endParaRPr lang="en-US" altLang="zh-TW" sz="1800">
+              <a:solidFill>
+                <a:srgbClr val="FFFF00"/>
+              </a:solidFill>
+            </a:endParaRPr>
+          </a:p>
+        </p:txBody>
+      </p:sp>
+    </p:spTree>
+    <p:extLst>
+      <p:ext uri="{BB962C8B-B14F-4D97-AF65-F5344CB8AC3E}">
+        <p14:creationId xmlns:p14="http://schemas.microsoft.com/office/powerpoint/2010/main" val="1417832121"/>
+      </p:ext>
+    </p:extLst>
+  </p:cSld>
+  <p:clrMapOvr>
+    <a:masterClrMapping/>
+  </p:clrMapOvr>
+  <mc:AlternateContent xmlns:mc="http://schemas.openxmlformats.org/markup-compatibility/2006" xmlns:p14="http://schemas.microsoft.com/office/powerpoint/2010/main">
+    <mc:Choice Requires="p14">
+      <p:transition spd="slow" p14:dur="2000" advTm="6026">
+        <p:cut/>
+      </p:transition>
+    </mc:Choice>
+    <mc:Fallback xmlns="">
+      <p:transition spd="slow" advTm="6026">
+        <p:cut/>
+      </p:transition>
+    </mc:Fallback>
+  </mc:AlternateContent>
+</p:sld>
+</file>
+
+<file path=ppt/slides/slide11.xml><?xml version="1.0" encoding="utf-8"?>
+<p:sld xmlns:a="http://schemas.openxmlformats.org/drawingml/2006/main" xmlns:r="http://schemas.openxmlformats.org/officeDocument/2006/relationships" xmlns:p="http://schemas.openxmlformats.org/presentationml/2006/main">
+  <p:cSld>
+    <p:spTree>
+      <p:nvGrpSpPr>
+        <p:cNvPr id="1" name=""/>
+        <p:cNvGrpSpPr/>
+        <p:nvPr/>
+      </p:nvGrpSpPr>
+      <p:grpSpPr>
+        <a:xfrm>
+          <a:off x="0" y="0"/>
+          <a:ext cx="0" cy="0"/>
+          <a:chOff x="0" y="0"/>
+          <a:chExt cx="0" cy="0"/>
+        </a:xfrm>
+      </p:grpSpPr>
+      <p:sp>
+        <p:nvSpPr>
           <p:cNvPr id="29698" name="標題 1"/>
           <p:cNvSpPr>
             <a:spLocks noGrp="1"/>
@@ -11754,7 +13189,7 @@
               <a:pPr>
                 <a:defRPr/>
               </a:pPr>
-              <a:t>10</a:t>
+              <a:t>11</a:t>
             </a:fld>
             <a:endParaRPr lang="en-US" altLang="zh-TW"/>
           </a:p>
@@ -12220,7 +13655,7 @@
                 <a:buNone/>
                 <a:defRPr/>
               </a:pPr>
-              <a:t>10</a:t>
+              <a:t>11</a:t>
             </a:fld>
             <a:endParaRPr lang="en-US" altLang="zh-TW" sz="1800">
               <a:solidFill>
@@ -12255,7 +13690,7 @@
 </p:sld>
 </file>
 
-<file path=ppt/slides/slide11.xml><?xml version="1.0" encoding="utf-8"?>
+<file path=ppt/slides/slide12.xml><?xml version="1.0" encoding="utf-8"?>
 <p:sld xmlns:a="http://schemas.openxmlformats.org/drawingml/2006/main" xmlns:r="http://schemas.openxmlformats.org/officeDocument/2006/relationships" xmlns:p="http://schemas.openxmlformats.org/presentationml/2006/main">
   <p:cSld>
     <p:spTree>
@@ -12448,7 +13883,7 @@
               <a:pPr>
                 <a:defRPr/>
               </a:pPr>
-              <a:t>11</a:t>
+              <a:t>12</a:t>
             </a:fld>
             <a:endParaRPr lang="en-US" altLang="zh-TW"/>
           </a:p>
@@ -12730,7 +14165,7 @@
                 <a:buNone/>
                 <a:defRPr/>
               </a:pPr>
-              <a:t>11</a:t>
+              <a:t>12</a:t>
             </a:fld>
             <a:endParaRPr lang="en-US" altLang="zh-TW" sz="1800">
               <a:solidFill>
@@ -12765,7 +14200,7 @@
 </p:sld>
 </file>
 
-<file path=ppt/slides/slide12.xml><?xml version="1.0" encoding="utf-8"?>
+<file path=ppt/slides/slide13.xml><?xml version="1.0" encoding="utf-8"?>
 <p:sld xmlns:a="http://schemas.openxmlformats.org/drawingml/2006/main" xmlns:r="http://schemas.openxmlformats.org/officeDocument/2006/relationships" xmlns:p="http://schemas.openxmlformats.org/presentationml/2006/main">
   <p:cSld>
     <p:spTree>
@@ -12950,7 +14385,7 @@
               <a:pPr>
                 <a:defRPr/>
               </a:pPr>
-              <a:t>12</a:t>
+              <a:t>13</a:t>
             </a:fld>
             <a:endParaRPr lang="en-US" altLang="zh-TW"/>
           </a:p>
@@ -13458,7 +14893,7 @@
                 <a:buNone/>
                 <a:defRPr/>
               </a:pPr>
-              <a:t>12</a:t>
+              <a:t>13</a:t>
             </a:fld>
             <a:endParaRPr lang="en-US" altLang="zh-TW" sz="1800" dirty="0">
               <a:solidFill>
@@ -13493,7 +14928,7 @@
 </p:sld>
 </file>
 
-<file path=ppt/slides/slide13.xml><?xml version="1.0" encoding="utf-8"?>
+<file path=ppt/slides/slide14.xml><?xml version="1.0" encoding="utf-8"?>
 <p:sld xmlns:a="http://schemas.openxmlformats.org/drawingml/2006/main" xmlns:r="http://schemas.openxmlformats.org/officeDocument/2006/relationships" xmlns:p="http://schemas.openxmlformats.org/presentationml/2006/main">
   <p:cSld>
     <p:spTree>
@@ -13619,7 +15054,7 @@
               <a:pPr>
                 <a:defRPr/>
               </a:pPr>
-              <a:t>13</a:t>
+              <a:t>14</a:t>
             </a:fld>
             <a:endParaRPr lang="en-US" altLang="zh-TW"/>
           </a:p>
@@ -15339,7 +16774,7 @@
                 <a:buNone/>
                 <a:defRPr/>
               </a:pPr>
-              <a:t>13</a:t>
+              <a:t>14</a:t>
             </a:fld>
             <a:endParaRPr lang="en-US" altLang="zh-TW" sz="1800">
               <a:solidFill>
@@ -16850,7 +18285,7 @@
 </p:sld>
 </file>
 
-<file path=ppt/slides/slide14.xml><?xml version="1.0" encoding="utf-8"?>
+<file path=ppt/slides/slide15.xml><?xml version="1.0" encoding="utf-8"?>
 <p:sld xmlns:a="http://schemas.openxmlformats.org/drawingml/2006/main" xmlns:r="http://schemas.openxmlformats.org/officeDocument/2006/relationships" xmlns:p="http://schemas.openxmlformats.org/presentationml/2006/main">
   <p:cSld>
     <p:spTree>
@@ -17032,7 +18467,7 @@
               <a:pPr>
                 <a:defRPr/>
               </a:pPr>
-              <a:t>14</a:t>
+              <a:t>15</a:t>
             </a:fld>
             <a:endParaRPr lang="en-US" altLang="zh-TW"/>
           </a:p>
@@ -17314,7 +18749,7 @@
                 <a:buNone/>
                 <a:defRPr/>
               </a:pPr>
-              <a:t>14</a:t>
+              <a:t>15</a:t>
             </a:fld>
             <a:endParaRPr lang="en-US" altLang="zh-TW" sz="1800">
               <a:solidFill>
@@ -17349,7 +18784,7 @@
 </p:sld>
 </file>
 
-<file path=ppt/slides/slide15.xml><?xml version="1.0" encoding="utf-8"?>
+<file path=ppt/slides/slide16.xml><?xml version="1.0" encoding="utf-8"?>
 <p:sld xmlns:a="http://schemas.openxmlformats.org/drawingml/2006/main" xmlns:r="http://schemas.openxmlformats.org/officeDocument/2006/relationships" xmlns:p="http://schemas.openxmlformats.org/presentationml/2006/main">
   <p:cSld>
     <p:spTree>
@@ -17505,7 +18940,7 @@
               <a:pPr>
                 <a:defRPr/>
               </a:pPr>
-              <a:t>15</a:t>
+              <a:t>16</a:t>
             </a:fld>
             <a:endParaRPr lang="en-US" altLang="zh-TW"/>
           </a:p>
@@ -18038,7 +19473,7 @@
 </p:sld>
 </file>
 
-<file path=ppt/slides/slide16.xml><?xml version="1.0" encoding="utf-8"?>
+<file path=ppt/slides/slide17.xml><?xml version="1.0" encoding="utf-8"?>
 <p:sld xmlns:a="http://schemas.openxmlformats.org/drawingml/2006/main" xmlns:r="http://schemas.openxmlformats.org/officeDocument/2006/relationships" xmlns:p="http://schemas.openxmlformats.org/presentationml/2006/main">
   <p:cSld>
     <p:spTree>
@@ -18772,7 +20207,7 @@
                 <a:buNone/>
                 <a:defRPr/>
               </a:pPr>
-              <a:t>16</a:t>
+              <a:t>17</a:t>
             </a:fld>
             <a:endParaRPr lang="en-US" altLang="zh-TW" sz="1800">
               <a:solidFill>
@@ -18985,7 +20420,7 @@
 </p:sld>
 </file>
 
-<file path=ppt/slides/slide17.xml><?xml version="1.0" encoding="utf-8"?>
+<file path=ppt/slides/slide18.xml><?xml version="1.0" encoding="utf-8"?>
 <p:sld xmlns:a="http://schemas.openxmlformats.org/drawingml/2006/main" xmlns:r="http://schemas.openxmlformats.org/officeDocument/2006/relationships" xmlns:p="http://schemas.openxmlformats.org/presentationml/2006/main">
   <p:cSld>
     <p:spTree>
@@ -19407,7 +20842,7 @@
                 <a:buNone/>
                 <a:defRPr/>
               </a:pPr>
-              <a:t>17</a:t>
+              <a:t>18</a:t>
             </a:fld>
             <a:endParaRPr lang="en-US" altLang="zh-TW" sz="1800">
               <a:solidFill>
@@ -19830,7 +21265,7 @@
 </p:sld>
 </file>
 
-<file path=ppt/slides/slide18.xml><?xml version="1.0" encoding="utf-8"?>
+<file path=ppt/slides/slide19.xml><?xml version="1.0" encoding="utf-8"?>
 <p:sld xmlns:a="http://schemas.openxmlformats.org/drawingml/2006/main" xmlns:r="http://schemas.openxmlformats.org/officeDocument/2006/relationships" xmlns:p="http://schemas.openxmlformats.org/presentationml/2006/main">
   <p:cSld>
     <p:spTree>
@@ -20288,7 +21723,7 @@
                 <a:buNone/>
                 <a:defRPr/>
               </a:pPr>
-              <a:t>18</a:t>
+              <a:t>19</a:t>
             </a:fld>
             <a:endParaRPr lang="en-US" altLang="zh-TW" sz="1800">
               <a:solidFill>
@@ -20527,578 +21962,6 @@
       </p14:laserTraceLst>
     </p:ext>
   </p:extLst>
-</p:sld>
-</file>
-
-<file path=ppt/slides/slide19.xml><?xml version="1.0" encoding="utf-8"?>
-<p:sld xmlns:a="http://schemas.openxmlformats.org/drawingml/2006/main" xmlns:r="http://schemas.openxmlformats.org/officeDocument/2006/relationships" xmlns:p="http://schemas.openxmlformats.org/presentationml/2006/main">
-  <p:cSld>
-    <p:spTree>
-      <p:nvGrpSpPr>
-        <p:cNvPr id="1" name=""/>
-        <p:cNvGrpSpPr/>
-        <p:nvPr/>
-      </p:nvGrpSpPr>
-      <p:grpSpPr>
-        <a:xfrm>
-          <a:off x="0" y="0"/>
-          <a:ext cx="0" cy="0"/>
-          <a:chOff x="0" y="0"/>
-          <a:chExt cx="0" cy="0"/>
-        </a:xfrm>
-      </p:grpSpPr>
-      <p:sp>
-        <p:nvSpPr>
-          <p:cNvPr id="189442" name="Rectangle 2"/>
-          <p:cNvSpPr>
-            <a:spLocks noGrp="1" noChangeArrowheads="1"/>
-          </p:cNvSpPr>
-          <p:nvPr>
-            <p:ph type="title"/>
-          </p:nvPr>
-        </p:nvSpPr>
-        <p:spPr>
-          <a:xfrm>
-            <a:off x="457200" y="277812"/>
-            <a:ext cx="8229600" cy="1246187"/>
-          </a:xfrm>
-          <a:solidFill>
-            <a:schemeClr val="bg2"/>
-          </a:solidFill>
-        </p:spPr>
-        <p:txBody>
-          <a:bodyPr/>
-          <a:lstStyle/>
-          <a:p>
-            <a:pPr algn="ctr" eaLnBrk="1" hangingPunct="1">
-              <a:defRPr/>
-            </a:pPr>
-            <a:r>
-              <a:rPr lang="en-US" altLang="zh-TW" b="1" dirty="0">
-                <a:latin typeface="+mn-lt"/>
-                <a:ea typeface="新細明體" panose="02020500000000000000" pitchFamily="18" charset="-120"/>
-              </a:rPr>
-              <a:t>Grading Policy 2/4</a:t>
-            </a:r>
-            <a:endParaRPr lang="zh-TW" altLang="en-US" b="1" dirty="0">
-              <a:latin typeface="+mn-lt"/>
-              <a:ea typeface="新細明體" panose="02020500000000000000" pitchFamily="18" charset="-120"/>
-            </a:endParaRPr>
-          </a:p>
-        </p:txBody>
-      </p:sp>
-      <p:sp>
-        <p:nvSpPr>
-          <p:cNvPr id="189443" name="Rectangle 3"/>
-          <p:cNvSpPr>
-            <a:spLocks noGrp="1" noChangeArrowheads="1"/>
-          </p:cNvSpPr>
-          <p:nvPr>
-            <p:ph idx="1"/>
-          </p:nvPr>
-        </p:nvSpPr>
-        <p:spPr>
-          <a:xfrm>
-            <a:off x="533400" y="1600200"/>
-            <a:ext cx="8153400" cy="4419600"/>
-          </a:xfrm>
-        </p:spPr>
-        <p:txBody>
-          <a:bodyPr/>
-          <a:lstStyle/>
-          <a:p>
-            <a:pPr eaLnBrk="1" hangingPunct="1">
-              <a:buClr>
-                <a:schemeClr val="tx1"/>
-              </a:buClr>
-              <a:defRPr/>
-            </a:pPr>
-            <a:r>
-              <a:rPr lang="en-US" altLang="zh-TW" dirty="0">
-                <a:ea typeface="新細明體" panose="02020500000000000000" pitchFamily="18" charset="-120"/>
-              </a:rPr>
-              <a:t> 4 Compiler Implementation Projects: 40%</a:t>
-            </a:r>
-          </a:p>
-          <a:p>
-            <a:pPr lvl="1" eaLnBrk="1" hangingPunct="1">
-              <a:buClr>
-                <a:schemeClr val="tx1"/>
-              </a:buClr>
-              <a:defRPr/>
-            </a:pPr>
-            <a:r>
-              <a:rPr lang="en-US" altLang="zh-TW" dirty="0">
-                <a:ea typeface="新細明體" panose="02020500000000000000" pitchFamily="18" charset="-120"/>
-              </a:rPr>
-              <a:t>ACDC (10%), </a:t>
-            </a:r>
-          </a:p>
-          <a:p>
-            <a:pPr lvl="2" eaLnBrk="1" hangingPunct="1">
-              <a:buClr>
-                <a:schemeClr val="tx1"/>
-              </a:buClr>
-              <a:defRPr/>
-            </a:pPr>
-            <a:r>
-              <a:rPr lang="en-US" altLang="zh-TW" dirty="0">
-                <a:ea typeface="新細明體" panose="02020500000000000000" pitchFamily="18" charset="-120"/>
-              </a:rPr>
-              <a:t>deadline 2025/10/17</a:t>
-            </a:r>
-          </a:p>
-          <a:p>
-            <a:pPr lvl="1" eaLnBrk="1" hangingPunct="1">
-              <a:buClr>
-                <a:schemeClr val="tx1"/>
-              </a:buClr>
-              <a:defRPr/>
-            </a:pPr>
-            <a:r>
-              <a:rPr lang="en-US" altLang="zh-TW" dirty="0">
-                <a:ea typeface="新細明體" panose="02020500000000000000" pitchFamily="18" charset="-120"/>
-              </a:rPr>
-              <a:t>Lexical analysis and parsing (10%)</a:t>
-            </a:r>
-          </a:p>
-          <a:p>
-            <a:pPr lvl="2" eaLnBrk="1" hangingPunct="1">
-              <a:buClr>
-                <a:schemeClr val="tx1"/>
-              </a:buClr>
-              <a:defRPr/>
-            </a:pPr>
-            <a:r>
-              <a:rPr lang="en-US" altLang="zh-TW" dirty="0">
-                <a:ea typeface="新細明體" panose="02020500000000000000" pitchFamily="18" charset="-120"/>
-              </a:rPr>
-              <a:t>Deadline 2022/11/14</a:t>
-            </a:r>
-          </a:p>
-          <a:p>
-            <a:pPr lvl="1" eaLnBrk="1" hangingPunct="1">
-              <a:buClr>
-                <a:schemeClr val="tx1"/>
-              </a:buClr>
-              <a:defRPr/>
-            </a:pPr>
-            <a:r>
-              <a:rPr lang="en-US" altLang="zh-TW" dirty="0">
-                <a:ea typeface="新細明體" panose="02020500000000000000" pitchFamily="18" charset="-120"/>
-              </a:rPr>
-              <a:t>Semantics analysis (10%)</a:t>
-            </a:r>
-          </a:p>
-          <a:p>
-            <a:pPr lvl="2" eaLnBrk="1" hangingPunct="1">
-              <a:buClr>
-                <a:schemeClr val="tx1"/>
-              </a:buClr>
-              <a:defRPr/>
-            </a:pPr>
-            <a:r>
-              <a:rPr lang="en-US" altLang="zh-TW" dirty="0">
-                <a:ea typeface="新細明體" panose="02020500000000000000" pitchFamily="18" charset="-120"/>
-              </a:rPr>
-              <a:t>Deadline 2022/12/5</a:t>
-            </a:r>
-          </a:p>
-          <a:p>
-            <a:pPr lvl="1" eaLnBrk="1" hangingPunct="1">
-              <a:buClr>
-                <a:schemeClr val="tx1"/>
-              </a:buClr>
-              <a:defRPr/>
-            </a:pPr>
-            <a:r>
-              <a:rPr lang="en-US" altLang="zh-TW" dirty="0">
-                <a:ea typeface="新細明體" panose="02020500000000000000" pitchFamily="18" charset="-120"/>
-              </a:rPr>
-              <a:t>Code generation and optimization (10%) </a:t>
-            </a:r>
-          </a:p>
-          <a:p>
-            <a:pPr lvl="2" eaLnBrk="1" hangingPunct="1">
-              <a:buClr>
-                <a:schemeClr val="tx1"/>
-              </a:buClr>
-              <a:defRPr/>
-            </a:pPr>
-            <a:r>
-              <a:rPr lang="en-US" altLang="zh-TW" dirty="0">
-                <a:ea typeface="新細明體" panose="02020500000000000000" pitchFamily="18" charset="-120"/>
-              </a:rPr>
-              <a:t>Deadline 2022/12/26</a:t>
-            </a:r>
-          </a:p>
-          <a:p>
-            <a:pPr lvl="1" eaLnBrk="1" hangingPunct="1">
-              <a:buClr>
-                <a:schemeClr val="tx1"/>
-              </a:buClr>
-              <a:defRPr/>
-            </a:pPr>
-            <a:r>
-              <a:rPr lang="en-US" altLang="zh-TW" dirty="0">
-                <a:ea typeface="新細明體" panose="02020500000000000000" pitchFamily="18" charset="-120"/>
-              </a:rPr>
-              <a:t>Team of one!  In C or C++! </a:t>
-            </a:r>
-          </a:p>
-          <a:p>
-            <a:pPr marL="0" lvl="1" indent="0" eaLnBrk="1" hangingPunct="1">
-              <a:buClr>
-                <a:schemeClr val="tx1"/>
-              </a:buClr>
-              <a:buNone/>
-              <a:defRPr/>
-            </a:pPr>
-            <a:r>
-              <a:rPr lang="en-US" altLang="zh-TW" sz="3200" dirty="0">
-                <a:ea typeface="新細明體" panose="02020500000000000000" pitchFamily="18" charset="-120"/>
-              </a:rPr>
-              <a:t>Details: visit the class websites </a:t>
-            </a:r>
-            <a:endParaRPr lang="en-US" altLang="zh-TW" dirty="0">
-              <a:ea typeface="新細明體" panose="02020500000000000000" pitchFamily="18" charset="-120"/>
-            </a:endParaRPr>
-          </a:p>
-        </p:txBody>
-      </p:sp>
-      <p:sp>
-        <p:nvSpPr>
-          <p:cNvPr id="5" name="Footer Placeholder 4"/>
-          <p:cNvSpPr>
-            <a:spLocks noGrp="1"/>
-          </p:cNvSpPr>
-          <p:nvPr>
-            <p:ph type="ftr" sz="quarter" idx="11"/>
-          </p:nvPr>
-        </p:nvSpPr>
-        <p:spPr/>
-        <p:txBody>
-          <a:bodyPr/>
-          <a:lstStyle/>
-          <a:p>
-            <a:pPr>
-              <a:defRPr/>
-            </a:pPr>
-            <a:r>
-              <a:rPr lang="en-US" altLang="zh-TW"/>
-              <a:t>Department of Electrical Engineering</a:t>
-            </a:r>
-          </a:p>
-        </p:txBody>
-      </p:sp>
-      <p:sp>
-        <p:nvSpPr>
-          <p:cNvPr id="7" name="Slide Number Placeholder 5">
-            <a:extLst>
-              <a:ext uri="{FF2B5EF4-FFF2-40B4-BE49-F238E27FC236}">
-                <a16:creationId xmlns:a16="http://schemas.microsoft.com/office/drawing/2014/main" id="{394A5D47-6598-403C-903E-AB6D854A96A8}"/>
-              </a:ext>
-            </a:extLst>
-          </p:cNvPr>
-          <p:cNvSpPr txBox="1">
-            <a:spLocks/>
-          </p:cNvSpPr>
-          <p:nvPr/>
-        </p:nvSpPr>
-        <p:spPr bwMode="auto">
-          <a:xfrm>
-            <a:off x="8001000" y="6477000"/>
-            <a:ext cx="609600" cy="304800"/>
-          </a:xfrm>
-          <a:prstGeom prst="rect">
-            <a:avLst/>
-          </a:prstGeom>
-          <a:noFill/>
-          <a:ln w="9525">
-            <a:noFill/>
-            <a:miter lim="800000"/>
-            <a:headEnd/>
-            <a:tailEnd/>
-          </a:ln>
-          <a:effectLst/>
-        </p:spPr>
-        <p:txBody>
-          <a:bodyPr vert="horz" wrap="square" lIns="91440" tIns="45720" rIns="91440" bIns="45720" numCol="1" anchor="b" anchorCtr="0" compatLnSpc="1">
-            <a:prstTxWarp prst="textNoShape">
-              <a:avLst/>
-            </a:prstTxWarp>
-          </a:bodyPr>
-          <a:lstStyle>
-            <a:defPPr>
-              <a:defRPr lang="en-US"/>
-            </a:defPPr>
-            <a:lvl1pPr algn="r" rtl="0" eaLnBrk="1" fontAlgn="base" hangingPunct="1">
-              <a:spcBef>
-                <a:spcPct val="20000"/>
-              </a:spcBef>
-              <a:spcAft>
-                <a:spcPct val="0"/>
-              </a:spcAft>
-              <a:buClr>
-                <a:schemeClr val="hlink"/>
-              </a:buClr>
-              <a:buSzPct val="90000"/>
-              <a:buFont typeface="Wingdings" panose="05000000000000000000" pitchFamily="2" charset="2"/>
-              <a:buBlip>
-                <a:blip r:embed="rId3"/>
-              </a:buBlip>
-              <a:defRPr sz="3200" kern="1200">
-                <a:solidFill>
-                  <a:schemeClr val="tx1"/>
-                </a:solidFill>
-                <a:effectLst>
-                  <a:outerShdw blurRad="38100" dist="38100" dir="2700000" algn="tl">
-                    <a:srgbClr val="000000"/>
-                  </a:outerShdw>
-                </a:effectLst>
-                <a:latin typeface="Arial" panose="020B0604020202020204" pitchFamily="34" charset="0"/>
-                <a:ea typeface="新細明體" panose="02020500000000000000" pitchFamily="18" charset="-120"/>
-                <a:cs typeface="+mn-cs"/>
-              </a:defRPr>
-            </a:lvl1pPr>
-            <a:lvl2pPr marL="742950" indent="-285750" algn="l" rtl="0" eaLnBrk="0" fontAlgn="base" hangingPunct="0">
-              <a:spcBef>
-                <a:spcPct val="20000"/>
-              </a:spcBef>
-              <a:spcAft>
-                <a:spcPct val="0"/>
-              </a:spcAft>
-              <a:buChar char="–"/>
-              <a:defRPr sz="2800" kern="1200">
-                <a:solidFill>
-                  <a:schemeClr val="tx1"/>
-                </a:solidFill>
-                <a:latin typeface="Arial" panose="020B0604020202020204" pitchFamily="34" charset="0"/>
-                <a:ea typeface="+mn-ea"/>
-                <a:cs typeface="+mn-cs"/>
-              </a:defRPr>
-            </a:lvl2pPr>
-            <a:lvl3pPr marL="1143000" indent="-228600" algn="l" rtl="0" eaLnBrk="0" fontAlgn="base" hangingPunct="0">
-              <a:spcBef>
-                <a:spcPct val="20000"/>
-              </a:spcBef>
-              <a:spcAft>
-                <a:spcPct val="0"/>
-              </a:spcAft>
-              <a:buClr>
-                <a:schemeClr val="accent2"/>
-              </a:buClr>
-              <a:buSzPct val="90000"/>
-              <a:buFont typeface="Wingdings" panose="05000000000000000000" pitchFamily="2" charset="2"/>
-              <a:buBlip>
-                <a:blip r:embed="rId4"/>
-              </a:buBlip>
-              <a:defRPr sz="2400" kern="1200">
-                <a:solidFill>
-                  <a:schemeClr val="tx1"/>
-                </a:solidFill>
-                <a:latin typeface="Arial" panose="020B0604020202020204" pitchFamily="34" charset="0"/>
-                <a:ea typeface="+mn-ea"/>
-                <a:cs typeface="+mn-cs"/>
-              </a:defRPr>
-            </a:lvl3pPr>
-            <a:lvl4pPr marL="1600200" indent="-228600" algn="l" rtl="0" eaLnBrk="0" fontAlgn="base" hangingPunct="0">
-              <a:spcBef>
-                <a:spcPct val="20000"/>
-              </a:spcBef>
-              <a:spcAft>
-                <a:spcPct val="0"/>
-              </a:spcAft>
-              <a:buChar char="–"/>
-              <a:defRPr sz="2000" kern="1200">
-                <a:solidFill>
-                  <a:schemeClr val="tx1"/>
-                </a:solidFill>
-                <a:latin typeface="Arial" panose="020B0604020202020204" pitchFamily="34" charset="0"/>
-                <a:ea typeface="+mn-ea"/>
-                <a:cs typeface="+mn-cs"/>
-              </a:defRPr>
-            </a:lvl4pPr>
-            <a:lvl5pPr marL="2057400" indent="-228600" algn="l" rtl="0" eaLnBrk="0" fontAlgn="base" hangingPunct="0">
-              <a:spcBef>
-                <a:spcPct val="20000"/>
-              </a:spcBef>
-              <a:spcAft>
-                <a:spcPct val="0"/>
-              </a:spcAft>
-              <a:buClr>
-                <a:schemeClr val="folHlink"/>
-              </a:buClr>
-              <a:buSzPct val="90000"/>
-              <a:buFont typeface="Wingdings" panose="05000000000000000000" pitchFamily="2" charset="2"/>
-              <a:buBlip>
-                <a:blip r:embed="rId5"/>
-              </a:buBlip>
-              <a:defRPr sz="2000" kern="1200">
-                <a:solidFill>
-                  <a:schemeClr val="tx1"/>
-                </a:solidFill>
-                <a:latin typeface="Arial" panose="020B0604020202020204" pitchFamily="34" charset="0"/>
-                <a:ea typeface="+mn-ea"/>
-                <a:cs typeface="+mn-cs"/>
-              </a:defRPr>
-            </a:lvl5pPr>
-            <a:lvl6pPr marL="2514600" indent="-228600" algn="l" defTabSz="914400" rtl="0" eaLnBrk="0" fontAlgn="base" latinLnBrk="0" hangingPunct="0">
-              <a:spcBef>
-                <a:spcPct val="20000"/>
-              </a:spcBef>
-              <a:spcAft>
-                <a:spcPct val="0"/>
-              </a:spcAft>
-              <a:buClr>
-                <a:schemeClr val="folHlink"/>
-              </a:buClr>
-              <a:buSzPct val="90000"/>
-              <a:buFont typeface="Wingdings" panose="05000000000000000000" pitchFamily="2" charset="2"/>
-              <a:buBlip>
-                <a:blip r:embed="rId5"/>
-              </a:buBlip>
-              <a:defRPr sz="2000" kern="1200">
-                <a:solidFill>
-                  <a:schemeClr val="tx1"/>
-                </a:solidFill>
-                <a:latin typeface="Arial" panose="020B0604020202020204" pitchFamily="34" charset="0"/>
-                <a:ea typeface="+mn-ea"/>
-                <a:cs typeface="+mn-cs"/>
-              </a:defRPr>
-            </a:lvl6pPr>
-            <a:lvl7pPr marL="2971800" indent="-228600" algn="l" defTabSz="914400" rtl="0" eaLnBrk="0" fontAlgn="base" latinLnBrk="0" hangingPunct="0">
-              <a:spcBef>
-                <a:spcPct val="20000"/>
-              </a:spcBef>
-              <a:spcAft>
-                <a:spcPct val="0"/>
-              </a:spcAft>
-              <a:buClr>
-                <a:schemeClr val="folHlink"/>
-              </a:buClr>
-              <a:buSzPct val="90000"/>
-              <a:buFont typeface="Wingdings" panose="05000000000000000000" pitchFamily="2" charset="2"/>
-              <a:buBlip>
-                <a:blip r:embed="rId5"/>
-              </a:buBlip>
-              <a:defRPr sz="2000" kern="1200">
-                <a:solidFill>
-                  <a:schemeClr val="tx1"/>
-                </a:solidFill>
-                <a:latin typeface="Arial" panose="020B0604020202020204" pitchFamily="34" charset="0"/>
-                <a:ea typeface="+mn-ea"/>
-                <a:cs typeface="+mn-cs"/>
-              </a:defRPr>
-            </a:lvl7pPr>
-            <a:lvl8pPr marL="3429000" indent="-228600" algn="l" defTabSz="914400" rtl="0" eaLnBrk="0" fontAlgn="base" latinLnBrk="0" hangingPunct="0">
-              <a:spcBef>
-                <a:spcPct val="20000"/>
-              </a:spcBef>
-              <a:spcAft>
-                <a:spcPct val="0"/>
-              </a:spcAft>
-              <a:buClr>
-                <a:schemeClr val="folHlink"/>
-              </a:buClr>
-              <a:buSzPct val="90000"/>
-              <a:buFont typeface="Wingdings" panose="05000000000000000000" pitchFamily="2" charset="2"/>
-              <a:buBlip>
-                <a:blip r:embed="rId5"/>
-              </a:buBlip>
-              <a:defRPr sz="2000" kern="1200">
-                <a:solidFill>
-                  <a:schemeClr val="tx1"/>
-                </a:solidFill>
-                <a:latin typeface="Arial" panose="020B0604020202020204" pitchFamily="34" charset="0"/>
-                <a:ea typeface="+mn-ea"/>
-                <a:cs typeface="+mn-cs"/>
-              </a:defRPr>
-            </a:lvl8pPr>
-            <a:lvl9pPr marL="3886200" indent="-228600" algn="l" defTabSz="914400" rtl="0" eaLnBrk="0" fontAlgn="base" latinLnBrk="0" hangingPunct="0">
-              <a:spcBef>
-                <a:spcPct val="20000"/>
-              </a:spcBef>
-              <a:spcAft>
-                <a:spcPct val="0"/>
-              </a:spcAft>
-              <a:buClr>
-                <a:schemeClr val="folHlink"/>
-              </a:buClr>
-              <a:buSzPct val="90000"/>
-              <a:buFont typeface="Wingdings" panose="05000000000000000000" pitchFamily="2" charset="2"/>
-              <a:buBlip>
-                <a:blip r:embed="rId5"/>
-              </a:buBlip>
-              <a:defRPr sz="2000" kern="1200">
-                <a:solidFill>
-                  <a:schemeClr val="tx1"/>
-                </a:solidFill>
-                <a:latin typeface="Arial" panose="020B0604020202020204" pitchFamily="34" charset="0"/>
-                <a:ea typeface="+mn-ea"/>
-                <a:cs typeface="+mn-cs"/>
-              </a:defRPr>
-            </a:lvl9pPr>
-          </a:lstStyle>
-          <a:p>
-            <a:pPr>
-              <a:spcBef>
-                <a:spcPct val="0"/>
-              </a:spcBef>
-              <a:buClrTx/>
-              <a:buSzTx/>
-              <a:buFontTx/>
-              <a:buNone/>
-              <a:defRPr/>
-            </a:pPr>
-            <a:fld id="{2CC7230F-C004-4C72-A25E-75873641D9EF}" type="slidenum">
-              <a:rPr lang="zh-TW" altLang="en-US" sz="1800" smtClean="0">
-                <a:solidFill>
-                  <a:srgbClr val="FFFF00"/>
-                </a:solidFill>
-              </a:rPr>
-              <a:pPr>
-                <a:spcBef>
-                  <a:spcPct val="0"/>
-                </a:spcBef>
-                <a:buClrTx/>
-                <a:buSzTx/>
-                <a:buFontTx/>
-                <a:buNone/>
-                <a:defRPr/>
-              </a:pPr>
-              <a:t>19</a:t>
-            </a:fld>
-            <a:endParaRPr lang="en-US" altLang="zh-TW" sz="1800">
-              <a:solidFill>
-                <a:srgbClr val="FFFF00"/>
-              </a:solidFill>
-            </a:endParaRPr>
-          </a:p>
-        </p:txBody>
-      </p:sp>
-    </p:spTree>
-    <p:extLst>
-      <p:ext uri="{BB962C8B-B14F-4D97-AF65-F5344CB8AC3E}">
-        <p14:creationId xmlns:p14="http://schemas.microsoft.com/office/powerpoint/2010/main" val="1833976310"/>
-      </p:ext>
-    </p:extLst>
-  </p:cSld>
-  <p:clrMapOvr>
-    <a:masterClrMapping/>
-  </p:clrMapOvr>
-  <mc:AlternateContent xmlns:mc="http://schemas.openxmlformats.org/markup-compatibility/2006" xmlns:p14="http://schemas.microsoft.com/office/powerpoint/2010/main">
-    <mc:Choice Requires="p14">
-      <p:transition spd="slow" p14:dur="2000" advTm="25552">
-        <p:cut/>
-      </p:transition>
-    </mc:Choice>
-    <mc:Fallback xmlns="">
-      <p:transition spd="slow" advTm="25552">
-        <p:cut/>
-      </p:transition>
-    </mc:Fallback>
-  </mc:AlternateContent>
 </p:sld>
 </file>
 
@@ -22781,6 +23644,578 @@
         <p:spPr>
           <a:xfrm>
             <a:off x="457200" y="277812"/>
+            <a:ext cx="8229600" cy="1246187"/>
+          </a:xfrm>
+          <a:solidFill>
+            <a:schemeClr val="bg2"/>
+          </a:solidFill>
+        </p:spPr>
+        <p:txBody>
+          <a:bodyPr/>
+          <a:lstStyle/>
+          <a:p>
+            <a:pPr algn="ctr" eaLnBrk="1" hangingPunct="1">
+              <a:defRPr/>
+            </a:pPr>
+            <a:r>
+              <a:rPr lang="en-US" altLang="zh-TW" b="1" dirty="0">
+                <a:latin typeface="+mn-lt"/>
+                <a:ea typeface="新細明體" panose="02020500000000000000" pitchFamily="18" charset="-120"/>
+              </a:rPr>
+              <a:t>Grading Policy 2/4</a:t>
+            </a:r>
+            <a:endParaRPr lang="zh-TW" altLang="en-US" b="1" dirty="0">
+              <a:latin typeface="+mn-lt"/>
+              <a:ea typeface="新細明體" panose="02020500000000000000" pitchFamily="18" charset="-120"/>
+            </a:endParaRPr>
+          </a:p>
+        </p:txBody>
+      </p:sp>
+      <p:sp>
+        <p:nvSpPr>
+          <p:cNvPr id="189443" name="Rectangle 3"/>
+          <p:cNvSpPr>
+            <a:spLocks noGrp="1" noChangeArrowheads="1"/>
+          </p:cNvSpPr>
+          <p:nvPr>
+            <p:ph idx="1"/>
+          </p:nvPr>
+        </p:nvSpPr>
+        <p:spPr>
+          <a:xfrm>
+            <a:off x="533400" y="1600200"/>
+            <a:ext cx="8153400" cy="4419600"/>
+          </a:xfrm>
+        </p:spPr>
+        <p:txBody>
+          <a:bodyPr/>
+          <a:lstStyle/>
+          <a:p>
+            <a:pPr eaLnBrk="1" hangingPunct="1">
+              <a:buClr>
+                <a:schemeClr val="tx1"/>
+              </a:buClr>
+              <a:defRPr/>
+            </a:pPr>
+            <a:r>
+              <a:rPr lang="en-US" altLang="zh-TW" dirty="0">
+                <a:ea typeface="新細明體" panose="02020500000000000000" pitchFamily="18" charset="-120"/>
+              </a:rPr>
+              <a:t> 4 Compiler Implementation Projects: 40%</a:t>
+            </a:r>
+          </a:p>
+          <a:p>
+            <a:pPr lvl="1" eaLnBrk="1" hangingPunct="1">
+              <a:buClr>
+                <a:schemeClr val="tx1"/>
+              </a:buClr>
+              <a:defRPr/>
+            </a:pPr>
+            <a:r>
+              <a:rPr lang="en-US" altLang="zh-TW" dirty="0">
+                <a:ea typeface="新細明體" panose="02020500000000000000" pitchFamily="18" charset="-120"/>
+              </a:rPr>
+              <a:t>ACDC (10%), </a:t>
+            </a:r>
+          </a:p>
+          <a:p>
+            <a:pPr lvl="2" eaLnBrk="1" hangingPunct="1">
+              <a:buClr>
+                <a:schemeClr val="tx1"/>
+              </a:buClr>
+              <a:defRPr/>
+            </a:pPr>
+            <a:r>
+              <a:rPr lang="en-US" altLang="zh-TW" dirty="0">
+                <a:ea typeface="新細明體" panose="02020500000000000000" pitchFamily="18" charset="-120"/>
+              </a:rPr>
+              <a:t>deadline 2025/10/17</a:t>
+            </a:r>
+          </a:p>
+          <a:p>
+            <a:pPr lvl="1" eaLnBrk="1" hangingPunct="1">
+              <a:buClr>
+                <a:schemeClr val="tx1"/>
+              </a:buClr>
+              <a:defRPr/>
+            </a:pPr>
+            <a:r>
+              <a:rPr lang="en-US" altLang="zh-TW" dirty="0">
+                <a:ea typeface="新細明體" panose="02020500000000000000" pitchFamily="18" charset="-120"/>
+              </a:rPr>
+              <a:t>Lexical analysis and parsing (10%)</a:t>
+            </a:r>
+          </a:p>
+          <a:p>
+            <a:pPr lvl="2" eaLnBrk="1" hangingPunct="1">
+              <a:buClr>
+                <a:schemeClr val="tx1"/>
+              </a:buClr>
+              <a:defRPr/>
+            </a:pPr>
+            <a:r>
+              <a:rPr lang="en-US" altLang="zh-TW" dirty="0">
+                <a:ea typeface="新細明體" panose="02020500000000000000" pitchFamily="18" charset="-120"/>
+              </a:rPr>
+              <a:t>Deadline 2025/11/14</a:t>
+            </a:r>
+          </a:p>
+          <a:p>
+            <a:pPr lvl="1" eaLnBrk="1" hangingPunct="1">
+              <a:buClr>
+                <a:schemeClr val="tx1"/>
+              </a:buClr>
+              <a:defRPr/>
+            </a:pPr>
+            <a:r>
+              <a:rPr lang="en-US" altLang="zh-TW" dirty="0">
+                <a:ea typeface="新細明體" panose="02020500000000000000" pitchFamily="18" charset="-120"/>
+              </a:rPr>
+              <a:t>Semantics analysis (10%)</a:t>
+            </a:r>
+          </a:p>
+          <a:p>
+            <a:pPr lvl="2" eaLnBrk="1" hangingPunct="1">
+              <a:buClr>
+                <a:schemeClr val="tx1"/>
+              </a:buClr>
+              <a:defRPr/>
+            </a:pPr>
+            <a:r>
+              <a:rPr lang="en-US" altLang="zh-TW" dirty="0">
+                <a:ea typeface="新細明體" panose="02020500000000000000" pitchFamily="18" charset="-120"/>
+              </a:rPr>
+              <a:t>Deadline 2025/12/5</a:t>
+            </a:r>
+          </a:p>
+          <a:p>
+            <a:pPr lvl="1" eaLnBrk="1" hangingPunct="1">
+              <a:buClr>
+                <a:schemeClr val="tx1"/>
+              </a:buClr>
+              <a:defRPr/>
+            </a:pPr>
+            <a:r>
+              <a:rPr lang="en-US" altLang="zh-TW" dirty="0">
+                <a:ea typeface="新細明體" panose="02020500000000000000" pitchFamily="18" charset="-120"/>
+              </a:rPr>
+              <a:t>Code generation and optimization (10%) </a:t>
+            </a:r>
+          </a:p>
+          <a:p>
+            <a:pPr lvl="2" eaLnBrk="1" hangingPunct="1">
+              <a:buClr>
+                <a:schemeClr val="tx1"/>
+              </a:buClr>
+              <a:defRPr/>
+            </a:pPr>
+            <a:r>
+              <a:rPr lang="en-US" altLang="zh-TW" dirty="0">
+                <a:ea typeface="新細明體" panose="02020500000000000000" pitchFamily="18" charset="-120"/>
+              </a:rPr>
+              <a:t>Deadline 2025/12/26</a:t>
+            </a:r>
+          </a:p>
+          <a:p>
+            <a:pPr lvl="1" eaLnBrk="1" hangingPunct="1">
+              <a:buClr>
+                <a:schemeClr val="tx1"/>
+              </a:buClr>
+              <a:defRPr/>
+            </a:pPr>
+            <a:r>
+              <a:rPr lang="en-US" altLang="zh-TW" dirty="0">
+                <a:ea typeface="新細明體" panose="02020500000000000000" pitchFamily="18" charset="-120"/>
+              </a:rPr>
+              <a:t>Team of one!  In C or C++! </a:t>
+            </a:r>
+          </a:p>
+          <a:p>
+            <a:pPr marL="0" lvl="1" indent="0" eaLnBrk="1" hangingPunct="1">
+              <a:buClr>
+                <a:schemeClr val="tx1"/>
+              </a:buClr>
+              <a:buNone/>
+              <a:defRPr/>
+            </a:pPr>
+            <a:r>
+              <a:rPr lang="en-US" altLang="zh-TW" sz="3200" dirty="0">
+                <a:ea typeface="新細明體" panose="02020500000000000000" pitchFamily="18" charset="-120"/>
+              </a:rPr>
+              <a:t>Details: visit the class websites </a:t>
+            </a:r>
+            <a:endParaRPr lang="en-US" altLang="zh-TW" dirty="0">
+              <a:ea typeface="新細明體" panose="02020500000000000000" pitchFamily="18" charset="-120"/>
+            </a:endParaRPr>
+          </a:p>
+        </p:txBody>
+      </p:sp>
+      <p:sp>
+        <p:nvSpPr>
+          <p:cNvPr id="5" name="Footer Placeholder 4"/>
+          <p:cNvSpPr>
+            <a:spLocks noGrp="1"/>
+          </p:cNvSpPr>
+          <p:nvPr>
+            <p:ph type="ftr" sz="quarter" idx="11"/>
+          </p:nvPr>
+        </p:nvSpPr>
+        <p:spPr/>
+        <p:txBody>
+          <a:bodyPr/>
+          <a:lstStyle/>
+          <a:p>
+            <a:pPr>
+              <a:defRPr/>
+            </a:pPr>
+            <a:r>
+              <a:rPr lang="en-US" altLang="zh-TW"/>
+              <a:t>Department of Electrical Engineering</a:t>
+            </a:r>
+          </a:p>
+        </p:txBody>
+      </p:sp>
+      <p:sp>
+        <p:nvSpPr>
+          <p:cNvPr id="7" name="Slide Number Placeholder 5">
+            <a:extLst>
+              <a:ext uri="{FF2B5EF4-FFF2-40B4-BE49-F238E27FC236}">
+                <a16:creationId xmlns:a16="http://schemas.microsoft.com/office/drawing/2014/main" id="{394A5D47-6598-403C-903E-AB6D854A96A8}"/>
+              </a:ext>
+            </a:extLst>
+          </p:cNvPr>
+          <p:cNvSpPr txBox="1">
+            <a:spLocks/>
+          </p:cNvSpPr>
+          <p:nvPr/>
+        </p:nvSpPr>
+        <p:spPr bwMode="auto">
+          <a:xfrm>
+            <a:off x="8001000" y="6477000"/>
+            <a:ext cx="609600" cy="304800"/>
+          </a:xfrm>
+          <a:prstGeom prst="rect">
+            <a:avLst/>
+          </a:prstGeom>
+          <a:noFill/>
+          <a:ln w="9525">
+            <a:noFill/>
+            <a:miter lim="800000"/>
+            <a:headEnd/>
+            <a:tailEnd/>
+          </a:ln>
+          <a:effectLst/>
+        </p:spPr>
+        <p:txBody>
+          <a:bodyPr vert="horz" wrap="square" lIns="91440" tIns="45720" rIns="91440" bIns="45720" numCol="1" anchor="b" anchorCtr="0" compatLnSpc="1">
+            <a:prstTxWarp prst="textNoShape">
+              <a:avLst/>
+            </a:prstTxWarp>
+          </a:bodyPr>
+          <a:lstStyle>
+            <a:defPPr>
+              <a:defRPr lang="en-US"/>
+            </a:defPPr>
+            <a:lvl1pPr algn="r" rtl="0" eaLnBrk="1" fontAlgn="base" hangingPunct="1">
+              <a:spcBef>
+                <a:spcPct val="20000"/>
+              </a:spcBef>
+              <a:spcAft>
+                <a:spcPct val="0"/>
+              </a:spcAft>
+              <a:buClr>
+                <a:schemeClr val="hlink"/>
+              </a:buClr>
+              <a:buSzPct val="90000"/>
+              <a:buFont typeface="Wingdings" panose="05000000000000000000" pitchFamily="2" charset="2"/>
+              <a:buBlip>
+                <a:blip r:embed="rId3"/>
+              </a:buBlip>
+              <a:defRPr sz="3200" kern="1200">
+                <a:solidFill>
+                  <a:schemeClr val="tx1"/>
+                </a:solidFill>
+                <a:effectLst>
+                  <a:outerShdw blurRad="38100" dist="38100" dir="2700000" algn="tl">
+                    <a:srgbClr val="000000"/>
+                  </a:outerShdw>
+                </a:effectLst>
+                <a:latin typeface="Arial" panose="020B0604020202020204" pitchFamily="34" charset="0"/>
+                <a:ea typeface="新細明體" panose="02020500000000000000" pitchFamily="18" charset="-120"/>
+                <a:cs typeface="+mn-cs"/>
+              </a:defRPr>
+            </a:lvl1pPr>
+            <a:lvl2pPr marL="742950" indent="-285750" algn="l" rtl="0" eaLnBrk="0" fontAlgn="base" hangingPunct="0">
+              <a:spcBef>
+                <a:spcPct val="20000"/>
+              </a:spcBef>
+              <a:spcAft>
+                <a:spcPct val="0"/>
+              </a:spcAft>
+              <a:buChar char="–"/>
+              <a:defRPr sz="2800" kern="1200">
+                <a:solidFill>
+                  <a:schemeClr val="tx1"/>
+                </a:solidFill>
+                <a:latin typeface="Arial" panose="020B0604020202020204" pitchFamily="34" charset="0"/>
+                <a:ea typeface="+mn-ea"/>
+                <a:cs typeface="+mn-cs"/>
+              </a:defRPr>
+            </a:lvl2pPr>
+            <a:lvl3pPr marL="1143000" indent="-228600" algn="l" rtl="0" eaLnBrk="0" fontAlgn="base" hangingPunct="0">
+              <a:spcBef>
+                <a:spcPct val="20000"/>
+              </a:spcBef>
+              <a:spcAft>
+                <a:spcPct val="0"/>
+              </a:spcAft>
+              <a:buClr>
+                <a:schemeClr val="accent2"/>
+              </a:buClr>
+              <a:buSzPct val="90000"/>
+              <a:buFont typeface="Wingdings" panose="05000000000000000000" pitchFamily="2" charset="2"/>
+              <a:buBlip>
+                <a:blip r:embed="rId4"/>
+              </a:buBlip>
+              <a:defRPr sz="2400" kern="1200">
+                <a:solidFill>
+                  <a:schemeClr val="tx1"/>
+                </a:solidFill>
+                <a:latin typeface="Arial" panose="020B0604020202020204" pitchFamily="34" charset="0"/>
+                <a:ea typeface="+mn-ea"/>
+                <a:cs typeface="+mn-cs"/>
+              </a:defRPr>
+            </a:lvl3pPr>
+            <a:lvl4pPr marL="1600200" indent="-228600" algn="l" rtl="0" eaLnBrk="0" fontAlgn="base" hangingPunct="0">
+              <a:spcBef>
+                <a:spcPct val="20000"/>
+              </a:spcBef>
+              <a:spcAft>
+                <a:spcPct val="0"/>
+              </a:spcAft>
+              <a:buChar char="–"/>
+              <a:defRPr sz="2000" kern="1200">
+                <a:solidFill>
+                  <a:schemeClr val="tx1"/>
+                </a:solidFill>
+                <a:latin typeface="Arial" panose="020B0604020202020204" pitchFamily="34" charset="0"/>
+                <a:ea typeface="+mn-ea"/>
+                <a:cs typeface="+mn-cs"/>
+              </a:defRPr>
+            </a:lvl4pPr>
+            <a:lvl5pPr marL="2057400" indent="-228600" algn="l" rtl="0" eaLnBrk="0" fontAlgn="base" hangingPunct="0">
+              <a:spcBef>
+                <a:spcPct val="20000"/>
+              </a:spcBef>
+              <a:spcAft>
+                <a:spcPct val="0"/>
+              </a:spcAft>
+              <a:buClr>
+                <a:schemeClr val="folHlink"/>
+              </a:buClr>
+              <a:buSzPct val="90000"/>
+              <a:buFont typeface="Wingdings" panose="05000000000000000000" pitchFamily="2" charset="2"/>
+              <a:buBlip>
+                <a:blip r:embed="rId5"/>
+              </a:buBlip>
+              <a:defRPr sz="2000" kern="1200">
+                <a:solidFill>
+                  <a:schemeClr val="tx1"/>
+                </a:solidFill>
+                <a:latin typeface="Arial" panose="020B0604020202020204" pitchFamily="34" charset="0"/>
+                <a:ea typeface="+mn-ea"/>
+                <a:cs typeface="+mn-cs"/>
+              </a:defRPr>
+            </a:lvl5pPr>
+            <a:lvl6pPr marL="2514600" indent="-228600" algn="l" defTabSz="914400" rtl="0" eaLnBrk="0" fontAlgn="base" latinLnBrk="0" hangingPunct="0">
+              <a:spcBef>
+                <a:spcPct val="20000"/>
+              </a:spcBef>
+              <a:spcAft>
+                <a:spcPct val="0"/>
+              </a:spcAft>
+              <a:buClr>
+                <a:schemeClr val="folHlink"/>
+              </a:buClr>
+              <a:buSzPct val="90000"/>
+              <a:buFont typeface="Wingdings" panose="05000000000000000000" pitchFamily="2" charset="2"/>
+              <a:buBlip>
+                <a:blip r:embed="rId5"/>
+              </a:buBlip>
+              <a:defRPr sz="2000" kern="1200">
+                <a:solidFill>
+                  <a:schemeClr val="tx1"/>
+                </a:solidFill>
+                <a:latin typeface="Arial" panose="020B0604020202020204" pitchFamily="34" charset="0"/>
+                <a:ea typeface="+mn-ea"/>
+                <a:cs typeface="+mn-cs"/>
+              </a:defRPr>
+            </a:lvl6pPr>
+            <a:lvl7pPr marL="2971800" indent="-228600" algn="l" defTabSz="914400" rtl="0" eaLnBrk="0" fontAlgn="base" latinLnBrk="0" hangingPunct="0">
+              <a:spcBef>
+                <a:spcPct val="20000"/>
+              </a:spcBef>
+              <a:spcAft>
+                <a:spcPct val="0"/>
+              </a:spcAft>
+              <a:buClr>
+                <a:schemeClr val="folHlink"/>
+              </a:buClr>
+              <a:buSzPct val="90000"/>
+              <a:buFont typeface="Wingdings" panose="05000000000000000000" pitchFamily="2" charset="2"/>
+              <a:buBlip>
+                <a:blip r:embed="rId5"/>
+              </a:buBlip>
+              <a:defRPr sz="2000" kern="1200">
+                <a:solidFill>
+                  <a:schemeClr val="tx1"/>
+                </a:solidFill>
+                <a:latin typeface="Arial" panose="020B0604020202020204" pitchFamily="34" charset="0"/>
+                <a:ea typeface="+mn-ea"/>
+                <a:cs typeface="+mn-cs"/>
+              </a:defRPr>
+            </a:lvl7pPr>
+            <a:lvl8pPr marL="3429000" indent="-228600" algn="l" defTabSz="914400" rtl="0" eaLnBrk="0" fontAlgn="base" latinLnBrk="0" hangingPunct="0">
+              <a:spcBef>
+                <a:spcPct val="20000"/>
+              </a:spcBef>
+              <a:spcAft>
+                <a:spcPct val="0"/>
+              </a:spcAft>
+              <a:buClr>
+                <a:schemeClr val="folHlink"/>
+              </a:buClr>
+              <a:buSzPct val="90000"/>
+              <a:buFont typeface="Wingdings" panose="05000000000000000000" pitchFamily="2" charset="2"/>
+              <a:buBlip>
+                <a:blip r:embed="rId5"/>
+              </a:buBlip>
+              <a:defRPr sz="2000" kern="1200">
+                <a:solidFill>
+                  <a:schemeClr val="tx1"/>
+                </a:solidFill>
+                <a:latin typeface="Arial" panose="020B0604020202020204" pitchFamily="34" charset="0"/>
+                <a:ea typeface="+mn-ea"/>
+                <a:cs typeface="+mn-cs"/>
+              </a:defRPr>
+            </a:lvl8pPr>
+            <a:lvl9pPr marL="3886200" indent="-228600" algn="l" defTabSz="914400" rtl="0" eaLnBrk="0" fontAlgn="base" latinLnBrk="0" hangingPunct="0">
+              <a:spcBef>
+                <a:spcPct val="20000"/>
+              </a:spcBef>
+              <a:spcAft>
+                <a:spcPct val="0"/>
+              </a:spcAft>
+              <a:buClr>
+                <a:schemeClr val="folHlink"/>
+              </a:buClr>
+              <a:buSzPct val="90000"/>
+              <a:buFont typeface="Wingdings" panose="05000000000000000000" pitchFamily="2" charset="2"/>
+              <a:buBlip>
+                <a:blip r:embed="rId5"/>
+              </a:buBlip>
+              <a:defRPr sz="2000" kern="1200">
+                <a:solidFill>
+                  <a:schemeClr val="tx1"/>
+                </a:solidFill>
+                <a:latin typeface="Arial" panose="020B0604020202020204" pitchFamily="34" charset="0"/>
+                <a:ea typeface="+mn-ea"/>
+                <a:cs typeface="+mn-cs"/>
+              </a:defRPr>
+            </a:lvl9pPr>
+          </a:lstStyle>
+          <a:p>
+            <a:pPr>
+              <a:spcBef>
+                <a:spcPct val="0"/>
+              </a:spcBef>
+              <a:buClrTx/>
+              <a:buSzTx/>
+              <a:buFontTx/>
+              <a:buNone/>
+              <a:defRPr/>
+            </a:pPr>
+            <a:fld id="{2CC7230F-C004-4C72-A25E-75873641D9EF}" type="slidenum">
+              <a:rPr lang="zh-TW" altLang="en-US" sz="1800" smtClean="0">
+                <a:solidFill>
+                  <a:srgbClr val="FFFF00"/>
+                </a:solidFill>
+              </a:rPr>
+              <a:pPr>
+                <a:spcBef>
+                  <a:spcPct val="0"/>
+                </a:spcBef>
+                <a:buClrTx/>
+                <a:buSzTx/>
+                <a:buFontTx/>
+                <a:buNone/>
+                <a:defRPr/>
+              </a:pPr>
+              <a:t>20</a:t>
+            </a:fld>
+            <a:endParaRPr lang="en-US" altLang="zh-TW" sz="1800">
+              <a:solidFill>
+                <a:srgbClr val="FFFF00"/>
+              </a:solidFill>
+            </a:endParaRPr>
+          </a:p>
+        </p:txBody>
+      </p:sp>
+    </p:spTree>
+    <p:extLst>
+      <p:ext uri="{BB962C8B-B14F-4D97-AF65-F5344CB8AC3E}">
+        <p14:creationId xmlns:p14="http://schemas.microsoft.com/office/powerpoint/2010/main" val="1833976310"/>
+      </p:ext>
+    </p:extLst>
+  </p:cSld>
+  <p:clrMapOvr>
+    <a:masterClrMapping/>
+  </p:clrMapOvr>
+  <mc:AlternateContent xmlns:mc="http://schemas.openxmlformats.org/markup-compatibility/2006" xmlns:p14="http://schemas.microsoft.com/office/powerpoint/2010/main">
+    <mc:Choice Requires="p14">
+      <p:transition spd="slow" p14:dur="2000" advTm="25552">
+        <p:cut/>
+      </p:transition>
+    </mc:Choice>
+    <mc:Fallback xmlns="">
+      <p:transition spd="slow" advTm="25552">
+        <p:cut/>
+      </p:transition>
+    </mc:Fallback>
+  </mc:AlternateContent>
+</p:sld>
+</file>
+
+<file path=ppt/slides/slide21.xml><?xml version="1.0" encoding="utf-8"?>
+<p:sld xmlns:a="http://schemas.openxmlformats.org/drawingml/2006/main" xmlns:r="http://schemas.openxmlformats.org/officeDocument/2006/relationships" xmlns:p="http://schemas.openxmlformats.org/presentationml/2006/main">
+  <p:cSld>
+    <p:spTree>
+      <p:nvGrpSpPr>
+        <p:cNvPr id="1" name=""/>
+        <p:cNvGrpSpPr/>
+        <p:nvPr/>
+      </p:nvGrpSpPr>
+      <p:grpSpPr>
+        <a:xfrm>
+          <a:off x="0" y="0"/>
+          <a:ext cx="0" cy="0"/>
+          <a:chOff x="0" y="0"/>
+          <a:chExt cx="0" cy="0"/>
+        </a:xfrm>
+      </p:grpSpPr>
+      <p:sp>
+        <p:nvSpPr>
+          <p:cNvPr id="189442" name="Rectangle 2"/>
+          <p:cNvSpPr>
+            <a:spLocks noGrp="1" noChangeArrowheads="1"/>
+          </p:cNvSpPr>
+          <p:nvPr>
+            <p:ph type="title"/>
+          </p:nvPr>
+        </p:nvSpPr>
+        <p:spPr>
+          <a:xfrm>
+            <a:off x="457200" y="277812"/>
             <a:ext cx="8229600" cy="1169987"/>
           </a:xfrm>
           <a:solidFill>
@@ -23269,7 +24704,7 @@
                 <a:buNone/>
                 <a:defRPr/>
               </a:pPr>
-              <a:t>20</a:t>
+              <a:t>21</a:t>
             </a:fld>
             <a:endParaRPr lang="en-US" altLang="zh-TW" sz="1800">
               <a:solidFill>
@@ -23304,7 +24739,7 @@
 </p:sld>
 </file>
 
-<file path=ppt/slides/slide21.xml><?xml version="1.0" encoding="utf-8"?>
+<file path=ppt/slides/slide22.xml><?xml version="1.0" encoding="utf-8"?>
 <p:sld xmlns:a="http://schemas.openxmlformats.org/drawingml/2006/main" xmlns:r="http://schemas.openxmlformats.org/officeDocument/2006/relationships" xmlns:p="http://schemas.openxmlformats.org/presentationml/2006/main">
   <p:cSld>
     <p:spTree>
@@ -23751,7 +25186,7 @@
                 <a:buNone/>
                 <a:defRPr/>
               </a:pPr>
-              <a:t>21</a:t>
+              <a:t>22</a:t>
             </a:fld>
             <a:endParaRPr lang="en-US" altLang="zh-TW" sz="1800">
               <a:solidFill>
@@ -23844,7 +25279,7 @@
 </p:sld>
 </file>
 
-<file path=ppt/slides/slide22.xml><?xml version="1.0" encoding="utf-8"?>
+<file path=ppt/slides/slide23.xml><?xml version="1.0" encoding="utf-8"?>
 <p:sld xmlns:a="http://schemas.openxmlformats.org/drawingml/2006/main" xmlns:r="http://schemas.openxmlformats.org/officeDocument/2006/relationships" xmlns:p="http://schemas.openxmlformats.org/presentationml/2006/main">
   <p:cSld>
     <p:spTree>
@@ -24240,7 +25675,7 @@
                 <a:buNone/>
                 <a:defRPr/>
               </a:pPr>
-              <a:t>22</a:t>
+              <a:t>23</a:t>
             </a:fld>
             <a:endParaRPr lang="en-US" altLang="zh-TW" sz="1800">
               <a:solidFill>
@@ -26857,7 +28292,7 @@
 </p:sld>
 </file>
 
-<file path=ppt/slides/slide23.xml><?xml version="1.0" encoding="utf-8"?>
+<file path=ppt/slides/slide24.xml><?xml version="1.0" encoding="utf-8"?>
 <p:sld xmlns:a="http://schemas.openxmlformats.org/drawingml/2006/main" xmlns:r="http://schemas.openxmlformats.org/officeDocument/2006/relationships" xmlns:p="http://schemas.openxmlformats.org/presentationml/2006/main">
   <p:cSld>
     <p:spTree>
@@ -27253,7 +28688,7 @@
                 <a:buNone/>
                 <a:defRPr/>
               </a:pPr>
-              <a:t>23</a:t>
+              <a:t>24</a:t>
             </a:fld>
             <a:endParaRPr lang="en-US" altLang="zh-TW" sz="1800">
               <a:solidFill>
@@ -29624,7 +31059,7 @@
 </p:sld>
 </file>
 
-<file path=ppt/slides/slide24.xml><?xml version="1.0" encoding="utf-8"?>
+<file path=ppt/slides/slide25.xml><?xml version="1.0" encoding="utf-8"?>
 <p:sld xmlns:a="http://schemas.openxmlformats.org/drawingml/2006/main" xmlns:r="http://schemas.openxmlformats.org/officeDocument/2006/relationships" xmlns:p="http://schemas.openxmlformats.org/presentationml/2006/main">
   <p:cSld>
     <p:spTree>
@@ -30164,7 +31599,7 @@
                 <a:buNone/>
                 <a:defRPr/>
               </a:pPr>
-              <a:t>24</a:t>
+              <a:t>25</a:t>
             </a:fld>
             <a:endParaRPr lang="en-US" altLang="zh-TW" sz="1800">
               <a:solidFill>
@@ -30465,7 +31900,7 @@
 </p:sld>
 </file>
 
-<file path=ppt/slides/slide25.xml><?xml version="1.0" encoding="utf-8"?>
+<file path=ppt/slides/slide26.xml><?xml version="1.0" encoding="utf-8"?>
 <p:sld xmlns:a="http://schemas.openxmlformats.org/drawingml/2006/main" xmlns:r="http://schemas.openxmlformats.org/officeDocument/2006/relationships" xmlns:p="http://schemas.openxmlformats.org/presentationml/2006/main">
   <p:cSld>
     <p:spTree>
@@ -30623,7 +32058,7 @@
 </p:sld>
 </file>
 
-<file path=ppt/slides/slide26.xml><?xml version="1.0" encoding="utf-8"?>
+<file path=ppt/slides/slide27.xml><?xml version="1.0" encoding="utf-8"?>
 <p:sld xmlns:a="http://schemas.openxmlformats.org/drawingml/2006/main" xmlns:r="http://schemas.openxmlformats.org/officeDocument/2006/relationships" xmlns:p="http://schemas.openxmlformats.org/presentationml/2006/main">
   <p:cSld>
     <p:spTree>
@@ -30710,12 +32145,9 @@
           </a:p>
           <a:p>
             <a:r>
-              <a:rPr lang="en-US" altLang="zh-TW" sz="2400" dirty="0">
-                <a:hlinkClick r:id="rId2"/>
-              </a:rPr>
-              <a:t>https://farnking.github.io/Farn-Wang-WWW/courses/Compiler/</a:t>
-            </a:r>
-            <a:endParaRPr lang="en-US" altLang="zh-TW" sz="2400" dirty="0"/>
+              <a:rPr lang="en-US" altLang="zh-TW" sz="2400" dirty="0"/>
+              <a:t>https://farnking.github.io/Farn-Wang-WWW/</a:t>
+            </a:r>
           </a:p>
           <a:p>
             <a:r>
@@ -31053,7 +32485,7 @@
                 <a:buNone/>
                 <a:defRPr/>
               </a:pPr>
-              <a:t>26</a:t>
+              <a:t>27</a:t>
             </a:fld>
             <a:endParaRPr lang="en-US" altLang="zh-TW" sz="1800">
               <a:solidFill>
@@ -33389,247 +34821,6 @@
           </a:prstGeom>
         </p:spPr>
       </p:pic>
-      <p:sp>
-        <p:nvSpPr>
-          <p:cNvPr id="6" name="內容版面配置區 2">
-            <a:extLst>
-              <a:ext uri="{FF2B5EF4-FFF2-40B4-BE49-F238E27FC236}">
-                <a16:creationId xmlns:a16="http://schemas.microsoft.com/office/drawing/2014/main" id="{4A71EED2-C588-4E0C-82AA-72FEF0843E55}"/>
-              </a:ext>
-            </a:extLst>
-          </p:cNvPr>
-          <p:cNvSpPr txBox="1">
-            <a:spLocks/>
-          </p:cNvSpPr>
-          <p:nvPr/>
-        </p:nvSpPr>
-        <p:spPr bwMode="auto">
-          <a:xfrm>
-            <a:off x="0" y="5592257"/>
-            <a:ext cx="9144000" cy="862010"/>
-          </a:xfrm>
-          <a:prstGeom prst="rect">
-            <a:avLst/>
-          </a:prstGeom>
-          <a:solidFill>
-            <a:srgbClr val="FFC000"/>
-          </a:solidFill>
-          <a:ln>
-            <a:noFill/>
-          </a:ln>
-        </p:spPr>
-        <p:txBody>
-          <a:bodyPr vert="horz" wrap="square" lIns="91440" tIns="45720" rIns="91440" bIns="45720" numCol="1" anchor="t" anchorCtr="0" compatLnSpc="1">
-            <a:prstTxWarp prst="textNoShape">
-              <a:avLst/>
-            </a:prstTxWarp>
-          </a:bodyPr>
-          <a:lstStyle>
-            <a:lvl1pPr marL="228600" indent="-228600" algn="l" rtl="0" eaLnBrk="0" fontAlgn="base" hangingPunct="0">
-              <a:lnSpc>
-                <a:spcPct val="90000"/>
-              </a:lnSpc>
-              <a:spcBef>
-                <a:spcPts val="1000"/>
-              </a:spcBef>
-              <a:spcAft>
-                <a:spcPct val="0"/>
-              </a:spcAft>
-              <a:buFont typeface="Arial" panose="020B0604020202020204" pitchFamily="34" charset="0"/>
-              <a:buChar char="•"/>
-              <a:defRPr sz="2800" kern="1200">
-                <a:solidFill>
-                  <a:schemeClr val="tx1"/>
-                </a:solidFill>
-                <a:latin typeface="+mn-lt"/>
-                <a:ea typeface="+mn-ea"/>
-                <a:cs typeface="+mn-cs"/>
-              </a:defRPr>
-            </a:lvl1pPr>
-            <a:lvl2pPr marL="685800" indent="-228600" algn="l" rtl="0" eaLnBrk="0" fontAlgn="base" hangingPunct="0">
-              <a:lnSpc>
-                <a:spcPct val="90000"/>
-              </a:lnSpc>
-              <a:spcBef>
-                <a:spcPts val="500"/>
-              </a:spcBef>
-              <a:spcAft>
-                <a:spcPct val="0"/>
-              </a:spcAft>
-              <a:buFont typeface="Arial" panose="020B0604020202020204" pitchFamily="34" charset="0"/>
-              <a:buChar char="•"/>
-              <a:defRPr sz="2400" kern="1200">
-                <a:solidFill>
-                  <a:schemeClr val="tx1"/>
-                </a:solidFill>
-                <a:latin typeface="+mn-lt"/>
-                <a:ea typeface="+mn-ea"/>
-                <a:cs typeface="+mn-cs"/>
-              </a:defRPr>
-            </a:lvl2pPr>
-            <a:lvl3pPr marL="1143000" indent="-228600" algn="l" rtl="0" eaLnBrk="0" fontAlgn="base" hangingPunct="0">
-              <a:lnSpc>
-                <a:spcPct val="90000"/>
-              </a:lnSpc>
-              <a:spcBef>
-                <a:spcPts val="500"/>
-              </a:spcBef>
-              <a:spcAft>
-                <a:spcPct val="0"/>
-              </a:spcAft>
-              <a:buFont typeface="Arial" panose="020B0604020202020204" pitchFamily="34" charset="0"/>
-              <a:buChar char="•"/>
-              <a:defRPr sz="2000" kern="1200">
-                <a:solidFill>
-                  <a:schemeClr val="tx1"/>
-                </a:solidFill>
-                <a:latin typeface="+mn-lt"/>
-                <a:ea typeface="+mn-ea"/>
-                <a:cs typeface="+mn-cs"/>
-              </a:defRPr>
-            </a:lvl3pPr>
-            <a:lvl4pPr marL="1600200" indent="-228600" algn="l" rtl="0" eaLnBrk="0" fontAlgn="base" hangingPunct="0">
-              <a:lnSpc>
-                <a:spcPct val="90000"/>
-              </a:lnSpc>
-              <a:spcBef>
-                <a:spcPts val="500"/>
-              </a:spcBef>
-              <a:spcAft>
-                <a:spcPct val="0"/>
-              </a:spcAft>
-              <a:buFont typeface="Arial" panose="020B0604020202020204" pitchFamily="34" charset="0"/>
-              <a:buChar char="•"/>
-              <a:defRPr kern="1200">
-                <a:solidFill>
-                  <a:schemeClr val="tx1"/>
-                </a:solidFill>
-                <a:latin typeface="+mn-lt"/>
-                <a:ea typeface="+mn-ea"/>
-                <a:cs typeface="+mn-cs"/>
-              </a:defRPr>
-            </a:lvl4pPr>
-            <a:lvl5pPr marL="2057400" indent="-228600" algn="l" rtl="0" eaLnBrk="0" fontAlgn="base" hangingPunct="0">
-              <a:lnSpc>
-                <a:spcPct val="90000"/>
-              </a:lnSpc>
-              <a:spcBef>
-                <a:spcPts val="500"/>
-              </a:spcBef>
-              <a:spcAft>
-                <a:spcPct val="0"/>
-              </a:spcAft>
-              <a:buFont typeface="Arial" panose="020B0604020202020204" pitchFamily="34" charset="0"/>
-              <a:buChar char="•"/>
-              <a:defRPr kern="1200">
-                <a:solidFill>
-                  <a:schemeClr val="tx1"/>
-                </a:solidFill>
-                <a:latin typeface="+mn-lt"/>
-                <a:ea typeface="+mn-ea"/>
-                <a:cs typeface="+mn-cs"/>
-              </a:defRPr>
-            </a:lvl5pPr>
-            <a:lvl6pPr marL="2514600" indent="-228600" algn="l" defTabSz="914400" rtl="0" eaLnBrk="1" latinLnBrk="0" hangingPunct="1">
-              <a:lnSpc>
-                <a:spcPct val="90000"/>
-              </a:lnSpc>
-              <a:spcBef>
-                <a:spcPts val="500"/>
-              </a:spcBef>
-              <a:buFont typeface="Arial" panose="020B0604020202020204" pitchFamily="34" charset="0"/>
-              <a:buChar char="•"/>
-              <a:defRPr sz="1800" kern="1200">
-                <a:solidFill>
-                  <a:schemeClr val="tx1"/>
-                </a:solidFill>
-                <a:latin typeface="+mn-lt"/>
-                <a:ea typeface="+mn-ea"/>
-                <a:cs typeface="+mn-cs"/>
-              </a:defRPr>
-            </a:lvl6pPr>
-            <a:lvl7pPr marL="2971800" indent="-228600" algn="l" defTabSz="914400" rtl="0" eaLnBrk="1" latinLnBrk="0" hangingPunct="1">
-              <a:lnSpc>
-                <a:spcPct val="90000"/>
-              </a:lnSpc>
-              <a:spcBef>
-                <a:spcPts val="500"/>
-              </a:spcBef>
-              <a:buFont typeface="Arial" panose="020B0604020202020204" pitchFamily="34" charset="0"/>
-              <a:buChar char="•"/>
-              <a:defRPr sz="1800" kern="1200">
-                <a:solidFill>
-                  <a:schemeClr val="tx1"/>
-                </a:solidFill>
-                <a:latin typeface="+mn-lt"/>
-                <a:ea typeface="+mn-ea"/>
-                <a:cs typeface="+mn-cs"/>
-              </a:defRPr>
-            </a:lvl7pPr>
-            <a:lvl8pPr marL="3429000" indent="-228600" algn="l" defTabSz="914400" rtl="0" eaLnBrk="1" latinLnBrk="0" hangingPunct="1">
-              <a:lnSpc>
-                <a:spcPct val="90000"/>
-              </a:lnSpc>
-              <a:spcBef>
-                <a:spcPts val="500"/>
-              </a:spcBef>
-              <a:buFont typeface="Arial" panose="020B0604020202020204" pitchFamily="34" charset="0"/>
-              <a:buChar char="•"/>
-              <a:defRPr sz="1800" kern="1200">
-                <a:solidFill>
-                  <a:schemeClr val="tx1"/>
-                </a:solidFill>
-                <a:latin typeface="+mn-lt"/>
-                <a:ea typeface="+mn-ea"/>
-                <a:cs typeface="+mn-cs"/>
-              </a:defRPr>
-            </a:lvl8pPr>
-            <a:lvl9pPr marL="3886200" indent="-228600" algn="l" defTabSz="914400" rtl="0" eaLnBrk="1" latinLnBrk="0" hangingPunct="1">
-              <a:lnSpc>
-                <a:spcPct val="90000"/>
-              </a:lnSpc>
-              <a:spcBef>
-                <a:spcPts val="500"/>
-              </a:spcBef>
-              <a:buFont typeface="Arial" panose="020B0604020202020204" pitchFamily="34" charset="0"/>
-              <a:buChar char="•"/>
-              <a:defRPr sz="1800" kern="1200">
-                <a:solidFill>
-                  <a:schemeClr val="tx1"/>
-                </a:solidFill>
-                <a:latin typeface="+mn-lt"/>
-                <a:ea typeface="+mn-ea"/>
-                <a:cs typeface="+mn-cs"/>
-              </a:defRPr>
-            </a:lvl9pPr>
-          </a:lstStyle>
-          <a:p>
-            <a:pPr marL="0" indent="0" algn="ctr">
-              <a:spcBef>
-                <a:spcPts val="0"/>
-              </a:spcBef>
-              <a:buNone/>
-            </a:pPr>
-            <a:r>
-              <a:rPr lang="en-US" altLang="zh-TW" b="1" i="1" dirty="0"/>
-              <a:t>Get ready for the drastic paradigm shift! </a:t>
-            </a:r>
-          </a:p>
-          <a:p>
-            <a:pPr marL="0" indent="0" algn="ctr">
-              <a:spcBef>
-                <a:spcPts val="0"/>
-              </a:spcBef>
-              <a:buNone/>
-            </a:pPr>
-            <a:r>
-              <a:rPr lang="en-US" altLang="zh-TW" b="1" i="1" dirty="0"/>
-              <a:t>Prepare to survive with several deep techniques. </a:t>
-            </a:r>
-            <a:endParaRPr lang="zh-TW" altLang="en-US" dirty="0"/>
-          </a:p>
-        </p:txBody>
-      </p:sp>
     </p:spTree>
     <p:extLst>
       <p:ext uri="{BB962C8B-B14F-4D97-AF65-F5344CB8AC3E}">
@@ -33640,13 +34831,13 @@
   <p:clrMapOvr>
     <a:masterClrMapping/>
   </p:clrMapOvr>
-  <mc:AlternateContent xmlns:mc="http://schemas.openxmlformats.org/markup-compatibility/2006">
-    <mc:Choice xmlns:p14="http://schemas.microsoft.com/office/powerpoint/2010/main" Requires="p14">
+  <mc:AlternateContent xmlns:mc="http://schemas.openxmlformats.org/markup-compatibility/2006" xmlns:p14="http://schemas.microsoft.com/office/powerpoint/2010/main">
+    <mc:Choice Requires="p14">
       <p:transition spd="slow" p14:dur="2000" advTm="204353">
         <p:cut/>
       </p:transition>
     </mc:Choice>
-    <mc:Fallback>
+    <mc:Fallback xmlns="">
       <p:transition spd="slow" advTm="204353">
         <p:cut/>
       </p:transition>
@@ -34010,6 +35201,882 @@
       </p:grpSpPr>
       <p:sp>
         <p:nvSpPr>
+          <p:cNvPr id="2" name="標題 1">
+            <a:extLst>
+              <a:ext uri="{FF2B5EF4-FFF2-40B4-BE49-F238E27FC236}">
+                <a16:creationId xmlns:a16="http://schemas.microsoft.com/office/drawing/2014/main" id="{93910209-2DDF-4CE9-8679-5C1AC549231F}"/>
+              </a:ext>
+            </a:extLst>
+          </p:cNvPr>
+          <p:cNvSpPr>
+            <a:spLocks noGrp="1"/>
+          </p:cNvSpPr>
+          <p:nvPr>
+            <p:ph type="title"/>
+          </p:nvPr>
+        </p:nvSpPr>
+        <p:spPr>
+          <a:solidFill>
+            <a:schemeClr val="bg2"/>
+          </a:solidFill>
+        </p:spPr>
+        <p:txBody>
+          <a:bodyPr/>
+          <a:lstStyle/>
+          <a:p>
+            <a:pPr algn="ctr"/>
+            <a:r>
+              <a:rPr lang="en-US" altLang="zh-TW" b="1" dirty="0">
+                <a:latin typeface="+mn-lt"/>
+              </a:rPr>
+              <a:t>Why Learning Compilers in the LLM Era?</a:t>
+            </a:r>
+            <a:endParaRPr lang="zh-TW" altLang="en-US" b="1" dirty="0">
+              <a:latin typeface="+mn-lt"/>
+            </a:endParaRPr>
+          </a:p>
+        </p:txBody>
+      </p:sp>
+      <p:sp>
+        <p:nvSpPr>
+          <p:cNvPr id="4" name="頁尾版面配置區 3">
+            <a:extLst>
+              <a:ext uri="{FF2B5EF4-FFF2-40B4-BE49-F238E27FC236}">
+                <a16:creationId xmlns:a16="http://schemas.microsoft.com/office/drawing/2014/main" id="{9F183629-5079-4049-8D49-CFCF1FF10AE3}"/>
+              </a:ext>
+            </a:extLst>
+          </p:cNvPr>
+          <p:cNvSpPr>
+            <a:spLocks noGrp="1"/>
+          </p:cNvSpPr>
+          <p:nvPr>
+            <p:ph type="ftr" sz="quarter" idx="11"/>
+          </p:nvPr>
+        </p:nvSpPr>
+        <p:spPr/>
+        <p:txBody>
+          <a:bodyPr/>
+          <a:lstStyle/>
+          <a:p>
+            <a:pPr>
+              <a:defRPr/>
+            </a:pPr>
+            <a:r>
+              <a:rPr lang="en-US" altLang="zh-TW"/>
+              <a:t>Department of Electrical Engineering</a:t>
+            </a:r>
+          </a:p>
+        </p:txBody>
+      </p:sp>
+      <p:sp>
+        <p:nvSpPr>
+          <p:cNvPr id="6" name="內容版面配置區 2">
+            <a:extLst>
+              <a:ext uri="{FF2B5EF4-FFF2-40B4-BE49-F238E27FC236}">
+                <a16:creationId xmlns:a16="http://schemas.microsoft.com/office/drawing/2014/main" id="{4A71EED2-C588-4E0C-82AA-72FEF0843E55}"/>
+              </a:ext>
+            </a:extLst>
+          </p:cNvPr>
+          <p:cNvSpPr txBox="1">
+            <a:spLocks/>
+          </p:cNvSpPr>
+          <p:nvPr/>
+        </p:nvSpPr>
+        <p:spPr bwMode="auto">
+          <a:xfrm>
+            <a:off x="0" y="5592257"/>
+            <a:ext cx="9144000" cy="862010"/>
+          </a:xfrm>
+          <a:prstGeom prst="rect">
+            <a:avLst/>
+          </a:prstGeom>
+          <a:solidFill>
+            <a:srgbClr val="FFC000"/>
+          </a:solidFill>
+          <a:ln>
+            <a:noFill/>
+          </a:ln>
+        </p:spPr>
+        <p:txBody>
+          <a:bodyPr vert="horz" wrap="square" lIns="91440" tIns="45720" rIns="91440" bIns="45720" numCol="1" anchor="t" anchorCtr="0" compatLnSpc="1">
+            <a:prstTxWarp prst="textNoShape">
+              <a:avLst/>
+            </a:prstTxWarp>
+          </a:bodyPr>
+          <a:lstStyle>
+            <a:lvl1pPr marL="228600" indent="-228600" algn="l" rtl="0" eaLnBrk="0" fontAlgn="base" hangingPunct="0">
+              <a:lnSpc>
+                <a:spcPct val="90000"/>
+              </a:lnSpc>
+              <a:spcBef>
+                <a:spcPts val="1000"/>
+              </a:spcBef>
+              <a:spcAft>
+                <a:spcPct val="0"/>
+              </a:spcAft>
+              <a:buFont typeface="Arial" panose="020B0604020202020204" pitchFamily="34" charset="0"/>
+              <a:buChar char="•"/>
+              <a:defRPr sz="2800" kern="1200">
+                <a:solidFill>
+                  <a:schemeClr val="tx1"/>
+                </a:solidFill>
+                <a:latin typeface="+mn-lt"/>
+                <a:ea typeface="+mn-ea"/>
+                <a:cs typeface="+mn-cs"/>
+              </a:defRPr>
+            </a:lvl1pPr>
+            <a:lvl2pPr marL="685800" indent="-228600" algn="l" rtl="0" eaLnBrk="0" fontAlgn="base" hangingPunct="0">
+              <a:lnSpc>
+                <a:spcPct val="90000"/>
+              </a:lnSpc>
+              <a:spcBef>
+                <a:spcPts val="500"/>
+              </a:spcBef>
+              <a:spcAft>
+                <a:spcPct val="0"/>
+              </a:spcAft>
+              <a:buFont typeface="Arial" panose="020B0604020202020204" pitchFamily="34" charset="0"/>
+              <a:buChar char="•"/>
+              <a:defRPr sz="2400" kern="1200">
+                <a:solidFill>
+                  <a:schemeClr val="tx1"/>
+                </a:solidFill>
+                <a:latin typeface="+mn-lt"/>
+                <a:ea typeface="+mn-ea"/>
+                <a:cs typeface="+mn-cs"/>
+              </a:defRPr>
+            </a:lvl2pPr>
+            <a:lvl3pPr marL="1143000" indent="-228600" algn="l" rtl="0" eaLnBrk="0" fontAlgn="base" hangingPunct="0">
+              <a:lnSpc>
+                <a:spcPct val="90000"/>
+              </a:lnSpc>
+              <a:spcBef>
+                <a:spcPts val="500"/>
+              </a:spcBef>
+              <a:spcAft>
+                <a:spcPct val="0"/>
+              </a:spcAft>
+              <a:buFont typeface="Arial" panose="020B0604020202020204" pitchFamily="34" charset="0"/>
+              <a:buChar char="•"/>
+              <a:defRPr sz="2000" kern="1200">
+                <a:solidFill>
+                  <a:schemeClr val="tx1"/>
+                </a:solidFill>
+                <a:latin typeface="+mn-lt"/>
+                <a:ea typeface="+mn-ea"/>
+                <a:cs typeface="+mn-cs"/>
+              </a:defRPr>
+            </a:lvl3pPr>
+            <a:lvl4pPr marL="1600200" indent="-228600" algn="l" rtl="0" eaLnBrk="0" fontAlgn="base" hangingPunct="0">
+              <a:lnSpc>
+                <a:spcPct val="90000"/>
+              </a:lnSpc>
+              <a:spcBef>
+                <a:spcPts val="500"/>
+              </a:spcBef>
+              <a:spcAft>
+                <a:spcPct val="0"/>
+              </a:spcAft>
+              <a:buFont typeface="Arial" panose="020B0604020202020204" pitchFamily="34" charset="0"/>
+              <a:buChar char="•"/>
+              <a:defRPr kern="1200">
+                <a:solidFill>
+                  <a:schemeClr val="tx1"/>
+                </a:solidFill>
+                <a:latin typeface="+mn-lt"/>
+                <a:ea typeface="+mn-ea"/>
+                <a:cs typeface="+mn-cs"/>
+              </a:defRPr>
+            </a:lvl4pPr>
+            <a:lvl5pPr marL="2057400" indent="-228600" algn="l" rtl="0" eaLnBrk="0" fontAlgn="base" hangingPunct="0">
+              <a:lnSpc>
+                <a:spcPct val="90000"/>
+              </a:lnSpc>
+              <a:spcBef>
+                <a:spcPts val="500"/>
+              </a:spcBef>
+              <a:spcAft>
+                <a:spcPct val="0"/>
+              </a:spcAft>
+              <a:buFont typeface="Arial" panose="020B0604020202020204" pitchFamily="34" charset="0"/>
+              <a:buChar char="•"/>
+              <a:defRPr kern="1200">
+                <a:solidFill>
+                  <a:schemeClr val="tx1"/>
+                </a:solidFill>
+                <a:latin typeface="+mn-lt"/>
+                <a:ea typeface="+mn-ea"/>
+                <a:cs typeface="+mn-cs"/>
+              </a:defRPr>
+            </a:lvl5pPr>
+            <a:lvl6pPr marL="2514600" indent="-228600" algn="l" defTabSz="914400" rtl="0" eaLnBrk="1" latinLnBrk="0" hangingPunct="1">
+              <a:lnSpc>
+                <a:spcPct val="90000"/>
+              </a:lnSpc>
+              <a:spcBef>
+                <a:spcPts val="500"/>
+              </a:spcBef>
+              <a:buFont typeface="Arial" panose="020B0604020202020204" pitchFamily="34" charset="0"/>
+              <a:buChar char="•"/>
+              <a:defRPr sz="1800" kern="1200">
+                <a:solidFill>
+                  <a:schemeClr val="tx1"/>
+                </a:solidFill>
+                <a:latin typeface="+mn-lt"/>
+                <a:ea typeface="+mn-ea"/>
+                <a:cs typeface="+mn-cs"/>
+              </a:defRPr>
+            </a:lvl6pPr>
+            <a:lvl7pPr marL="2971800" indent="-228600" algn="l" defTabSz="914400" rtl="0" eaLnBrk="1" latinLnBrk="0" hangingPunct="1">
+              <a:lnSpc>
+                <a:spcPct val="90000"/>
+              </a:lnSpc>
+              <a:spcBef>
+                <a:spcPts val="500"/>
+              </a:spcBef>
+              <a:buFont typeface="Arial" panose="020B0604020202020204" pitchFamily="34" charset="0"/>
+              <a:buChar char="•"/>
+              <a:defRPr sz="1800" kern="1200">
+                <a:solidFill>
+                  <a:schemeClr val="tx1"/>
+                </a:solidFill>
+                <a:latin typeface="+mn-lt"/>
+                <a:ea typeface="+mn-ea"/>
+                <a:cs typeface="+mn-cs"/>
+              </a:defRPr>
+            </a:lvl7pPr>
+            <a:lvl8pPr marL="3429000" indent="-228600" algn="l" defTabSz="914400" rtl="0" eaLnBrk="1" latinLnBrk="0" hangingPunct="1">
+              <a:lnSpc>
+                <a:spcPct val="90000"/>
+              </a:lnSpc>
+              <a:spcBef>
+                <a:spcPts val="500"/>
+              </a:spcBef>
+              <a:buFont typeface="Arial" panose="020B0604020202020204" pitchFamily="34" charset="0"/>
+              <a:buChar char="•"/>
+              <a:defRPr sz="1800" kern="1200">
+                <a:solidFill>
+                  <a:schemeClr val="tx1"/>
+                </a:solidFill>
+                <a:latin typeface="+mn-lt"/>
+                <a:ea typeface="+mn-ea"/>
+                <a:cs typeface="+mn-cs"/>
+              </a:defRPr>
+            </a:lvl8pPr>
+            <a:lvl9pPr marL="3886200" indent="-228600" algn="l" defTabSz="914400" rtl="0" eaLnBrk="1" latinLnBrk="0" hangingPunct="1">
+              <a:lnSpc>
+                <a:spcPct val="90000"/>
+              </a:lnSpc>
+              <a:spcBef>
+                <a:spcPts val="500"/>
+              </a:spcBef>
+              <a:buFont typeface="Arial" panose="020B0604020202020204" pitchFamily="34" charset="0"/>
+              <a:buChar char="•"/>
+              <a:defRPr sz="1800" kern="1200">
+                <a:solidFill>
+                  <a:schemeClr val="tx1"/>
+                </a:solidFill>
+                <a:latin typeface="+mn-lt"/>
+                <a:ea typeface="+mn-ea"/>
+                <a:cs typeface="+mn-cs"/>
+              </a:defRPr>
+            </a:lvl9pPr>
+          </a:lstStyle>
+          <a:p>
+            <a:pPr marL="0" indent="0" algn="ctr">
+              <a:spcBef>
+                <a:spcPts val="0"/>
+              </a:spcBef>
+              <a:buNone/>
+            </a:pPr>
+            <a:r>
+              <a:rPr lang="en-US" altLang="zh-TW" b="1" i="1" dirty="0"/>
+              <a:t>Get ready for the drastic paradigm shift! </a:t>
+            </a:r>
+          </a:p>
+          <a:p>
+            <a:pPr marL="0" indent="0" algn="ctr">
+              <a:spcBef>
+                <a:spcPts val="0"/>
+              </a:spcBef>
+              <a:buNone/>
+            </a:pPr>
+            <a:r>
+              <a:rPr lang="en-US" altLang="zh-TW" b="1" i="1" dirty="0"/>
+              <a:t>Prepare to survive with several deep techniques. </a:t>
+            </a:r>
+            <a:endParaRPr lang="zh-TW" altLang="en-US" dirty="0"/>
+          </a:p>
+        </p:txBody>
+      </p:sp>
+      <p:pic>
+        <p:nvPicPr>
+          <p:cNvPr id="9" name="內容版面配置區 8">
+            <a:extLst>
+              <a:ext uri="{FF2B5EF4-FFF2-40B4-BE49-F238E27FC236}">
+                <a16:creationId xmlns:a16="http://schemas.microsoft.com/office/drawing/2014/main" id="{F4E51BB8-5864-477E-930E-B0B4DE480B86}"/>
+              </a:ext>
+            </a:extLst>
+          </p:cNvPr>
+          <p:cNvPicPr>
+            <a:picLocks noGrp="1" noChangeAspect="1"/>
+          </p:cNvPicPr>
+          <p:nvPr>
+            <p:ph idx="1"/>
+          </p:nvPr>
+        </p:nvPicPr>
+        <p:blipFill>
+          <a:blip r:embed="rId2" cstate="print">
+            <a:extLst>
+              <a:ext uri="{28A0092B-C50C-407E-A947-70E740481C1C}">
+                <a14:useLocalDpi xmlns:a14="http://schemas.microsoft.com/office/drawing/2010/main" val="0"/>
+              </a:ext>
+            </a:extLst>
+          </a:blip>
+          <a:stretch>
+            <a:fillRect/>
+          </a:stretch>
+        </p:blipFill>
+        <p:spPr>
+          <a:xfrm>
+            <a:off x="801308" y="1622966"/>
+            <a:ext cx="3575128" cy="3969291"/>
+          </a:xfrm>
+        </p:spPr>
+      </p:pic>
+      <p:pic>
+        <p:nvPicPr>
+          <p:cNvPr id="11" name="圖片 10">
+            <a:extLst>
+              <a:ext uri="{FF2B5EF4-FFF2-40B4-BE49-F238E27FC236}">
+                <a16:creationId xmlns:a16="http://schemas.microsoft.com/office/drawing/2014/main" id="{DE6612A3-B473-44B1-AA3E-BB141732501C}"/>
+              </a:ext>
+            </a:extLst>
+          </p:cNvPr>
+          <p:cNvPicPr>
+            <a:picLocks noChangeAspect="1"/>
+          </p:cNvPicPr>
+          <p:nvPr/>
+        </p:nvPicPr>
+        <p:blipFill>
+          <a:blip r:embed="rId3" cstate="print">
+            <a:extLst>
+              <a:ext uri="{28A0092B-C50C-407E-A947-70E740481C1C}">
+                <a14:useLocalDpi xmlns:a14="http://schemas.microsoft.com/office/drawing/2010/main" val="0"/>
+              </a:ext>
+            </a:extLst>
+          </a:blip>
+          <a:stretch>
+            <a:fillRect/>
+          </a:stretch>
+        </p:blipFill>
+        <p:spPr>
+          <a:xfrm>
+            <a:off x="4582886" y="1622966"/>
+            <a:ext cx="3679930" cy="3969292"/>
+          </a:xfrm>
+          <a:prstGeom prst="rect">
+            <a:avLst/>
+          </a:prstGeom>
+        </p:spPr>
+      </p:pic>
+      <p:sp>
+        <p:nvSpPr>
+          <p:cNvPr id="13" name="文字方塊 12">
+            <a:extLst>
+              <a:ext uri="{FF2B5EF4-FFF2-40B4-BE49-F238E27FC236}">
+                <a16:creationId xmlns:a16="http://schemas.microsoft.com/office/drawing/2014/main" id="{2448376D-2B94-4D37-83BC-AAB3489C532A}"/>
+              </a:ext>
+            </a:extLst>
+          </p:cNvPr>
+          <p:cNvSpPr txBox="1"/>
+          <p:nvPr/>
+        </p:nvSpPr>
+        <p:spPr>
+          <a:xfrm>
+            <a:off x="2296886" y="1917189"/>
+            <a:ext cx="4572000" cy="369332"/>
+          </a:xfrm>
+          <a:prstGeom prst="rect">
+            <a:avLst/>
+          </a:prstGeom>
+          <a:noFill/>
+        </p:spPr>
+        <p:txBody>
+          <a:bodyPr wrap="square">
+            <a:spAutoFit/>
+          </a:bodyPr>
+          <a:lstStyle/>
+          <a:p>
+            <a:r>
+              <a:rPr lang="zh-TW" altLang="en-US" dirty="0">
+                <a:solidFill>
+                  <a:srgbClr val="0070C0"/>
+                </a:solidFill>
+              </a:rPr>
+              <a:t>https://news.cnyes.com/news/id/6113572</a:t>
+            </a:r>
+          </a:p>
+        </p:txBody>
+      </p:sp>
+    </p:spTree>
+    <p:extLst>
+      <p:ext uri="{BB962C8B-B14F-4D97-AF65-F5344CB8AC3E}">
+        <p14:creationId xmlns:p14="http://schemas.microsoft.com/office/powerpoint/2010/main" val="2187074909"/>
+      </p:ext>
+    </p:extLst>
+  </p:cSld>
+  <p:clrMapOvr>
+    <a:masterClrMapping/>
+  </p:clrMapOvr>
+  <mc:AlternateContent xmlns:mc="http://schemas.openxmlformats.org/markup-compatibility/2006">
+    <mc:Choice xmlns:p14="http://schemas.microsoft.com/office/powerpoint/2010/main" Requires="p14">
+      <p:transition spd="slow" p14:dur="2000" advTm="204353">
+        <p:cut/>
+      </p:transition>
+    </mc:Choice>
+    <mc:Fallback>
+      <p:transition spd="slow" advTm="204353">
+        <p:cut/>
+      </p:transition>
+    </mc:Fallback>
+  </mc:AlternateContent>
+  <p:timing>
+    <p:tnLst>
+      <p:par>
+        <p:cTn id="1" dur="indefinite" restart="never" nodeType="tmRoot">
+          <p:childTnLst>
+            <p:seq concurrent="1" nextAc="seek">
+              <p:cTn id="2" dur="indefinite" nodeType="mainSeq">
+                <p:childTnLst>
+                  <p:par>
+                    <p:cTn id="3" fill="hold">
+                      <p:stCondLst>
+                        <p:cond delay="indefinite"/>
+                      </p:stCondLst>
+                      <p:childTnLst>
+                        <p:par>
+                          <p:cTn id="4" fill="hold">
+                            <p:stCondLst>
+                              <p:cond delay="0"/>
+                            </p:stCondLst>
+                            <p:childTnLst>
+                              <p:par>
+                                <p:cTn id="5" presetID="1" presetClass="entr" presetSubtype="0" fill="hold" grpId="0" nodeType="clickEffect">
+                                  <p:stCondLst>
+                                    <p:cond delay="0"/>
+                                  </p:stCondLst>
+                                  <p:childTnLst>
+                                    <p:set>
+                                      <p:cBhvr>
+                                        <p:cTn id="6" dur="1" fill="hold">
+                                          <p:stCondLst>
+                                            <p:cond delay="0"/>
+                                          </p:stCondLst>
+                                        </p:cTn>
+                                        <p:tgtEl>
+                                          <p:spTgt spid="6"/>
+                                        </p:tgtEl>
+                                        <p:attrNameLst>
+                                          <p:attrName>style.visibility</p:attrName>
+                                        </p:attrNameLst>
+                                      </p:cBhvr>
+                                      <p:to>
+                                        <p:strVal val="visible"/>
+                                      </p:to>
+                                    </p:set>
+                                  </p:childTnLst>
+                                </p:cTn>
+                              </p:par>
+                            </p:childTnLst>
+                          </p:cTn>
+                        </p:par>
+                      </p:childTnLst>
+                    </p:cTn>
+                  </p:par>
+                </p:childTnLst>
+              </p:cTn>
+              <p:prevCondLst>
+                <p:cond evt="onPrev" delay="0">
+                  <p:tgtEl>
+                    <p:sldTgt/>
+                  </p:tgtEl>
+                </p:cond>
+              </p:prevCondLst>
+              <p:nextCondLst>
+                <p:cond evt="onNext" delay="0">
+                  <p:tgtEl>
+                    <p:sldTgt/>
+                  </p:tgtEl>
+                </p:cond>
+              </p:nextCondLst>
+            </p:seq>
+          </p:childTnLst>
+        </p:cTn>
+      </p:par>
+    </p:tnLst>
+    <p:bldLst>
+      <p:bldP spid="6" grpId="0" animBg="1"/>
+    </p:bldLst>
+  </p:timing>
+  <p:extLst>
+    <p:ext uri="{3A86A75C-4F4B-4683-9AE1-C65F6400EC91}">
+      <p14:laserTraceLst xmlns:p14="http://schemas.microsoft.com/office/powerpoint/2010/main">
+        <p14:tracePtLst>
+          <p14:tracePt t="107584" x="1212850" y="3411538"/>
+          <p14:tracePt t="107592" x="1239838" y="3621088"/>
+          <p14:tracePt t="107602" x="1293813" y="3721100"/>
+          <p14:tracePt t="107610" x="1366838" y="3784600"/>
+          <p14:tracePt t="107618" x="1485900" y="3875088"/>
+          <p14:tracePt t="107628" x="1568450" y="3940175"/>
+          <p14:tracePt t="107637" x="1649413" y="3994150"/>
+          <p14:tracePt t="107646" x="1714500" y="4049713"/>
+          <p14:tracePt t="107654" x="1787525" y="4086225"/>
+          <p14:tracePt t="107662" x="1841500" y="4103688"/>
+          <p14:tracePt t="107672" x="1895475" y="4113213"/>
+          <p14:tracePt t="107680" x="1951038" y="4113213"/>
+          <p14:tracePt t="107690" x="2014538" y="4113213"/>
+          <p14:tracePt t="107698" x="2087563" y="4103688"/>
+          <p14:tracePt t="107706" x="2170113" y="4094163"/>
+          <p14:tracePt t="107715" x="2251075" y="4086225"/>
+          <p14:tracePt t="107724" x="2333625" y="4076700"/>
+          <p14:tracePt t="107732" x="2425700" y="4067175"/>
+          <p14:tracePt t="107742" x="2506663" y="4057650"/>
+          <p14:tracePt t="107750" x="2579688" y="4057650"/>
+          <p14:tracePt t="107758" x="2662238" y="4040188"/>
+          <p14:tracePt t="107768" x="2744788" y="4021138"/>
+          <p14:tracePt t="107776" x="2817813" y="3994150"/>
+          <p14:tracePt t="107787" x="2889250" y="3967163"/>
+          <p14:tracePt t="107794" x="2954338" y="3930650"/>
+          <p14:tracePt t="107802" x="3017838" y="3894138"/>
+          <p14:tracePt t="107812" x="3054350" y="3857625"/>
+          <p14:tracePt t="107821" x="3081338" y="3821113"/>
+          <p14:tracePt t="107828" x="3108325" y="3784600"/>
+          <p14:tracePt t="107838" x="3117850" y="3757613"/>
+          <p14:tracePt t="107846" x="3117850" y="3730625"/>
+          <p14:tracePt t="107856" x="3127375" y="3702050"/>
+          <p14:tracePt t="107864" x="3127375" y="3675063"/>
+          <p14:tracePt t="107872" x="3100388" y="3621088"/>
+          <p14:tracePt t="107887" x="3071813" y="3565525"/>
+          <p14:tracePt t="107890" x="3035300" y="3492500"/>
+          <p14:tracePt t="107898" x="2971800" y="3411538"/>
+          <p14:tracePt t="107908" x="2908300" y="3328988"/>
+          <p14:tracePt t="107916" x="2844800" y="3265488"/>
+          <p14:tracePt t="107926" x="2725738" y="3209925"/>
+          <p14:tracePt t="107934" x="2625725" y="3155950"/>
+          <p14:tracePt t="107942" x="2470150" y="3109913"/>
+          <p14:tracePt t="107952" x="2306638" y="3073400"/>
+          <p14:tracePt t="107960" x="2143125" y="3046413"/>
+          <p14:tracePt t="107968" x="2033588" y="3036888"/>
+          <p14:tracePt t="107978" x="1941513" y="3036888"/>
+          <p14:tracePt t="107987" x="1851025" y="3046413"/>
+          <p14:tracePt t="107996" x="1714500" y="3082925"/>
+          <p14:tracePt t="108004" x="1549400" y="3127375"/>
+          <p14:tracePt t="108012" x="1330325" y="3219450"/>
+          <p14:tracePt t="108022" x="1166813" y="3309938"/>
+          <p14:tracePt t="108030" x="1030288" y="3411538"/>
+          <p14:tracePt t="108040" x="911225" y="3511550"/>
+          <p14:tracePt t="108048" x="820738" y="3629025"/>
+          <p14:tracePt t="108056" x="701675" y="3821113"/>
+          <p14:tracePt t="119937" x="2825750" y="3738563"/>
+          <p14:tracePt t="119944" x="2898775" y="3894138"/>
+          <p14:tracePt t="119952" x="2954338" y="3948113"/>
+          <p14:tracePt t="119962" x="3008313" y="3976688"/>
+          <p14:tracePt t="119970" x="3063875" y="4003675"/>
+          <p14:tracePt t="119982" x="3144838" y="4030663"/>
+          <p14:tracePt t="119988" x="3217863" y="4057650"/>
+          <p14:tracePt t="119996" x="3300413" y="4076700"/>
+          <p14:tracePt t="120006" x="3390900" y="4103688"/>
+          <p14:tracePt t="120015" x="3482975" y="4130675"/>
+          <p14:tracePt t="120021" x="3563938" y="4140200"/>
+          <p14:tracePt t="120032" x="3692525" y="4159250"/>
+          <p14:tracePt t="120040" x="3792538" y="4167188"/>
+          <p14:tracePt t="120050" x="3883025" y="4176713"/>
+          <p14:tracePt t="120058" x="3984625" y="4176713"/>
+          <p14:tracePt t="120066" x="4065588" y="4176713"/>
+          <p14:tracePt t="120076" x="4175125" y="4186238"/>
+          <p14:tracePt t="120084" x="4275138" y="4195763"/>
+          <p14:tracePt t="120092" x="4394200" y="4195763"/>
+          <p14:tracePt t="120102" x="4503738" y="4203700"/>
+          <p14:tracePt t="120110" x="4613275" y="4213225"/>
+          <p14:tracePt t="120120" x="4722813" y="4213225"/>
+          <p14:tracePt t="120128" x="4832350" y="4222750"/>
+          <p14:tracePt t="120136" x="4949825" y="4222750"/>
+          <p14:tracePt t="120146" x="5049838" y="4222750"/>
+          <p14:tracePt t="120154" x="5168900" y="4213225"/>
+          <p14:tracePt t="120162" x="5278438" y="4213225"/>
+          <p14:tracePt t="120172" x="5387975" y="4195763"/>
+          <p14:tracePt t="120180" x="5487988" y="4176713"/>
+          <p14:tracePt t="120188" x="5570538" y="4159250"/>
+          <p14:tracePt t="120198" x="5661025" y="4149725"/>
+          <p14:tracePt t="120206" x="5743575" y="4130675"/>
+          <p14:tracePt t="120215" x="5826125" y="4113213"/>
+          <p14:tracePt t="120224" x="5907088" y="4103688"/>
+          <p14:tracePt t="120232" x="5989638" y="4086225"/>
+          <p14:tracePt t="120242" x="6080125" y="4057650"/>
+          <p14:tracePt t="120250" x="6162675" y="4040188"/>
+          <p14:tracePt t="120260" x="6245225" y="4013200"/>
+          <p14:tracePt t="120268" x="6318250" y="3994150"/>
+          <p14:tracePt t="120276" x="6391275" y="3967163"/>
+          <p14:tracePt t="120286" x="6472238" y="3930650"/>
+          <p14:tracePt t="120294" x="6537325" y="3894138"/>
+          <p14:tracePt t="120304" x="6591300" y="3857625"/>
+          <p14:tracePt t="120312" x="6637338" y="3821113"/>
+          <p14:tracePt t="120320" x="6681788" y="3784600"/>
+          <p14:tracePt t="120332" x="6718300" y="3757613"/>
+          <p14:tracePt t="120338" x="6737350" y="3721100"/>
+          <p14:tracePt t="120346" x="6764338" y="3694113"/>
+          <p14:tracePt t="120356" x="6783388" y="3665538"/>
+          <p14:tracePt t="120364" x="6783388" y="3638550"/>
+          <p14:tracePt t="120372" x="6783388" y="3611563"/>
+          <p14:tracePt t="120382" x="6773863" y="3592513"/>
+          <p14:tracePt t="120390" x="6764338" y="3556000"/>
+          <p14:tracePt t="120400" x="6737350" y="3519488"/>
+          <p14:tracePt t="120408" x="6673850" y="3475038"/>
+          <p14:tracePt t="120416" x="6591300" y="3411538"/>
+          <p14:tracePt t="120426" x="6472238" y="3365500"/>
+          <p14:tracePt t="120434" x="6372225" y="3309938"/>
+          <p14:tracePt t="120444" x="6245225" y="3273425"/>
+          <p14:tracePt t="120452" x="6108700" y="3236913"/>
+          <p14:tracePt t="120460" x="5972175" y="3209925"/>
+          <p14:tracePt t="120470" x="5843588" y="3192463"/>
+          <p14:tracePt t="120478" x="5697538" y="3173413"/>
+          <p14:tracePt t="120486" x="5534025" y="3155950"/>
+          <p14:tracePt t="120496" x="5368925" y="3127375"/>
+          <p14:tracePt t="120504" x="5205413" y="3119438"/>
+          <p14:tracePt t="120512" x="5022850" y="3100388"/>
+          <p14:tracePt t="120522" x="4832350" y="3090863"/>
+          <p14:tracePt t="120531" x="4630738" y="3082925"/>
+          <p14:tracePt t="120540" x="4440238" y="3082925"/>
+          <p14:tracePt t="120548" x="4238625" y="3090863"/>
+          <p14:tracePt t="120556" x="4038600" y="3109913"/>
+          <p14:tracePt t="120566" x="3792538" y="3136900"/>
+          <p14:tracePt t="120574" x="3600450" y="3182938"/>
+          <p14:tracePt t="120582" x="3436938" y="3228975"/>
+          <p14:tracePt t="120592" x="3290888" y="3273425"/>
+          <p14:tracePt t="120600" x="3163888" y="3338513"/>
+          <p14:tracePt t="120610" x="3027363" y="3411538"/>
+          <p14:tracePt t="120618" x="2908300" y="3475038"/>
+          <p14:tracePt t="120626" x="2808288" y="3538538"/>
+          <p14:tracePt t="120636" x="2708275" y="3602038"/>
+          <p14:tracePt t="120644" x="2635250" y="3657600"/>
+          <p14:tracePt t="120654" x="2570163" y="3694113"/>
+          <p14:tracePt t="120662" x="2525713" y="3738563"/>
+          <p14:tracePt t="120670" x="2470150" y="3775075"/>
+          <p14:tracePt t="120681" x="2416175" y="3830638"/>
+          <p14:tracePt t="120688" x="2370138" y="3894138"/>
+          <p14:tracePt t="120696" x="2333625" y="3957638"/>
+          <p14:tracePt t="120706" x="2316163" y="4030663"/>
+          <p14:tracePt t="137454" x="7412038" y="3903663"/>
+          <p14:tracePt t="137461" x="7585075" y="3940175"/>
+          <p14:tracePt t="137470" x="7675563" y="3940175"/>
+          <p14:tracePt t="137480" x="7740650" y="3948113"/>
+          <p14:tracePt t="137488" x="7821613" y="3948113"/>
+          <p14:tracePt t="137496" x="7931150" y="3957638"/>
+          <p14:tracePt t="137507" x="8031163" y="3957638"/>
+          <p14:tracePt t="137514" x="8150225" y="3967163"/>
+          <p14:tracePt t="137522" x="8269288" y="3957638"/>
+          <p14:tracePt t="137532" x="8369300" y="3957638"/>
+          <p14:tracePt t="137541" x="8469313" y="3940175"/>
+          <p14:tracePt t="137550" x="8551863" y="3921125"/>
+          <p14:tracePt t="137558" x="8605838" y="3903663"/>
+          <p14:tracePt t="137566" x="8661400" y="3867150"/>
+          <p14:tracePt t="137576" x="8705850" y="3840163"/>
+          <p14:tracePt t="137584" x="8742363" y="3811588"/>
+          <p14:tracePt t="137594" x="8778875" y="3775075"/>
+          <p14:tracePt t="137602" x="8815388" y="3738563"/>
+          <p14:tracePt t="137610" x="8842375" y="3675063"/>
+          <p14:tracePt t="137620" x="8861425" y="3621088"/>
+          <p14:tracePt t="137628" x="8870950" y="3556000"/>
+          <p14:tracePt t="137636" x="8870950" y="3492500"/>
+          <p14:tracePt t="137646" x="8861425" y="3402013"/>
+          <p14:tracePt t="137654" x="8842375" y="3309938"/>
+          <p14:tracePt t="137664" x="8797925" y="3228975"/>
+          <p14:tracePt t="137672" x="8705850" y="3127375"/>
+          <p14:tracePt t="137680" x="8615363" y="3082925"/>
+          <p14:tracePt t="137690" x="8523288" y="3046413"/>
+          <p14:tracePt t="137698" x="8415338" y="2982913"/>
+          <p14:tracePt t="137707" x="8250238" y="2936875"/>
+          <p14:tracePt t="137715" x="8096250" y="2900363"/>
+          <p14:tracePt t="137724" x="7931150" y="2873375"/>
+          <p14:tracePt t="137734" x="7767638" y="2854325"/>
+          <p14:tracePt t="137742" x="7585075" y="2836863"/>
+          <p14:tracePt t="137750" x="7385050" y="2863850"/>
+          <p14:tracePt t="137760" x="7183438" y="2900363"/>
+          <p14:tracePt t="137768" x="6973888" y="2936875"/>
+          <p14:tracePt t="137776" x="6800850" y="3027363"/>
+          <p14:tracePt t="137786" x="6700838" y="3127375"/>
+          <p14:tracePt t="137794" x="6591300" y="3219450"/>
+          <p14:tracePt t="137804" x="6508750" y="3355975"/>
+          <p14:tracePt t="137812" x="6464300" y="3492500"/>
+          <p14:tracePt t="137820" x="6427788" y="3648075"/>
+          <p14:tracePt t="137830" x="6408738" y="3784600"/>
+          <p14:tracePt t="137838" x="6408738" y="3921125"/>
+          <p14:tracePt t="137846" x="6427788" y="4021138"/>
+          <p14:tracePt t="137856" x="6464300" y="4130675"/>
+          <p14:tracePt t="137874" x="6508750" y="4249738"/>
+          <p14:tracePt t="137875" x="6618288" y="4368800"/>
+          <p14:tracePt t="137882" x="6710363" y="4459288"/>
+          <p14:tracePt t="137890" x="6800850" y="4522788"/>
+          <p14:tracePt t="194512" x="866775" y="4413250"/>
+          <p14:tracePt t="194520" x="692150" y="4432300"/>
+          <p14:tracePt t="194531" x="655638" y="4422775"/>
+          <p14:tracePt t="194538" x="638175" y="4413250"/>
+          <p14:tracePt t="194548" x="628650" y="4405313"/>
+          <p14:tracePt t="194556" x="620713" y="4395788"/>
+          <p14:tracePt t="194564" x="601663" y="4386263"/>
+          <p14:tracePt t="194574" x="592138" y="4368800"/>
+          <p14:tracePt t="194581" x="584200" y="4359275"/>
+          <p14:tracePt t="194592" x="574675" y="4340225"/>
+          <p14:tracePt t="194600" x="555625" y="4332288"/>
+          <p14:tracePt t="194608" x="547688" y="4303713"/>
+          <p14:tracePt t="194618" x="538163" y="4276725"/>
+          <p14:tracePt t="194626" x="538163" y="4249738"/>
+          <p14:tracePt t="194634" x="528638" y="4203700"/>
+          <p14:tracePt t="194643" x="528638" y="4159250"/>
+          <p14:tracePt t="194652" x="528638" y="4122738"/>
+          <p14:tracePt t="194662" x="528638" y="4076700"/>
+          <p14:tracePt t="194670" x="528638" y="4040188"/>
+          <p14:tracePt t="194678" x="538163" y="4003675"/>
+          <p14:tracePt t="194687" x="555625" y="3957638"/>
+          <p14:tracePt t="194696" x="574675" y="3911600"/>
+          <p14:tracePt t="194703" x="601663" y="3867150"/>
+          <p14:tracePt t="194714" x="628650" y="3821113"/>
+          <p14:tracePt t="194722" x="655638" y="3775075"/>
+          <p14:tracePt t="194731" x="692150" y="3738563"/>
+          <p14:tracePt t="194740" x="738188" y="3694113"/>
+          <p14:tracePt t="194748" x="784225" y="3657600"/>
+          <p14:tracePt t="194757" x="830263" y="3611563"/>
+          <p14:tracePt t="194766" x="884238" y="3575050"/>
+          <p14:tracePt t="194774" x="957263" y="3538538"/>
+          <p14:tracePt t="194784" x="1020763" y="3511550"/>
+          <p14:tracePt t="194792" x="1093788" y="3482975"/>
+          <p14:tracePt t="194802" x="1185863" y="3455988"/>
+          <p14:tracePt t="194809" x="1276350" y="3429000"/>
+          <p14:tracePt t="194818" x="1385888" y="3402013"/>
+          <p14:tracePt t="194828" x="1495425" y="3375025"/>
+          <p14:tracePt t="194836" x="1604963" y="3346450"/>
+          <p14:tracePt t="194844" x="1741488" y="3328988"/>
+          <p14:tracePt t="194854" x="1851025" y="3328988"/>
+          <p14:tracePt t="194865" x="1978025" y="3319463"/>
+          <p14:tracePt t="194869" x="2114550" y="3309938"/>
+          <p14:tracePt t="194881" x="2260600" y="3309938"/>
+          <p14:tracePt t="194888" x="2406650" y="3302000"/>
+          <p14:tracePt t="194898" x="2543175" y="3292475"/>
+          <p14:tracePt t="194905" x="2679700" y="3292475"/>
+          <p14:tracePt t="194915" x="2817813" y="3292475"/>
+          <p14:tracePt t="194924" x="2954338" y="3309938"/>
+          <p14:tracePt t="194932" x="3081338" y="3319463"/>
+          <p14:tracePt t="194942" x="3236913" y="3365500"/>
+          <p14:tracePt t="194950" x="3373438" y="3392488"/>
+          <p14:tracePt t="194957" x="3519488" y="3438525"/>
+          <p14:tracePt t="194967" x="3665538" y="3465513"/>
+          <p14:tracePt t="194976" x="3810000" y="3502025"/>
+          <p14:tracePt t="194984" x="3948113" y="3538538"/>
+          <p14:tracePt t="194994" x="4094163" y="3565525"/>
+          <p14:tracePt t="195002" x="4230688" y="3611563"/>
+          <p14:tracePt t="195012" x="4348163" y="3648075"/>
+          <p14:tracePt t="195020" x="4457700" y="3694113"/>
+          <p14:tracePt t="195028" x="4549775" y="3730625"/>
+          <p14:tracePt t="195038" x="4630738" y="3767138"/>
+          <p14:tracePt t="195047" x="4722813" y="3830638"/>
+          <p14:tracePt t="195054" x="4813300" y="3911600"/>
+          <p14:tracePt t="195065" x="4895850" y="3984625"/>
+          <p14:tracePt t="195072" x="4968875" y="4049713"/>
+          <p14:tracePt t="195082" x="5041900" y="4140200"/>
+          <p14:tracePt t="195090" x="5105400" y="4222750"/>
+          <p14:tracePt t="195098" x="5151438" y="4295775"/>
+          <p14:tracePt t="195107" x="5187950" y="4359275"/>
+          <p14:tracePt t="195116" x="5224463" y="4441825"/>
+          <p14:tracePt t="195124" x="5241925" y="4505325"/>
+          <p14:tracePt t="195134" x="5251450" y="4578350"/>
+          <p14:tracePt t="195142" x="5251450" y="4641850"/>
+          <p14:tracePt t="195152" x="5232400" y="4705350"/>
+          <p14:tracePt t="195160" x="5205413" y="4768850"/>
+          <p14:tracePt t="195168" x="5159375" y="4851400"/>
+          <p14:tracePt t="195178" x="5078413" y="4933950"/>
+          <p14:tracePt t="195186" x="4986338" y="5006975"/>
+          <p14:tracePt t="195194" x="4905375" y="5060950"/>
+          <p14:tracePt t="195204" x="4822825" y="5116513"/>
+          <p14:tracePt t="195212" x="4722813" y="5160963"/>
+          <p14:tracePt t="195222" x="4613275" y="5207000"/>
+          <p14:tracePt t="195231" x="4494213" y="5243513"/>
+          <p14:tracePt t="195238" x="4348163" y="5270500"/>
+          <p14:tracePt t="195248" x="4194175" y="5299075"/>
+          <p14:tracePt t="195256" x="4029075" y="5307013"/>
+          <p14:tracePt t="195264" x="3865563" y="5316538"/>
+          <p14:tracePt t="195274" x="3709988" y="5326063"/>
+          <p14:tracePt t="195282" x="3556000" y="5326063"/>
+          <p14:tracePt t="195292" x="3390900" y="5307013"/>
+          <p14:tracePt t="195300" x="3236913" y="5307013"/>
+          <p14:tracePt t="195307" x="3071813" y="5289550"/>
+          <p14:tracePt t="195318" x="2898775" y="5262563"/>
+          <p14:tracePt t="195326" x="2725738" y="5216525"/>
+          <p14:tracePt t="195334" x="2562225" y="5197475"/>
+          <p14:tracePt t="195344" x="2389188" y="5160963"/>
+          <p14:tracePt t="195352" x="2206625" y="5126038"/>
+          <p14:tracePt t="195362" x="2014538" y="5097463"/>
+          <p14:tracePt t="195369" x="1831975" y="5060950"/>
+          <p14:tracePt t="195378" x="1668463" y="5043488"/>
+          <p14:tracePt t="195388" x="1512888" y="5024438"/>
+          <p14:tracePt t="195397" x="1385888" y="5006975"/>
+          <p14:tracePt t="195404" x="1276350" y="4987925"/>
+          <p14:tracePt t="195415" x="1193800" y="4979988"/>
+          <p14:tracePt t="195422" x="1112838" y="4960938"/>
+          <p14:tracePt t="195432" x="1047750" y="4933950"/>
+          <p14:tracePt t="195440" x="993775" y="4906963"/>
+          <p14:tracePt t="195448" x="930275" y="4860925"/>
+          <p14:tracePt t="195458" x="874713" y="4824413"/>
+          <p14:tracePt t="195466" x="830263" y="4778375"/>
+          <p14:tracePt t="195476" x="784225" y="4714875"/>
+          <p14:tracePt t="195484" x="757238" y="4651375"/>
+          <p14:tracePt t="195492" x="728663" y="4568825"/>
+          <p14:tracePt t="195502" x="720725" y="4486275"/>
+          <p14:tracePt t="195509" x="711200" y="4395788"/>
+          <p14:tracePt t="195518" x="720725" y="4303713"/>
+          <p14:tracePt t="195528" x="757238" y="4195763"/>
+          <p14:tracePt t="195536" x="801688" y="4076700"/>
+          <p14:tracePt t="195544" x="911225" y="3940175"/>
+          <p14:tracePt t="195554" x="1039813" y="3830638"/>
+          <p14:tracePt t="195562" x="1157288" y="3711575"/>
+          <p14:tracePt t="195572" x="1312863" y="3621088"/>
+          <p14:tracePt t="195581" x="1468438" y="3556000"/>
+          <p14:tracePt t="195588" x="1649413" y="3502025"/>
+          <p14:tracePt t="195598" x="1831975" y="3502025"/>
+          <p14:tracePt t="195606" x="2033588" y="3482975"/>
+          <p14:tracePt t="195615" x="2243138" y="3482975"/>
+          <p14:tracePt t="195624" x="2452688" y="3511550"/>
+          <p14:tracePt t="195632" x="2662238" y="3538538"/>
+          <p14:tracePt t="195642" x="2881313" y="3565525"/>
+          <p14:tracePt t="195650" x="3108325" y="3602038"/>
+          <p14:tracePt t="195658" x="3373438" y="3638550"/>
+          <p14:tracePt t="195668" x="3609975" y="3665538"/>
+        </p14:tracePtLst>
+      </p14:laserTraceLst>
+    </p:ext>
+  </p:extLst>
+</p:sld>
+</file>
+
+<file path=ppt/slides/slide7.xml><?xml version="1.0" encoding="utf-8"?>
+<p:sld xmlns:a="http://schemas.openxmlformats.org/drawingml/2006/main" xmlns:r="http://schemas.openxmlformats.org/officeDocument/2006/relationships" xmlns:p="http://schemas.openxmlformats.org/presentationml/2006/main">
+  <p:cSld>
+    <p:spTree>
+      <p:nvGrpSpPr>
+        <p:cNvPr id="1" name=""/>
+        <p:cNvGrpSpPr/>
+        <p:nvPr/>
+      </p:nvGrpSpPr>
+      <p:grpSpPr>
+        <a:xfrm>
+          <a:off x="0" y="0"/>
+          <a:ext cx="0" cy="0"/>
+          <a:chOff x="0" y="0"/>
+          <a:chExt cx="0" cy="0"/>
+        </a:xfrm>
+      </p:grpSpPr>
+      <p:sp>
+        <p:nvSpPr>
           <p:cNvPr id="2" name="標題 1"/>
           <p:cNvSpPr>
             <a:spLocks noGrp="1"/>
@@ -34429,7 +36496,7 @@
                 <a:buNone/>
                 <a:defRPr/>
               </a:pPr>
-              <a:t>6</a:t>
+              <a:t>7</a:t>
             </a:fld>
             <a:endParaRPr lang="en-US" altLang="zh-TW" sz="1800">
               <a:solidFill>
@@ -34726,7 +36793,7 @@
 </p:sld>
 </file>
 
-<file path=ppt/slides/slide7.xml><?xml version="1.0" encoding="utf-8"?>
+<file path=ppt/slides/slide8.xml><?xml version="1.0" encoding="utf-8"?>
 <p:sld xmlns:a="http://schemas.openxmlformats.org/drawingml/2006/main" xmlns:r="http://schemas.openxmlformats.org/officeDocument/2006/relationships" xmlns:p="http://schemas.openxmlformats.org/presentationml/2006/main">
   <p:cSld>
     <p:spTree>
@@ -34919,7 +36986,7 @@
               <a:pPr>
                 <a:defRPr/>
               </a:pPr>
-              <a:t>7</a:t>
+              <a:t>8</a:t>
             </a:fld>
             <a:endParaRPr lang="en-US" altLang="zh-TW"/>
           </a:p>
@@ -35595,7 +37662,7 @@
                 <a:buNone/>
                 <a:defRPr/>
               </a:pPr>
-              <a:t>7</a:t>
+              <a:t>8</a:t>
             </a:fld>
             <a:endParaRPr lang="en-US" altLang="zh-TW" sz="1800">
               <a:solidFill>
@@ -35630,7 +37697,7 @@
 </p:sld>
 </file>
 
-<file path=ppt/slides/slide8.xml><?xml version="1.0" encoding="utf-8"?>
+<file path=ppt/slides/slide9.xml><?xml version="1.0" encoding="utf-8"?>
 <p:sld xmlns:a="http://schemas.openxmlformats.org/drawingml/2006/main" xmlns:r="http://schemas.openxmlformats.org/officeDocument/2006/relationships" xmlns:p="http://schemas.openxmlformats.org/presentationml/2006/main">
   <p:cSld>
     <p:spTree>
@@ -36487,7 +38554,7 @@
                 <a:buNone/>
                 <a:defRPr/>
               </a:pPr>
-              <a:t>8</a:t>
+              <a:t>9</a:t>
             </a:fld>
             <a:endParaRPr lang="en-US" altLang="zh-TW" sz="1800">
               <a:solidFill>
@@ -36510,1440 +38577,6 @@
     </mc:Choice>
     <mc:Fallback xmlns="">
       <p:transition spd="slow" advTm="17339">
-        <p:cut/>
-      </p:transition>
-    </mc:Fallback>
-  </mc:AlternateContent>
-</p:sld>
-</file>
-
-<file path=ppt/slides/slide9.xml><?xml version="1.0" encoding="utf-8"?>
-<p:sld xmlns:a="http://schemas.openxmlformats.org/drawingml/2006/main" xmlns:r="http://schemas.openxmlformats.org/officeDocument/2006/relationships" xmlns:p="http://schemas.openxmlformats.org/presentationml/2006/main">
-  <p:cSld>
-    <p:spTree>
-      <p:nvGrpSpPr>
-        <p:cNvPr id="1" name=""/>
-        <p:cNvGrpSpPr/>
-        <p:nvPr/>
-      </p:nvGrpSpPr>
-      <p:grpSpPr>
-        <a:xfrm>
-          <a:off x="0" y="0"/>
-          <a:ext cx="0" cy="0"/>
-          <a:chOff x="0" y="0"/>
-          <a:chExt cx="0" cy="0"/>
-        </a:xfrm>
-      </p:grpSpPr>
-      <p:sp>
-        <p:nvSpPr>
-          <p:cNvPr id="27650" name="標題 1"/>
-          <p:cNvSpPr>
-            <a:spLocks noGrp="1"/>
-          </p:cNvSpPr>
-          <p:nvPr>
-            <p:ph type="title"/>
-          </p:nvPr>
-        </p:nvSpPr>
-        <p:spPr>
-          <a:solidFill>
-            <a:schemeClr val="bg2"/>
-          </a:solidFill>
-        </p:spPr>
-        <p:txBody>
-          <a:bodyPr/>
-          <a:lstStyle/>
-          <a:p>
-            <a:pPr algn="ctr"/>
-            <a:r>
-              <a:rPr lang="en-US" altLang="zh-TW" b="1" dirty="0">
-                <a:latin typeface="+mn-lt"/>
-              </a:rPr>
-              <a:t>Software Crisis</a:t>
-            </a:r>
-            <a:endParaRPr lang="zh-TW" altLang="en-US" b="1" dirty="0">
-              <a:latin typeface="+mn-lt"/>
-            </a:endParaRPr>
-          </a:p>
-        </p:txBody>
-      </p:sp>
-      <p:sp>
-        <p:nvSpPr>
-          <p:cNvPr id="27675" name="內容版面配置區 6"/>
-          <p:cNvSpPr>
-            <a:spLocks noGrp="1"/>
-          </p:cNvSpPr>
-          <p:nvPr>
-            <p:ph idx="1"/>
-          </p:nvPr>
-        </p:nvSpPr>
-        <p:spPr>
-          <a:xfrm>
-            <a:off x="600897" y="6072187"/>
-            <a:ext cx="8120062" cy="428625"/>
-          </a:xfrm>
-        </p:spPr>
-        <p:txBody>
-          <a:bodyPr/>
-          <a:lstStyle/>
-          <a:p>
-            <a:pPr>
-              <a:buFont typeface="Times" panose="02020603050405020304" pitchFamily="18" charset="0"/>
-              <a:buNone/>
-            </a:pPr>
-            <a:r>
-              <a:rPr lang="en-US" altLang="zh-TW" sz="2000" i="1">
-                <a:latin typeface="Times New Roman" panose="02020603050405020304" pitchFamily="18" charset="0"/>
-                <a:cs typeface="Times New Roman" panose="02020603050405020304" pitchFamily="18" charset="0"/>
-              </a:rPr>
-              <a:t>http://en.wikipedia.org/wiki/Source_lines_of_code</a:t>
-            </a:r>
-            <a:endParaRPr lang="zh-TW" altLang="en-US" sz="2000" i="1">
-              <a:latin typeface="Times New Roman" panose="02020603050405020304" pitchFamily="18" charset="0"/>
-              <a:cs typeface="Times New Roman" panose="02020603050405020304" pitchFamily="18" charset="0"/>
-            </a:endParaRPr>
-          </a:p>
-        </p:txBody>
-      </p:sp>
-      <p:sp>
-        <p:nvSpPr>
-          <p:cNvPr id="3" name="投影片編號版面配置區 2">
-            <a:extLst>
-              <a:ext uri="{FF2B5EF4-FFF2-40B4-BE49-F238E27FC236}">
-                <a16:creationId xmlns:a16="http://schemas.microsoft.com/office/drawing/2014/main" id="{C9EFF269-C70A-4354-BB19-B02BE5BF10C3}"/>
-              </a:ext>
-            </a:extLst>
-          </p:cNvPr>
-          <p:cNvSpPr>
-            <a:spLocks noGrp="1"/>
-          </p:cNvSpPr>
-          <p:nvPr>
-            <p:ph type="sldNum" sz="quarter" idx="12"/>
-          </p:nvPr>
-        </p:nvSpPr>
-        <p:spPr/>
-        <p:txBody>
-          <a:bodyPr/>
-          <a:lstStyle/>
-          <a:p>
-            <a:pPr>
-              <a:defRPr/>
-            </a:pPr>
-            <a:r>
-              <a:rPr lang="en-US" altLang="zh-TW"/>
-              <a:t>6-</a:t>
-            </a:r>
-            <a:fld id="{1AF5B732-A6A2-4E8D-AD8E-9E36B5207B07}" type="slidenum">
-              <a:rPr lang="en-US" altLang="zh-TW" smtClean="0"/>
-              <a:pPr>
-                <a:defRPr/>
-              </a:pPr>
-              <a:t>9</a:t>
-            </a:fld>
-            <a:endParaRPr lang="en-US" altLang="zh-TW"/>
-          </a:p>
-        </p:txBody>
-      </p:sp>
-      <p:graphicFrame>
-        <p:nvGraphicFramePr>
-          <p:cNvPr id="6" name="表格 5"/>
-          <p:cNvGraphicFramePr>
-            <a:graphicFrameLocks noGrp="1"/>
-          </p:cNvGraphicFramePr>
-          <p:nvPr>
-            <p:extLst>
-              <p:ext uri="{D42A27DB-BD31-4B8C-83A1-F6EECF244321}">
-                <p14:modId xmlns:p14="http://schemas.microsoft.com/office/powerpoint/2010/main" val="3206180259"/>
-              </p:ext>
-            </p:extLst>
-          </p:nvPr>
-        </p:nvGraphicFramePr>
-        <p:xfrm>
-          <a:off x="1035844" y="1773238"/>
-          <a:ext cx="7117556" cy="4298954"/>
-        </p:xfrm>
-        <a:graphic>
-          <a:graphicData uri="http://schemas.openxmlformats.org/drawingml/2006/table">
-            <a:tbl>
-              <a:tblPr/>
-              <a:tblGrid>
-                <a:gridCol w="4270533">
-                  <a:extLst>
-                    <a:ext uri="{9D8B030D-6E8A-4147-A177-3AD203B41FA5}">
-                      <a16:colId xmlns:a16="http://schemas.microsoft.com/office/drawing/2014/main" val="20000"/>
-                    </a:ext>
-                  </a:extLst>
-                </a:gridCol>
-                <a:gridCol w="2847023">
-                  <a:extLst>
-                    <a:ext uri="{9D8B030D-6E8A-4147-A177-3AD203B41FA5}">
-                      <a16:colId xmlns:a16="http://schemas.microsoft.com/office/drawing/2014/main" val="20001"/>
-                    </a:ext>
-                  </a:extLst>
-                </a:gridCol>
-              </a:tblGrid>
-              <a:tr h="390814">
-                <a:tc>
-                  <a:txBody>
-                    <a:bodyPr/>
-                    <a:lstStyle/>
-                    <a:p>
-                      <a:r>
-                        <a:rPr lang="en-US" sz="1800" dirty="0">
-                          <a:solidFill>
-                            <a:schemeClr val="bg1"/>
-                          </a:solidFill>
-                        </a:rPr>
-                        <a:t>Operating System</a:t>
-                      </a:r>
-                    </a:p>
-                  </a:txBody>
-                  <a:tcPr marL="91439" marR="91439" anchor="ctr">
-                    <a:lnL>
-                      <a:noFill/>
-                    </a:lnL>
-                    <a:lnR>
-                      <a:noFill/>
-                    </a:lnR>
-                    <a:lnT>
-                      <a:noFill/>
-                    </a:lnT>
-                    <a:lnB>
-                      <a:noFill/>
-                    </a:lnB>
-                    <a:solidFill>
-                      <a:schemeClr val="accent1">
-                        <a:lumMod val="90000"/>
-                      </a:schemeClr>
-                    </a:solidFill>
-                  </a:tcPr>
-                </a:tc>
-                <a:tc>
-                  <a:txBody>
-                    <a:bodyPr/>
-                    <a:lstStyle/>
-                    <a:p>
-                      <a:r>
-                        <a:rPr lang="en-US" sz="1800" dirty="0">
-                          <a:solidFill>
-                            <a:schemeClr val="bg1"/>
-                          </a:solidFill>
-                        </a:rPr>
-                        <a:t>SLOC (Million)</a:t>
-                      </a:r>
-                    </a:p>
-                  </a:txBody>
-                  <a:tcPr marL="91439" marR="91439" anchor="ctr">
-                    <a:lnL>
-                      <a:noFill/>
-                    </a:lnL>
-                    <a:lnR>
-                      <a:noFill/>
-                    </a:lnR>
-                    <a:lnT>
-                      <a:noFill/>
-                    </a:lnT>
-                    <a:lnB>
-                      <a:noFill/>
-                    </a:lnB>
-                    <a:solidFill>
-                      <a:schemeClr val="accent1">
-                        <a:lumMod val="90000"/>
-                      </a:schemeClr>
-                    </a:solidFill>
-                  </a:tcPr>
-                </a:tc>
-                <a:extLst>
-                  <a:ext uri="{0D108BD9-81ED-4DB2-BD59-A6C34878D82A}">
-                    <a16:rowId xmlns:a16="http://schemas.microsoft.com/office/drawing/2014/main" val="10000"/>
-                  </a:ext>
-                </a:extLst>
-              </a:tr>
-              <a:tr h="390814">
-                <a:tc>
-                  <a:txBody>
-                    <a:bodyPr/>
-                    <a:lstStyle/>
-                    <a:p>
-                      <a:r>
-                        <a:rPr lang="en-US" sz="1800"/>
-                        <a:t>Debian 2.2</a:t>
-                      </a:r>
-                    </a:p>
-                  </a:txBody>
-                  <a:tcPr marL="91439" marR="91439" anchor="ctr">
-                    <a:lnL>
-                      <a:noFill/>
-                    </a:lnL>
-                    <a:lnR>
-                      <a:noFill/>
-                    </a:lnR>
-                    <a:lnT>
-                      <a:noFill/>
-                    </a:lnT>
-                    <a:lnB>
-                      <a:noFill/>
-                    </a:lnB>
-                  </a:tcPr>
-                </a:tc>
-                <a:tc>
-                  <a:txBody>
-                    <a:bodyPr/>
-                    <a:lstStyle/>
-                    <a:p>
-                      <a:r>
-                        <a:rPr lang="en-US" altLang="zh-TW" sz="1800" dirty="0"/>
-                        <a:t>55-59</a:t>
-                      </a:r>
-                      <a:endParaRPr lang="zh-TW" altLang="en-US" sz="1800" dirty="0"/>
-                    </a:p>
-                  </a:txBody>
-                  <a:tcPr marL="91439" marR="91439" anchor="ctr">
-                    <a:lnL>
-                      <a:noFill/>
-                    </a:lnL>
-                    <a:lnR>
-                      <a:noFill/>
-                    </a:lnR>
-                    <a:lnT>
-                      <a:noFill/>
-                    </a:lnT>
-                    <a:lnB>
-                      <a:noFill/>
-                    </a:lnB>
-                  </a:tcPr>
-                </a:tc>
-                <a:extLst>
-                  <a:ext uri="{0D108BD9-81ED-4DB2-BD59-A6C34878D82A}">
-                    <a16:rowId xmlns:a16="http://schemas.microsoft.com/office/drawing/2014/main" val="10001"/>
-                  </a:ext>
-                </a:extLst>
-              </a:tr>
-              <a:tr h="390814">
-                <a:tc>
-                  <a:txBody>
-                    <a:bodyPr/>
-                    <a:lstStyle/>
-                    <a:p>
-                      <a:r>
-                        <a:rPr lang="en-US" sz="1800" dirty="0" err="1"/>
-                        <a:t>Debian</a:t>
-                      </a:r>
-                      <a:r>
-                        <a:rPr lang="en-US" sz="1800" dirty="0"/>
-                        <a:t> 3.0</a:t>
-                      </a:r>
-                    </a:p>
-                  </a:txBody>
-                  <a:tcPr marL="91439" marR="91439" anchor="ctr">
-                    <a:lnL>
-                      <a:noFill/>
-                    </a:lnL>
-                    <a:lnR>
-                      <a:noFill/>
-                    </a:lnR>
-                    <a:lnT>
-                      <a:noFill/>
-                    </a:lnT>
-                    <a:lnB>
-                      <a:noFill/>
-                    </a:lnB>
-                    <a:solidFill>
-                      <a:schemeClr val="accent5"/>
-                    </a:solidFill>
-                  </a:tcPr>
-                </a:tc>
-                <a:tc>
-                  <a:txBody>
-                    <a:bodyPr/>
-                    <a:lstStyle/>
-                    <a:p>
-                      <a:r>
-                        <a:rPr lang="en-US" altLang="zh-TW" sz="1800" dirty="0"/>
-                        <a:t>104</a:t>
-                      </a:r>
-                      <a:endParaRPr lang="zh-TW" altLang="en-US" sz="1800" dirty="0"/>
-                    </a:p>
-                  </a:txBody>
-                  <a:tcPr marL="91439" marR="91439" anchor="ctr">
-                    <a:lnL>
-                      <a:noFill/>
-                    </a:lnL>
-                    <a:lnR>
-                      <a:noFill/>
-                    </a:lnR>
-                    <a:lnT>
-                      <a:noFill/>
-                    </a:lnT>
-                    <a:lnB>
-                      <a:noFill/>
-                    </a:lnB>
-                    <a:solidFill>
-                      <a:schemeClr val="accent5"/>
-                    </a:solidFill>
-                  </a:tcPr>
-                </a:tc>
-                <a:extLst>
-                  <a:ext uri="{0D108BD9-81ED-4DB2-BD59-A6C34878D82A}">
-                    <a16:rowId xmlns:a16="http://schemas.microsoft.com/office/drawing/2014/main" val="10002"/>
-                  </a:ext>
-                </a:extLst>
-              </a:tr>
-              <a:tr h="390814">
-                <a:tc>
-                  <a:txBody>
-                    <a:bodyPr/>
-                    <a:lstStyle/>
-                    <a:p>
-                      <a:r>
-                        <a:rPr lang="en-US" sz="1800"/>
-                        <a:t>Debian 3.1</a:t>
-                      </a:r>
-                    </a:p>
-                  </a:txBody>
-                  <a:tcPr marL="91439" marR="91439" anchor="ctr">
-                    <a:lnL>
-                      <a:noFill/>
-                    </a:lnL>
-                    <a:lnR>
-                      <a:noFill/>
-                    </a:lnR>
-                    <a:lnT>
-                      <a:noFill/>
-                    </a:lnT>
-                    <a:lnB>
-                      <a:noFill/>
-                    </a:lnB>
-                  </a:tcPr>
-                </a:tc>
-                <a:tc>
-                  <a:txBody>
-                    <a:bodyPr/>
-                    <a:lstStyle/>
-                    <a:p>
-                      <a:r>
-                        <a:rPr lang="en-US" altLang="zh-TW" sz="1800" dirty="0"/>
-                        <a:t>215</a:t>
-                      </a:r>
-                      <a:endParaRPr lang="zh-TW" altLang="en-US" sz="1800" dirty="0"/>
-                    </a:p>
-                  </a:txBody>
-                  <a:tcPr marL="91439" marR="91439" anchor="ctr">
-                    <a:lnL>
-                      <a:noFill/>
-                    </a:lnL>
-                    <a:lnR>
-                      <a:noFill/>
-                    </a:lnR>
-                    <a:lnT>
-                      <a:noFill/>
-                    </a:lnT>
-                    <a:lnB>
-                      <a:noFill/>
-                    </a:lnB>
-                  </a:tcPr>
-                </a:tc>
-                <a:extLst>
-                  <a:ext uri="{0D108BD9-81ED-4DB2-BD59-A6C34878D82A}">
-                    <a16:rowId xmlns:a16="http://schemas.microsoft.com/office/drawing/2014/main" val="10003"/>
-                  </a:ext>
-                </a:extLst>
-              </a:tr>
-              <a:tr h="390814">
-                <a:tc>
-                  <a:txBody>
-                    <a:bodyPr/>
-                    <a:lstStyle/>
-                    <a:p>
-                      <a:r>
-                        <a:rPr lang="en-US" sz="1800" dirty="0" err="1"/>
-                        <a:t>Debian</a:t>
-                      </a:r>
-                      <a:r>
-                        <a:rPr lang="en-US" sz="1800" dirty="0"/>
-                        <a:t> 4.0</a:t>
-                      </a:r>
-                    </a:p>
-                  </a:txBody>
-                  <a:tcPr marL="91439" marR="91439" anchor="ctr">
-                    <a:lnL>
-                      <a:noFill/>
-                    </a:lnL>
-                    <a:lnR>
-                      <a:noFill/>
-                    </a:lnR>
-                    <a:lnT>
-                      <a:noFill/>
-                    </a:lnT>
-                    <a:lnB>
-                      <a:noFill/>
-                    </a:lnB>
-                    <a:solidFill>
-                      <a:schemeClr val="accent5"/>
-                    </a:solidFill>
-                  </a:tcPr>
-                </a:tc>
-                <a:tc>
-                  <a:txBody>
-                    <a:bodyPr/>
-                    <a:lstStyle/>
-                    <a:p>
-                      <a:r>
-                        <a:rPr lang="en-US" altLang="zh-TW" sz="1800" dirty="0"/>
-                        <a:t>283</a:t>
-                      </a:r>
-                      <a:endParaRPr lang="zh-TW" altLang="en-US" sz="1800" dirty="0"/>
-                    </a:p>
-                  </a:txBody>
-                  <a:tcPr marL="91439" marR="91439" anchor="ctr">
-                    <a:lnL>
-                      <a:noFill/>
-                    </a:lnL>
-                    <a:lnR>
-                      <a:noFill/>
-                    </a:lnR>
-                    <a:lnT>
-                      <a:noFill/>
-                    </a:lnT>
-                    <a:lnB>
-                      <a:noFill/>
-                    </a:lnB>
-                    <a:solidFill>
-                      <a:schemeClr val="accent5"/>
-                    </a:solidFill>
-                  </a:tcPr>
-                </a:tc>
-                <a:extLst>
-                  <a:ext uri="{0D108BD9-81ED-4DB2-BD59-A6C34878D82A}">
-                    <a16:rowId xmlns:a16="http://schemas.microsoft.com/office/drawing/2014/main" val="10004"/>
-                  </a:ext>
-                </a:extLst>
-              </a:tr>
-              <a:tr h="390814">
-                <a:tc>
-                  <a:txBody>
-                    <a:bodyPr/>
-                    <a:lstStyle/>
-                    <a:p>
-                      <a:r>
-                        <a:rPr lang="en-US" sz="1800">
-                          <a:hlinkClick r:id="rId3" action="ppaction://hlinkfile" tooltip="Opensolaris"/>
-                        </a:rPr>
-                        <a:t>OpenSolaris</a:t>
-                      </a:r>
-                      <a:endParaRPr lang="en-US" sz="1800"/>
-                    </a:p>
-                  </a:txBody>
-                  <a:tcPr marL="91439" marR="91439" anchor="ctr">
-                    <a:lnL>
-                      <a:noFill/>
-                    </a:lnL>
-                    <a:lnR>
-                      <a:noFill/>
-                    </a:lnR>
-                    <a:lnT>
-                      <a:noFill/>
-                    </a:lnT>
-                    <a:lnB>
-                      <a:noFill/>
-                    </a:lnB>
-                  </a:tcPr>
-                </a:tc>
-                <a:tc>
-                  <a:txBody>
-                    <a:bodyPr/>
-                    <a:lstStyle/>
-                    <a:p>
-                      <a:r>
-                        <a:rPr lang="en-US" altLang="zh-TW" sz="1800" dirty="0"/>
-                        <a:t>9.7</a:t>
-                      </a:r>
-                    </a:p>
-                  </a:txBody>
-                  <a:tcPr marL="91439" marR="91439" anchor="ctr">
-                    <a:lnL>
-                      <a:noFill/>
-                    </a:lnL>
-                    <a:lnR>
-                      <a:noFill/>
-                    </a:lnR>
-                    <a:lnT>
-                      <a:noFill/>
-                    </a:lnT>
-                    <a:lnB>
-                      <a:noFill/>
-                    </a:lnB>
-                  </a:tcPr>
-                </a:tc>
-                <a:extLst>
-                  <a:ext uri="{0D108BD9-81ED-4DB2-BD59-A6C34878D82A}">
-                    <a16:rowId xmlns:a16="http://schemas.microsoft.com/office/drawing/2014/main" val="10005"/>
-                  </a:ext>
-                </a:extLst>
-              </a:tr>
-              <a:tr h="390814">
-                <a:tc>
-                  <a:txBody>
-                    <a:bodyPr/>
-                    <a:lstStyle/>
-                    <a:p>
-                      <a:r>
-                        <a:rPr lang="en-US" sz="1800" dirty="0">
-                          <a:hlinkClick r:id="rId4" action="ppaction://hlinkfile" tooltip="FreeBSD"/>
-                        </a:rPr>
-                        <a:t>FreeBSD</a:t>
-                      </a:r>
-                      <a:endParaRPr lang="en-US" sz="1800" dirty="0"/>
-                    </a:p>
-                  </a:txBody>
-                  <a:tcPr marL="91439" marR="91439" anchor="ctr">
-                    <a:lnL>
-                      <a:noFill/>
-                    </a:lnL>
-                    <a:lnR>
-                      <a:noFill/>
-                    </a:lnR>
-                    <a:lnT>
-                      <a:noFill/>
-                    </a:lnT>
-                    <a:lnB>
-                      <a:noFill/>
-                    </a:lnB>
-                    <a:solidFill>
-                      <a:schemeClr val="accent5"/>
-                    </a:solidFill>
-                  </a:tcPr>
-                </a:tc>
-                <a:tc>
-                  <a:txBody>
-                    <a:bodyPr/>
-                    <a:lstStyle/>
-                    <a:p>
-                      <a:r>
-                        <a:rPr lang="en-US" altLang="zh-TW" sz="1800" dirty="0"/>
-                        <a:t>8.8</a:t>
-                      </a:r>
-                    </a:p>
-                  </a:txBody>
-                  <a:tcPr marL="91439" marR="91439" anchor="ctr">
-                    <a:lnL>
-                      <a:noFill/>
-                    </a:lnL>
-                    <a:lnR>
-                      <a:noFill/>
-                    </a:lnR>
-                    <a:lnT>
-                      <a:noFill/>
-                    </a:lnT>
-                    <a:lnB>
-                      <a:noFill/>
-                    </a:lnB>
-                    <a:solidFill>
-                      <a:schemeClr val="accent5"/>
-                    </a:solidFill>
-                  </a:tcPr>
-                </a:tc>
-                <a:extLst>
-                  <a:ext uri="{0D108BD9-81ED-4DB2-BD59-A6C34878D82A}">
-                    <a16:rowId xmlns:a16="http://schemas.microsoft.com/office/drawing/2014/main" val="10006"/>
-                  </a:ext>
-                </a:extLst>
-              </a:tr>
-              <a:tr h="390814">
-                <a:tc>
-                  <a:txBody>
-                    <a:bodyPr/>
-                    <a:lstStyle/>
-                    <a:p>
-                      <a:r>
-                        <a:rPr lang="en-US" sz="1800">
-                          <a:hlinkClick r:id="rId5" action="ppaction://hlinkfile" tooltip="Mac OS X"/>
-                        </a:rPr>
-                        <a:t>Mac OS X</a:t>
-                      </a:r>
-                      <a:r>
-                        <a:rPr lang="en-US" sz="1800"/>
-                        <a:t> 10.4</a:t>
-                      </a:r>
-                    </a:p>
-                  </a:txBody>
-                  <a:tcPr marL="91439" marR="91439" anchor="ctr">
-                    <a:lnL>
-                      <a:noFill/>
-                    </a:lnL>
-                    <a:lnR>
-                      <a:noFill/>
-                    </a:lnR>
-                    <a:lnT>
-                      <a:noFill/>
-                    </a:lnT>
-                    <a:lnB>
-                      <a:noFill/>
-                    </a:lnB>
-                  </a:tcPr>
-                </a:tc>
-                <a:tc>
-                  <a:txBody>
-                    <a:bodyPr/>
-                    <a:lstStyle/>
-                    <a:p>
-                      <a:r>
-                        <a:rPr lang="en-US" altLang="zh-TW" sz="1800" dirty="0"/>
-                        <a:t>86</a:t>
-                      </a:r>
-                      <a:endParaRPr lang="zh-TW" altLang="en-US" sz="1800" dirty="0"/>
-                    </a:p>
-                  </a:txBody>
-                  <a:tcPr marL="91439" marR="91439" anchor="ctr">
-                    <a:lnL>
-                      <a:noFill/>
-                    </a:lnL>
-                    <a:lnR>
-                      <a:noFill/>
-                    </a:lnR>
-                    <a:lnT>
-                      <a:noFill/>
-                    </a:lnT>
-                    <a:lnB>
-                      <a:noFill/>
-                    </a:lnB>
-                  </a:tcPr>
-                </a:tc>
-                <a:extLst>
-                  <a:ext uri="{0D108BD9-81ED-4DB2-BD59-A6C34878D82A}">
-                    <a16:rowId xmlns:a16="http://schemas.microsoft.com/office/drawing/2014/main" val="10007"/>
-                  </a:ext>
-                </a:extLst>
-              </a:tr>
-              <a:tr h="390814">
-                <a:tc>
-                  <a:txBody>
-                    <a:bodyPr/>
-                    <a:lstStyle/>
-                    <a:p>
-                      <a:r>
-                        <a:rPr lang="en-US" sz="1800" dirty="0">
-                          <a:hlinkClick r:id="rId6" action="ppaction://hlinkfile" tooltip="Linux (kernel)"/>
-                        </a:rPr>
-                        <a:t>Linux kernel</a:t>
-                      </a:r>
-                      <a:r>
-                        <a:rPr lang="en-US" sz="1800" dirty="0"/>
-                        <a:t> 2.6.0</a:t>
-                      </a:r>
-                    </a:p>
-                  </a:txBody>
-                  <a:tcPr marL="91439" marR="91439" anchor="ctr">
-                    <a:lnL>
-                      <a:noFill/>
-                    </a:lnL>
-                    <a:lnR>
-                      <a:noFill/>
-                    </a:lnR>
-                    <a:lnT>
-                      <a:noFill/>
-                    </a:lnT>
-                    <a:lnB>
-                      <a:noFill/>
-                    </a:lnB>
-                    <a:solidFill>
-                      <a:schemeClr val="accent5"/>
-                    </a:solidFill>
-                  </a:tcPr>
-                </a:tc>
-                <a:tc>
-                  <a:txBody>
-                    <a:bodyPr/>
-                    <a:lstStyle/>
-                    <a:p>
-                      <a:r>
-                        <a:rPr lang="en-US" altLang="zh-TW" sz="1800" dirty="0"/>
-                        <a:t>5.2</a:t>
-                      </a:r>
-                    </a:p>
-                  </a:txBody>
-                  <a:tcPr marL="91439" marR="91439" anchor="ctr">
-                    <a:lnL>
-                      <a:noFill/>
-                    </a:lnL>
-                    <a:lnR>
-                      <a:noFill/>
-                    </a:lnR>
-                    <a:lnT>
-                      <a:noFill/>
-                    </a:lnT>
-                    <a:lnB>
-                      <a:noFill/>
-                    </a:lnB>
-                    <a:solidFill>
-                      <a:schemeClr val="accent5"/>
-                    </a:solidFill>
-                  </a:tcPr>
-                </a:tc>
-                <a:extLst>
-                  <a:ext uri="{0D108BD9-81ED-4DB2-BD59-A6C34878D82A}">
-                    <a16:rowId xmlns:a16="http://schemas.microsoft.com/office/drawing/2014/main" val="10008"/>
-                  </a:ext>
-                </a:extLst>
-              </a:tr>
-              <a:tr h="390814">
-                <a:tc>
-                  <a:txBody>
-                    <a:bodyPr/>
-                    <a:lstStyle/>
-                    <a:p>
-                      <a:r>
-                        <a:rPr lang="en-US" sz="1800">
-                          <a:hlinkClick r:id="rId6" action="ppaction://hlinkfile" tooltip="Linux (kernel)"/>
-                        </a:rPr>
-                        <a:t>Linux kernel</a:t>
-                      </a:r>
-                      <a:r>
-                        <a:rPr lang="en-US" sz="1800"/>
-                        <a:t> 2.6.29</a:t>
-                      </a:r>
-                    </a:p>
-                  </a:txBody>
-                  <a:tcPr marL="91439" marR="91439" anchor="ctr">
-                    <a:lnL>
-                      <a:noFill/>
-                    </a:lnL>
-                    <a:lnR>
-                      <a:noFill/>
-                    </a:lnR>
-                    <a:lnT>
-                      <a:noFill/>
-                    </a:lnT>
-                    <a:lnB>
-                      <a:noFill/>
-                    </a:lnB>
-                  </a:tcPr>
-                </a:tc>
-                <a:tc>
-                  <a:txBody>
-                    <a:bodyPr/>
-                    <a:lstStyle/>
-                    <a:p>
-                      <a:r>
-                        <a:rPr lang="en-US" altLang="zh-TW" sz="1800"/>
-                        <a:t>11.0</a:t>
-                      </a:r>
-                    </a:p>
-                  </a:txBody>
-                  <a:tcPr marL="91439" marR="91439" anchor="ctr">
-                    <a:lnL>
-                      <a:noFill/>
-                    </a:lnL>
-                    <a:lnR>
-                      <a:noFill/>
-                    </a:lnR>
-                    <a:lnT>
-                      <a:noFill/>
-                    </a:lnT>
-                    <a:lnB>
-                      <a:noFill/>
-                    </a:lnB>
-                  </a:tcPr>
-                </a:tc>
-                <a:extLst>
-                  <a:ext uri="{0D108BD9-81ED-4DB2-BD59-A6C34878D82A}">
-                    <a16:rowId xmlns:a16="http://schemas.microsoft.com/office/drawing/2014/main" val="10009"/>
-                  </a:ext>
-                </a:extLst>
-              </a:tr>
-              <a:tr h="390814">
-                <a:tc>
-                  <a:txBody>
-                    <a:bodyPr/>
-                    <a:lstStyle/>
-                    <a:p>
-                      <a:r>
-                        <a:rPr lang="en-US" sz="1800" dirty="0">
-                          <a:hlinkClick r:id="rId6" action="ppaction://hlinkfile" tooltip="Linux (kernel)"/>
-                        </a:rPr>
-                        <a:t>Linux kernel</a:t>
-                      </a:r>
-                      <a:r>
-                        <a:rPr lang="en-US" sz="1800" dirty="0"/>
-                        <a:t> 2.6.32</a:t>
-                      </a:r>
-                    </a:p>
-                  </a:txBody>
-                  <a:tcPr marL="91439" marR="91439" anchor="ctr">
-                    <a:lnL>
-                      <a:noFill/>
-                    </a:lnL>
-                    <a:lnR>
-                      <a:noFill/>
-                    </a:lnR>
-                    <a:lnT>
-                      <a:noFill/>
-                    </a:lnT>
-                    <a:lnB>
-                      <a:noFill/>
-                    </a:lnB>
-                    <a:solidFill>
-                      <a:schemeClr val="accent5"/>
-                    </a:solidFill>
-                  </a:tcPr>
-                </a:tc>
-                <a:tc>
-                  <a:txBody>
-                    <a:bodyPr/>
-                    <a:lstStyle/>
-                    <a:p>
-                      <a:r>
-                        <a:rPr lang="en-US" altLang="zh-TW" sz="1800" dirty="0"/>
-                        <a:t>12.6</a:t>
-                      </a:r>
-                      <a:endParaRPr lang="zh-TW" altLang="en-US" sz="1800" dirty="0"/>
-                    </a:p>
-                  </a:txBody>
-                  <a:tcPr marL="91439" marR="91439" anchor="ctr">
-                    <a:lnL>
-                      <a:noFill/>
-                    </a:lnL>
-                    <a:lnR>
-                      <a:noFill/>
-                    </a:lnR>
-                    <a:lnT>
-                      <a:noFill/>
-                    </a:lnT>
-                    <a:lnB>
-                      <a:noFill/>
-                    </a:lnB>
-                    <a:solidFill>
-                      <a:schemeClr val="accent5"/>
-                    </a:solidFill>
-                  </a:tcPr>
-                </a:tc>
-                <a:extLst>
-                  <a:ext uri="{0D108BD9-81ED-4DB2-BD59-A6C34878D82A}">
-                    <a16:rowId xmlns:a16="http://schemas.microsoft.com/office/drawing/2014/main" val="10010"/>
-                  </a:ext>
-                </a:extLst>
-              </a:tr>
-            </a:tbl>
-          </a:graphicData>
-        </a:graphic>
-      </p:graphicFrame>
-      <p:sp>
-        <p:nvSpPr>
-          <p:cNvPr id="27676" name="圓角矩形圖說文字 6"/>
-          <p:cNvSpPr>
-            <a:spLocks noChangeArrowheads="1"/>
-          </p:cNvSpPr>
-          <p:nvPr/>
-        </p:nvSpPr>
-        <p:spPr bwMode="auto">
-          <a:xfrm>
-            <a:off x="6884987" y="2262187"/>
-            <a:ext cx="2106613" cy="1079500"/>
-          </a:xfrm>
-          <a:prstGeom prst="wedgeRoundRectCallout">
-            <a:avLst>
-              <a:gd name="adj1" fmla="val -54855"/>
-              <a:gd name="adj2" fmla="val -73772"/>
-              <a:gd name="adj3" fmla="val 16667"/>
-            </a:avLst>
-          </a:prstGeom>
-          <a:solidFill>
-            <a:schemeClr val="accent4"/>
-          </a:solidFill>
-          <a:ln w="9525" algn="ctr">
-            <a:solidFill>
-              <a:schemeClr val="tx1"/>
-            </a:solidFill>
-            <a:round/>
-            <a:headEnd/>
-            <a:tailEnd/>
-          </a:ln>
-        </p:spPr>
-        <p:txBody>
-          <a:bodyPr/>
-          <a:lstStyle>
-            <a:lvl1pPr>
-              <a:spcBef>
-                <a:spcPct val="20000"/>
-              </a:spcBef>
-              <a:buClr>
-                <a:srgbClr val="6B9941"/>
-              </a:buClr>
-              <a:buFont typeface="Times" panose="02020603050405020304" pitchFamily="18" charset="0"/>
-              <a:buChar char="•"/>
-              <a:defRPr sz="3200">
-                <a:solidFill>
-                  <a:schemeClr val="tx1"/>
-                </a:solidFill>
-                <a:latin typeface="Arial" panose="020B0604020202020204" pitchFamily="34" charset="0"/>
-                <a:ea typeface="ヒラギノ角ゴ Pro W3" pitchFamily="1" charset="-128"/>
-              </a:defRPr>
-            </a:lvl1pPr>
-            <a:lvl2pPr marL="742950" indent="-285750">
-              <a:spcBef>
-                <a:spcPct val="20000"/>
-              </a:spcBef>
-              <a:buClr>
-                <a:srgbClr val="6B9941"/>
-              </a:buClr>
-              <a:buChar char="–"/>
-              <a:defRPr sz="2800">
-                <a:solidFill>
-                  <a:schemeClr val="tx1"/>
-                </a:solidFill>
-                <a:latin typeface="Arial" panose="020B0604020202020204" pitchFamily="34" charset="0"/>
-                <a:ea typeface="ヒラギノ角ゴ Pro W3" pitchFamily="1" charset="-128"/>
-              </a:defRPr>
-            </a:lvl2pPr>
-            <a:lvl3pPr marL="1143000" indent="-228600">
-              <a:spcBef>
-                <a:spcPct val="20000"/>
-              </a:spcBef>
-              <a:buClr>
-                <a:srgbClr val="6B9941"/>
-              </a:buClr>
-              <a:buChar char="•"/>
-              <a:defRPr sz="2400">
-                <a:solidFill>
-                  <a:schemeClr val="tx1"/>
-                </a:solidFill>
-                <a:latin typeface="Arial" panose="020B0604020202020204" pitchFamily="34" charset="0"/>
-                <a:ea typeface="ヒラギノ角ゴ Pro W3" pitchFamily="1" charset="-128"/>
-              </a:defRPr>
-            </a:lvl3pPr>
-            <a:lvl4pPr marL="1600200" indent="-228600">
-              <a:spcBef>
-                <a:spcPct val="20000"/>
-              </a:spcBef>
-              <a:buClr>
-                <a:srgbClr val="6B9941"/>
-              </a:buClr>
-              <a:buChar char="–"/>
-              <a:defRPr sz="2000">
-                <a:solidFill>
-                  <a:schemeClr val="tx1"/>
-                </a:solidFill>
-                <a:latin typeface="Arial" panose="020B0604020202020204" pitchFamily="34" charset="0"/>
-                <a:ea typeface="ヒラギノ角ゴ Pro W3" pitchFamily="1" charset="-128"/>
-              </a:defRPr>
-            </a:lvl4pPr>
-            <a:lvl5pPr marL="2057400" indent="-228600">
-              <a:spcBef>
-                <a:spcPct val="20000"/>
-              </a:spcBef>
-              <a:buClr>
-                <a:srgbClr val="6B9941"/>
-              </a:buClr>
-              <a:buChar char="»"/>
-              <a:defRPr sz="2000">
-                <a:solidFill>
-                  <a:schemeClr val="tx1"/>
-                </a:solidFill>
-                <a:latin typeface="Arial" panose="020B0604020202020204" pitchFamily="34" charset="0"/>
-                <a:ea typeface="ヒラギノ角ゴ Pro W3" pitchFamily="1" charset="-128"/>
-              </a:defRPr>
-            </a:lvl5pPr>
-            <a:lvl6pPr marL="2514600" indent="-228600" eaLnBrk="0" fontAlgn="base" hangingPunct="0">
-              <a:spcBef>
-                <a:spcPct val="20000"/>
-              </a:spcBef>
-              <a:spcAft>
-                <a:spcPct val="0"/>
-              </a:spcAft>
-              <a:buClr>
-                <a:srgbClr val="6B9941"/>
-              </a:buClr>
-              <a:buChar char="»"/>
-              <a:defRPr sz="2000">
-                <a:solidFill>
-                  <a:schemeClr val="tx1"/>
-                </a:solidFill>
-                <a:latin typeface="Arial" panose="020B0604020202020204" pitchFamily="34" charset="0"/>
-                <a:ea typeface="ヒラギノ角ゴ Pro W3" pitchFamily="1" charset="-128"/>
-              </a:defRPr>
-            </a:lvl6pPr>
-            <a:lvl7pPr marL="2971800" indent="-228600" eaLnBrk="0" fontAlgn="base" hangingPunct="0">
-              <a:spcBef>
-                <a:spcPct val="20000"/>
-              </a:spcBef>
-              <a:spcAft>
-                <a:spcPct val="0"/>
-              </a:spcAft>
-              <a:buClr>
-                <a:srgbClr val="6B9941"/>
-              </a:buClr>
-              <a:buChar char="»"/>
-              <a:defRPr sz="2000">
-                <a:solidFill>
-                  <a:schemeClr val="tx1"/>
-                </a:solidFill>
-                <a:latin typeface="Arial" panose="020B0604020202020204" pitchFamily="34" charset="0"/>
-                <a:ea typeface="ヒラギノ角ゴ Pro W3" pitchFamily="1" charset="-128"/>
-              </a:defRPr>
-            </a:lvl7pPr>
-            <a:lvl8pPr marL="3429000" indent="-228600" eaLnBrk="0" fontAlgn="base" hangingPunct="0">
-              <a:spcBef>
-                <a:spcPct val="20000"/>
-              </a:spcBef>
-              <a:spcAft>
-                <a:spcPct val="0"/>
-              </a:spcAft>
-              <a:buClr>
-                <a:srgbClr val="6B9941"/>
-              </a:buClr>
-              <a:buChar char="»"/>
-              <a:defRPr sz="2000">
-                <a:solidFill>
-                  <a:schemeClr val="tx1"/>
-                </a:solidFill>
-                <a:latin typeface="Arial" panose="020B0604020202020204" pitchFamily="34" charset="0"/>
-                <a:ea typeface="ヒラギノ角ゴ Pro W3" pitchFamily="1" charset="-128"/>
-              </a:defRPr>
-            </a:lvl8pPr>
-            <a:lvl9pPr marL="3886200" indent="-228600" eaLnBrk="0" fontAlgn="base" hangingPunct="0">
-              <a:spcBef>
-                <a:spcPct val="20000"/>
-              </a:spcBef>
-              <a:spcAft>
-                <a:spcPct val="0"/>
-              </a:spcAft>
-              <a:buClr>
-                <a:srgbClr val="6B9941"/>
-              </a:buClr>
-              <a:buChar char="»"/>
-              <a:defRPr sz="2000">
-                <a:solidFill>
-                  <a:schemeClr val="tx1"/>
-                </a:solidFill>
-                <a:latin typeface="Arial" panose="020B0604020202020204" pitchFamily="34" charset="0"/>
-                <a:ea typeface="ヒラギノ角ゴ Pro W3" pitchFamily="1" charset="-128"/>
-              </a:defRPr>
-            </a:lvl9pPr>
-          </a:lstStyle>
-          <a:p>
-            <a:pPr>
-              <a:spcBef>
-                <a:spcPct val="0"/>
-              </a:spcBef>
-              <a:buClrTx/>
-              <a:buFontTx/>
-              <a:buNone/>
-            </a:pPr>
-            <a:r>
-              <a:rPr lang="en-US" altLang="zh-TW" sz="2800">
-                <a:latin typeface="+mn-lt"/>
-              </a:rPr>
-              <a:t>source lines of code</a:t>
-            </a:r>
-            <a:endParaRPr lang="zh-TW" altLang="en-US" sz="2800">
-              <a:latin typeface="+mn-lt"/>
-            </a:endParaRPr>
-          </a:p>
-        </p:txBody>
-      </p:sp>
-      <p:sp>
-        <p:nvSpPr>
-          <p:cNvPr id="7" name="Slide Number Placeholder 5">
-            <a:extLst>
-              <a:ext uri="{FF2B5EF4-FFF2-40B4-BE49-F238E27FC236}">
-                <a16:creationId xmlns:a16="http://schemas.microsoft.com/office/drawing/2014/main" id="{0A27FD97-F845-4B38-A1A7-B87331A2E447}"/>
-              </a:ext>
-            </a:extLst>
-          </p:cNvPr>
-          <p:cNvSpPr txBox="1">
-            <a:spLocks/>
-          </p:cNvSpPr>
-          <p:nvPr/>
-        </p:nvSpPr>
-        <p:spPr bwMode="auto">
-          <a:xfrm>
-            <a:off x="8001000" y="6477000"/>
-            <a:ext cx="609600" cy="304800"/>
-          </a:xfrm>
-          <a:prstGeom prst="rect">
-            <a:avLst/>
-          </a:prstGeom>
-          <a:noFill/>
-          <a:ln w="9525">
-            <a:noFill/>
-            <a:miter lim="800000"/>
-            <a:headEnd/>
-            <a:tailEnd/>
-          </a:ln>
-          <a:effectLst/>
-        </p:spPr>
-        <p:txBody>
-          <a:bodyPr vert="horz" wrap="square" lIns="91440" tIns="45720" rIns="91440" bIns="45720" numCol="1" anchor="b" anchorCtr="0" compatLnSpc="1">
-            <a:prstTxWarp prst="textNoShape">
-              <a:avLst/>
-            </a:prstTxWarp>
-          </a:bodyPr>
-          <a:lstStyle>
-            <a:defPPr>
-              <a:defRPr lang="en-US"/>
-            </a:defPPr>
-            <a:lvl1pPr algn="r" rtl="0" eaLnBrk="1" fontAlgn="base" hangingPunct="1">
-              <a:spcBef>
-                <a:spcPct val="20000"/>
-              </a:spcBef>
-              <a:spcAft>
-                <a:spcPct val="0"/>
-              </a:spcAft>
-              <a:buClr>
-                <a:schemeClr val="hlink"/>
-              </a:buClr>
-              <a:buSzPct val="90000"/>
-              <a:buFont typeface="Wingdings" panose="05000000000000000000" pitchFamily="2" charset="2"/>
-              <a:buBlip>
-                <a:blip r:embed="rId7"/>
-              </a:buBlip>
-              <a:defRPr sz="3200" kern="1200">
-                <a:solidFill>
-                  <a:schemeClr val="tx1"/>
-                </a:solidFill>
-                <a:effectLst>
-                  <a:outerShdw blurRad="38100" dist="38100" dir="2700000" algn="tl">
-                    <a:srgbClr val="000000"/>
-                  </a:outerShdw>
-                </a:effectLst>
-                <a:latin typeface="Arial" panose="020B0604020202020204" pitchFamily="34" charset="0"/>
-                <a:ea typeface="新細明體" panose="02020500000000000000" pitchFamily="18" charset="-120"/>
-                <a:cs typeface="+mn-cs"/>
-              </a:defRPr>
-            </a:lvl1pPr>
-            <a:lvl2pPr marL="742950" indent="-285750" algn="l" rtl="0" eaLnBrk="0" fontAlgn="base" hangingPunct="0">
-              <a:spcBef>
-                <a:spcPct val="20000"/>
-              </a:spcBef>
-              <a:spcAft>
-                <a:spcPct val="0"/>
-              </a:spcAft>
-              <a:buChar char="–"/>
-              <a:defRPr sz="2800" kern="1200">
-                <a:solidFill>
-                  <a:schemeClr val="tx1"/>
-                </a:solidFill>
-                <a:latin typeface="Arial" panose="020B0604020202020204" pitchFamily="34" charset="0"/>
-                <a:ea typeface="+mn-ea"/>
-                <a:cs typeface="+mn-cs"/>
-              </a:defRPr>
-            </a:lvl2pPr>
-            <a:lvl3pPr marL="1143000" indent="-228600" algn="l" rtl="0" eaLnBrk="0" fontAlgn="base" hangingPunct="0">
-              <a:spcBef>
-                <a:spcPct val="20000"/>
-              </a:spcBef>
-              <a:spcAft>
-                <a:spcPct val="0"/>
-              </a:spcAft>
-              <a:buClr>
-                <a:schemeClr val="accent2"/>
-              </a:buClr>
-              <a:buSzPct val="90000"/>
-              <a:buFont typeface="Wingdings" panose="05000000000000000000" pitchFamily="2" charset="2"/>
-              <a:buBlip>
-                <a:blip r:embed="rId8"/>
-              </a:buBlip>
-              <a:defRPr sz="2400" kern="1200">
-                <a:solidFill>
-                  <a:schemeClr val="tx1"/>
-                </a:solidFill>
-                <a:latin typeface="Arial" panose="020B0604020202020204" pitchFamily="34" charset="0"/>
-                <a:ea typeface="+mn-ea"/>
-                <a:cs typeface="+mn-cs"/>
-              </a:defRPr>
-            </a:lvl3pPr>
-            <a:lvl4pPr marL="1600200" indent="-228600" algn="l" rtl="0" eaLnBrk="0" fontAlgn="base" hangingPunct="0">
-              <a:spcBef>
-                <a:spcPct val="20000"/>
-              </a:spcBef>
-              <a:spcAft>
-                <a:spcPct val="0"/>
-              </a:spcAft>
-              <a:buChar char="–"/>
-              <a:defRPr sz="2000" kern="1200">
-                <a:solidFill>
-                  <a:schemeClr val="tx1"/>
-                </a:solidFill>
-                <a:latin typeface="Arial" panose="020B0604020202020204" pitchFamily="34" charset="0"/>
-                <a:ea typeface="+mn-ea"/>
-                <a:cs typeface="+mn-cs"/>
-              </a:defRPr>
-            </a:lvl4pPr>
-            <a:lvl5pPr marL="2057400" indent="-228600" algn="l" rtl="0" eaLnBrk="0" fontAlgn="base" hangingPunct="0">
-              <a:spcBef>
-                <a:spcPct val="20000"/>
-              </a:spcBef>
-              <a:spcAft>
-                <a:spcPct val="0"/>
-              </a:spcAft>
-              <a:buClr>
-                <a:schemeClr val="folHlink"/>
-              </a:buClr>
-              <a:buSzPct val="90000"/>
-              <a:buFont typeface="Wingdings" panose="05000000000000000000" pitchFamily="2" charset="2"/>
-              <a:buBlip>
-                <a:blip r:embed="rId9"/>
-              </a:buBlip>
-              <a:defRPr sz="2000" kern="1200">
-                <a:solidFill>
-                  <a:schemeClr val="tx1"/>
-                </a:solidFill>
-                <a:latin typeface="Arial" panose="020B0604020202020204" pitchFamily="34" charset="0"/>
-                <a:ea typeface="+mn-ea"/>
-                <a:cs typeface="+mn-cs"/>
-              </a:defRPr>
-            </a:lvl5pPr>
-            <a:lvl6pPr marL="2514600" indent="-228600" algn="l" defTabSz="914400" rtl="0" eaLnBrk="0" fontAlgn="base" latinLnBrk="0" hangingPunct="0">
-              <a:spcBef>
-                <a:spcPct val="20000"/>
-              </a:spcBef>
-              <a:spcAft>
-                <a:spcPct val="0"/>
-              </a:spcAft>
-              <a:buClr>
-                <a:schemeClr val="folHlink"/>
-              </a:buClr>
-              <a:buSzPct val="90000"/>
-              <a:buFont typeface="Wingdings" panose="05000000000000000000" pitchFamily="2" charset="2"/>
-              <a:buBlip>
-                <a:blip r:embed="rId9"/>
-              </a:buBlip>
-              <a:defRPr sz="2000" kern="1200">
-                <a:solidFill>
-                  <a:schemeClr val="tx1"/>
-                </a:solidFill>
-                <a:latin typeface="Arial" panose="020B0604020202020204" pitchFamily="34" charset="0"/>
-                <a:ea typeface="+mn-ea"/>
-                <a:cs typeface="+mn-cs"/>
-              </a:defRPr>
-            </a:lvl6pPr>
-            <a:lvl7pPr marL="2971800" indent="-228600" algn="l" defTabSz="914400" rtl="0" eaLnBrk="0" fontAlgn="base" latinLnBrk="0" hangingPunct="0">
-              <a:spcBef>
-                <a:spcPct val="20000"/>
-              </a:spcBef>
-              <a:spcAft>
-                <a:spcPct val="0"/>
-              </a:spcAft>
-              <a:buClr>
-                <a:schemeClr val="folHlink"/>
-              </a:buClr>
-              <a:buSzPct val="90000"/>
-              <a:buFont typeface="Wingdings" panose="05000000000000000000" pitchFamily="2" charset="2"/>
-              <a:buBlip>
-                <a:blip r:embed="rId9"/>
-              </a:buBlip>
-              <a:defRPr sz="2000" kern="1200">
-                <a:solidFill>
-                  <a:schemeClr val="tx1"/>
-                </a:solidFill>
-                <a:latin typeface="Arial" panose="020B0604020202020204" pitchFamily="34" charset="0"/>
-                <a:ea typeface="+mn-ea"/>
-                <a:cs typeface="+mn-cs"/>
-              </a:defRPr>
-            </a:lvl7pPr>
-            <a:lvl8pPr marL="3429000" indent="-228600" algn="l" defTabSz="914400" rtl="0" eaLnBrk="0" fontAlgn="base" latinLnBrk="0" hangingPunct="0">
-              <a:spcBef>
-                <a:spcPct val="20000"/>
-              </a:spcBef>
-              <a:spcAft>
-                <a:spcPct val="0"/>
-              </a:spcAft>
-              <a:buClr>
-                <a:schemeClr val="folHlink"/>
-              </a:buClr>
-              <a:buSzPct val="90000"/>
-              <a:buFont typeface="Wingdings" panose="05000000000000000000" pitchFamily="2" charset="2"/>
-              <a:buBlip>
-                <a:blip r:embed="rId9"/>
-              </a:buBlip>
-              <a:defRPr sz="2000" kern="1200">
-                <a:solidFill>
-                  <a:schemeClr val="tx1"/>
-                </a:solidFill>
-                <a:latin typeface="Arial" panose="020B0604020202020204" pitchFamily="34" charset="0"/>
-                <a:ea typeface="+mn-ea"/>
-                <a:cs typeface="+mn-cs"/>
-              </a:defRPr>
-            </a:lvl8pPr>
-            <a:lvl9pPr marL="3886200" indent="-228600" algn="l" defTabSz="914400" rtl="0" eaLnBrk="0" fontAlgn="base" latinLnBrk="0" hangingPunct="0">
-              <a:spcBef>
-                <a:spcPct val="20000"/>
-              </a:spcBef>
-              <a:spcAft>
-                <a:spcPct val="0"/>
-              </a:spcAft>
-              <a:buClr>
-                <a:schemeClr val="folHlink"/>
-              </a:buClr>
-              <a:buSzPct val="90000"/>
-              <a:buFont typeface="Wingdings" panose="05000000000000000000" pitchFamily="2" charset="2"/>
-              <a:buBlip>
-                <a:blip r:embed="rId9"/>
-              </a:buBlip>
-              <a:defRPr sz="2000" kern="1200">
-                <a:solidFill>
-                  <a:schemeClr val="tx1"/>
-                </a:solidFill>
-                <a:latin typeface="Arial" panose="020B0604020202020204" pitchFamily="34" charset="0"/>
-                <a:ea typeface="+mn-ea"/>
-                <a:cs typeface="+mn-cs"/>
-              </a:defRPr>
-            </a:lvl9pPr>
-          </a:lstStyle>
-          <a:p>
-            <a:pPr>
-              <a:spcBef>
-                <a:spcPct val="0"/>
-              </a:spcBef>
-              <a:buClrTx/>
-              <a:buSzTx/>
-              <a:buFontTx/>
-              <a:buNone/>
-              <a:defRPr/>
-            </a:pPr>
-            <a:fld id="{2CC7230F-C004-4C72-A25E-75873641D9EF}" type="slidenum">
-              <a:rPr lang="zh-TW" altLang="en-US" sz="1800" smtClean="0">
-                <a:solidFill>
-                  <a:srgbClr val="FFFF00"/>
-                </a:solidFill>
-              </a:rPr>
-              <a:pPr>
-                <a:spcBef>
-                  <a:spcPct val="0"/>
-                </a:spcBef>
-                <a:buClrTx/>
-                <a:buSzTx/>
-                <a:buFontTx/>
-                <a:buNone/>
-                <a:defRPr/>
-              </a:pPr>
-              <a:t>9</a:t>
-            </a:fld>
-            <a:endParaRPr lang="en-US" altLang="zh-TW" sz="1800">
-              <a:solidFill>
-                <a:srgbClr val="FFFF00"/>
-              </a:solidFill>
-            </a:endParaRPr>
-          </a:p>
-        </p:txBody>
-      </p:sp>
-    </p:spTree>
-    <p:extLst>
-      <p:ext uri="{BB962C8B-B14F-4D97-AF65-F5344CB8AC3E}">
-        <p14:creationId xmlns:p14="http://schemas.microsoft.com/office/powerpoint/2010/main" val="1417832121"/>
-      </p:ext>
-    </p:extLst>
-  </p:cSld>
-  <p:clrMapOvr>
-    <a:masterClrMapping/>
-  </p:clrMapOvr>
-  <mc:AlternateContent xmlns:mc="http://schemas.openxmlformats.org/markup-compatibility/2006" xmlns:p14="http://schemas.microsoft.com/office/powerpoint/2010/main">
-    <mc:Choice Requires="p14">
-      <p:transition spd="slow" p14:dur="2000" advTm="6026">
-        <p:cut/>
-      </p:transition>
-    </mc:Choice>
-    <mc:Fallback xmlns="">
-      <p:transition spd="slow" advTm="6026">
         <p:cut/>
       </p:transition>
     </mc:Fallback>

--- a/courses/Compiler/2025.fall/Syllabus.pptx
+++ b/courses/Compiler/2025.fall/Syllabus.pptx
@@ -35629,13 +35629,13 @@
   <p:clrMapOvr>
     <a:masterClrMapping/>
   </p:clrMapOvr>
-  <mc:AlternateContent xmlns:mc="http://schemas.openxmlformats.org/markup-compatibility/2006">
-    <mc:Choice xmlns:p14="http://schemas.microsoft.com/office/powerpoint/2010/main" Requires="p14">
+  <mc:AlternateContent xmlns:mc="http://schemas.openxmlformats.org/markup-compatibility/2006" xmlns:p14="http://schemas.microsoft.com/office/powerpoint/2010/main">
+    <mc:Choice Requires="p14">
       <p:transition spd="slow" p14:dur="2000" advTm="204353">
         <p:cut/>
       </p:transition>
     </mc:Choice>
-    <mc:Fallback>
+    <mc:Fallback xmlns="">
       <p:transition spd="slow" advTm="204353">
         <p:cut/>
       </p:transition>
